--- a/Presentation.pptx
+++ b/Presentation.pptx
@@ -8,6 +8,8 @@
     <p:sldId id="259" r:id="rId2"/>
     <p:sldId id="257" r:id="rId3"/>
     <p:sldId id="258" r:id="rId4"/>
+    <p:sldId id="260" r:id="rId5"/>
+    <p:sldId id="261" r:id="rId6"/>
   </p:sldIdLst>
   <p:sldSz cx="12192000" cy="6858000"/>
   <p:notesSz cx="6858000" cy="9144000"/>
@@ -3607,7 +3609,23 @@
           <a:p>
             <a:r>
               <a:rPr lang="en-US" sz="2800" dirty="0"/>
-              <a:t>The one stop solution for making gains with in-stock gym equipment!</a:t>
+              <a:t>The one stop solution for </a:t>
+            </a:r>
+            <a:r>
+              <a:rPr lang="en-US" sz="2800" dirty="0" err="1"/>
+              <a:t>makin</a:t>
+            </a:r>
+            <a:r>
+              <a:rPr lang="en-US" sz="2800" dirty="0"/>
+              <a:t>’ </a:t>
+            </a:r>
+            <a:r>
+              <a:rPr lang="en-US" sz="2800" dirty="0" err="1"/>
+              <a:t>gainz</a:t>
+            </a:r>
+            <a:r>
+              <a:rPr lang="en-US" sz="2800" dirty="0"/>
+              <a:t> with in-stock gym equipment!</a:t>
             </a:r>
           </a:p>
           <a:p>
@@ -4140,10 +4158,10 @@
       </p:sp>
       <p:pic>
         <p:nvPicPr>
-          <p:cNvPr id="5" name="Content Placeholder 4" descr="Graphical user interface&#10;&#10;Description automatically generated">
-            <a:extLst>
-              <a:ext uri="{FF2B5EF4-FFF2-40B4-BE49-F238E27FC236}">
-                <a16:creationId xmlns:a16="http://schemas.microsoft.com/office/drawing/2014/main" id="{4FE4B678-85FF-E34C-A3D3-04740F9B85C5}"/>
+          <p:cNvPr id="9" name="Content Placeholder 8" descr="Graphical user interface&#10;&#10;Description automatically generated">
+            <a:extLst>
+              <a:ext uri="{FF2B5EF4-FFF2-40B4-BE49-F238E27FC236}">
+                <a16:creationId xmlns:a16="http://schemas.microsoft.com/office/drawing/2014/main" id="{590982A2-70C2-634A-8BFF-15BA1413C48C}"/>
               </a:ext>
             </a:extLst>
           </p:cNvPr>
@@ -4162,8 +4180,8 @@
         </p:blipFill>
         <p:spPr>
           <a:xfrm>
-            <a:off x="251007" y="484066"/>
-            <a:ext cx="11689986" cy="6856185"/>
+            <a:off x="1752939" y="471541"/>
+            <a:ext cx="9098991" cy="6872234"/>
           </a:xfrm>
         </p:spPr>
       </p:pic>
@@ -4171,6 +4189,6290 @@
     <p:extLst>
       <p:ext uri="{BB962C8B-B14F-4D97-AF65-F5344CB8AC3E}">
         <p14:creationId xmlns:p14="http://schemas.microsoft.com/office/powerpoint/2010/main" val="461492235"/>
+      </p:ext>
+    </p:extLst>
+  </p:cSld>
+  <p:clrMapOvr>
+    <a:masterClrMapping/>
+  </p:clrMapOvr>
+</p:sld>
+</file>
+
+<file path=ppt/slides/slide4.xml><?xml version="1.0" encoding="utf-8"?>
+<p:sld xmlns:a="http://schemas.openxmlformats.org/drawingml/2006/main" xmlns:r="http://schemas.openxmlformats.org/officeDocument/2006/relationships" xmlns:p="http://schemas.openxmlformats.org/presentationml/2006/main">
+  <p:cSld>
+    <p:spTree>
+      <p:nvGrpSpPr>
+        <p:cNvPr id="1" name=""/>
+        <p:cNvGrpSpPr/>
+        <p:nvPr/>
+      </p:nvGrpSpPr>
+      <p:grpSpPr>
+        <a:xfrm>
+          <a:off x="0" y="0"/>
+          <a:ext cx="0" cy="0"/>
+          <a:chOff x="0" y="0"/>
+          <a:chExt cx="0" cy="0"/>
+        </a:xfrm>
+      </p:grpSpPr>
+      <p:grpSp>
+        <p:nvGrpSpPr>
+          <p:cNvPr id="4" name="Group 3">
+            <a:extLst>
+              <a:ext uri="{FF2B5EF4-FFF2-40B4-BE49-F238E27FC236}">
+                <a16:creationId xmlns:a16="http://schemas.microsoft.com/office/drawing/2014/main" id="{ADC30A65-794A-AC4E-AA94-8B918E01A200}"/>
+              </a:ext>
+            </a:extLst>
+          </p:cNvPr>
+          <p:cNvGrpSpPr/>
+          <p:nvPr/>
+        </p:nvGrpSpPr>
+        <p:grpSpPr>
+          <a:xfrm>
+            <a:off x="2043684" y="4053907"/>
+            <a:ext cx="1671673" cy="1072985"/>
+            <a:chOff x="4424327" y="5175884"/>
+            <a:chExt cx="1671673" cy="1072985"/>
+          </a:xfrm>
+        </p:grpSpPr>
+        <p:pic>
+          <p:nvPicPr>
+            <p:cNvPr id="5" name="Graphic 8">
+              <a:extLst>
+                <a:ext uri="{FF2B5EF4-FFF2-40B4-BE49-F238E27FC236}">
+                  <a16:creationId xmlns:a16="http://schemas.microsoft.com/office/drawing/2014/main" id="{F0C8981F-88E5-4140-9E5A-74D471307DCE}"/>
+                </a:ext>
+              </a:extLst>
+            </p:cNvPr>
+            <p:cNvPicPr>
+              <a:picLocks noChangeAspect="1" noChangeArrowheads="1"/>
+            </p:cNvPicPr>
+            <p:nvPr/>
+          </p:nvPicPr>
+          <p:blipFill>
+            <a:blip r:embed="rId2">
+              <a:extLst>
+                <a:ext uri="{28A0092B-C50C-407E-A947-70E740481C1C}">
+                  <a14:useLocalDpi xmlns:a14="http://schemas.microsoft.com/office/drawing/2010/main" val="0"/>
+                </a:ext>
+              </a:extLst>
+            </a:blip>
+            <a:srcRect/>
+            <a:stretch>
+              <a:fillRect/>
+            </a:stretch>
+          </p:blipFill>
+          <p:spPr bwMode="auto">
+            <a:xfrm>
+              <a:off x="4935217" y="5175884"/>
+              <a:ext cx="640080" cy="640080"/>
+            </a:xfrm>
+            <a:prstGeom prst="rect">
+              <a:avLst/>
+            </a:prstGeom>
+            <a:noFill/>
+            <a:ln>
+              <a:noFill/>
+            </a:ln>
+            <a:extLst>
+              <a:ext uri="{909E8E84-426E-40DD-AFC4-6F175D3DCCD1}">
+                <a14:hiddenFill xmlns:a14="http://schemas.microsoft.com/office/drawing/2010/main">
+                  <a:solidFill>
+                    <a:srgbClr val="FFFFFF"/>
+                  </a:solidFill>
+                </a14:hiddenFill>
+              </a:ext>
+              <a:ext uri="{91240B29-F687-4F45-9708-019B960494DF}">
+                <a14:hiddenLine xmlns:a14="http://schemas.microsoft.com/office/drawing/2010/main" w="9525">
+                  <a:solidFill>
+                    <a:srgbClr val="000000"/>
+                  </a:solidFill>
+                  <a:miter lim="800000"/>
+                  <a:headEnd/>
+                  <a:tailEnd/>
+                </a14:hiddenLine>
+              </a:ext>
+            </a:extLst>
+          </p:spPr>
+        </p:pic>
+        <p:sp>
+          <p:nvSpPr>
+            <p:cNvPr id="6" name="TextBox 9">
+              <a:extLst>
+                <a:ext uri="{FF2B5EF4-FFF2-40B4-BE49-F238E27FC236}">
+                  <a16:creationId xmlns:a16="http://schemas.microsoft.com/office/drawing/2014/main" id="{82AD529E-57CE-DB48-9817-5EF084DA66FE}"/>
+                </a:ext>
+              </a:extLst>
+            </p:cNvPr>
+            <p:cNvSpPr txBox="1">
+              <a:spLocks noChangeArrowheads="1"/>
+            </p:cNvSpPr>
+            <p:nvPr/>
+          </p:nvSpPr>
+          <p:spPr bwMode="auto">
+            <a:xfrm>
+              <a:off x="4424327" y="5787204"/>
+              <a:ext cx="1671673" cy="461665"/>
+            </a:xfrm>
+            <a:prstGeom prst="rect">
+              <a:avLst/>
+            </a:prstGeom>
+            <a:noFill/>
+            <a:ln>
+              <a:noFill/>
+            </a:ln>
+            <a:extLst>
+              <a:ext uri="{909E8E84-426E-40DD-AFC4-6F175D3DCCD1}">
+                <a14:hiddenFill xmlns:a14="http://schemas.microsoft.com/office/drawing/2010/main">
+                  <a:solidFill>
+                    <a:srgbClr val="FFFFFF"/>
+                  </a:solidFill>
+                </a14:hiddenFill>
+              </a:ext>
+              <a:ext uri="{91240B29-F687-4F45-9708-019B960494DF}">
+                <a14:hiddenLine xmlns:a14="http://schemas.microsoft.com/office/drawing/2010/main" w="9525">
+                  <a:solidFill>
+                    <a:srgbClr val="000000"/>
+                  </a:solidFill>
+                  <a:miter lim="800000"/>
+                  <a:headEnd/>
+                  <a:tailEnd/>
+                </a14:hiddenLine>
+              </a:ext>
+            </a:extLst>
+          </p:spPr>
+          <p:txBody>
+            <a:bodyPr>
+              <a:spAutoFit/>
+            </a:bodyPr>
+            <a:lstStyle>
+              <a:lvl1pPr>
+                <a:defRPr>
+                  <a:solidFill>
+                    <a:schemeClr val="tx1"/>
+                  </a:solidFill>
+                  <a:latin typeface="Calibri" panose="020F0502020204030204" pitchFamily="34" charset="0"/>
+                </a:defRPr>
+              </a:lvl1pPr>
+              <a:lvl2pPr marL="742950" indent="-285750">
+                <a:defRPr>
+                  <a:solidFill>
+                    <a:schemeClr val="tx1"/>
+                  </a:solidFill>
+                  <a:latin typeface="Calibri" panose="020F0502020204030204" pitchFamily="34" charset="0"/>
+                </a:defRPr>
+              </a:lvl2pPr>
+              <a:lvl3pPr marL="1143000" indent="-228600">
+                <a:defRPr>
+                  <a:solidFill>
+                    <a:schemeClr val="tx1"/>
+                  </a:solidFill>
+                  <a:latin typeface="Calibri" panose="020F0502020204030204" pitchFamily="34" charset="0"/>
+                </a:defRPr>
+              </a:lvl3pPr>
+              <a:lvl4pPr marL="1600200" indent="-228600">
+                <a:defRPr>
+                  <a:solidFill>
+                    <a:schemeClr val="tx1"/>
+                  </a:solidFill>
+                  <a:latin typeface="Calibri" panose="020F0502020204030204" pitchFamily="34" charset="0"/>
+                </a:defRPr>
+              </a:lvl4pPr>
+              <a:lvl5pPr marL="2057400" indent="-228600">
+                <a:defRPr>
+                  <a:solidFill>
+                    <a:schemeClr val="tx1"/>
+                  </a:solidFill>
+                  <a:latin typeface="Calibri" panose="020F0502020204030204" pitchFamily="34" charset="0"/>
+                </a:defRPr>
+              </a:lvl5pPr>
+              <a:lvl6pPr marL="2514600" indent="-228600" eaLnBrk="0" fontAlgn="base" hangingPunct="0">
+                <a:spcBef>
+                  <a:spcPct val="0"/>
+                </a:spcBef>
+                <a:spcAft>
+                  <a:spcPct val="0"/>
+                </a:spcAft>
+                <a:defRPr>
+                  <a:solidFill>
+                    <a:schemeClr val="tx1"/>
+                  </a:solidFill>
+                  <a:latin typeface="Calibri" panose="020F0502020204030204" pitchFamily="34" charset="0"/>
+                </a:defRPr>
+              </a:lvl6pPr>
+              <a:lvl7pPr marL="2971800" indent="-228600" eaLnBrk="0" fontAlgn="base" hangingPunct="0">
+                <a:spcBef>
+                  <a:spcPct val="0"/>
+                </a:spcBef>
+                <a:spcAft>
+                  <a:spcPct val="0"/>
+                </a:spcAft>
+                <a:defRPr>
+                  <a:solidFill>
+                    <a:schemeClr val="tx1"/>
+                  </a:solidFill>
+                  <a:latin typeface="Calibri" panose="020F0502020204030204" pitchFamily="34" charset="0"/>
+                </a:defRPr>
+              </a:lvl7pPr>
+              <a:lvl8pPr marL="3429000" indent="-228600" eaLnBrk="0" fontAlgn="base" hangingPunct="0">
+                <a:spcBef>
+                  <a:spcPct val="0"/>
+                </a:spcBef>
+                <a:spcAft>
+                  <a:spcPct val="0"/>
+                </a:spcAft>
+                <a:defRPr>
+                  <a:solidFill>
+                    <a:schemeClr val="tx1"/>
+                  </a:solidFill>
+                  <a:latin typeface="Calibri" panose="020F0502020204030204" pitchFamily="34" charset="0"/>
+                </a:defRPr>
+              </a:lvl8pPr>
+              <a:lvl9pPr marL="3886200" indent="-228600" eaLnBrk="0" fontAlgn="base" hangingPunct="0">
+                <a:spcBef>
+                  <a:spcPct val="0"/>
+                </a:spcBef>
+                <a:spcAft>
+                  <a:spcPct val="0"/>
+                </a:spcAft>
+                <a:defRPr>
+                  <a:solidFill>
+                    <a:schemeClr val="tx1"/>
+                  </a:solidFill>
+                  <a:latin typeface="Calibri" panose="020F0502020204030204" pitchFamily="34" charset="0"/>
+                </a:defRPr>
+              </a:lvl9pPr>
+            </a:lstStyle>
+            <a:p>
+              <a:pPr algn="ctr" eaLnBrk="1" hangingPunct="1"/>
+              <a:r>
+                <a:rPr lang="en-US" altLang="en-US" sz="1200" dirty="0">
+                  <a:latin typeface="Arial" panose="020B0604020202020204" pitchFamily="34" charset="0"/>
+                  <a:ea typeface="Amazon Ember" panose="020B0603020204020204" pitchFamily="34" charset="0"/>
+                  <a:cs typeface="Arial" panose="020B0604020202020204" pitchFamily="34" charset="0"/>
+                </a:rPr>
+                <a:t>Amazon S3</a:t>
+              </a:r>
+            </a:p>
+            <a:p>
+              <a:pPr algn="ctr" eaLnBrk="1" hangingPunct="1"/>
+              <a:r>
+                <a:rPr lang="en-US" altLang="en-US" sz="1200" dirty="0">
+                  <a:latin typeface="Arial" panose="020B0604020202020204" pitchFamily="34" charset="0"/>
+                  <a:ea typeface="Amazon Ember" panose="020B0603020204020204" pitchFamily="34" charset="0"/>
+                  <a:cs typeface="Arial" panose="020B0604020202020204" pitchFamily="34" charset="0"/>
+                </a:rPr>
+                <a:t>Provide Front-End</a:t>
+              </a:r>
+            </a:p>
+          </p:txBody>
+        </p:sp>
+      </p:grpSp>
+      <p:grpSp>
+        <p:nvGrpSpPr>
+          <p:cNvPr id="7" name="Group 6">
+            <a:extLst>
+              <a:ext uri="{FF2B5EF4-FFF2-40B4-BE49-F238E27FC236}">
+                <a16:creationId xmlns:a16="http://schemas.microsoft.com/office/drawing/2014/main" id="{93B2E6BA-78CC-584E-B11B-069DD1EB57B9}"/>
+              </a:ext>
+            </a:extLst>
+          </p:cNvPr>
+          <p:cNvGrpSpPr/>
+          <p:nvPr/>
+        </p:nvGrpSpPr>
+        <p:grpSpPr>
+          <a:xfrm>
+            <a:off x="4778592" y="1027480"/>
+            <a:ext cx="1671673" cy="1144026"/>
+            <a:chOff x="4395713" y="1256987"/>
+            <a:chExt cx="1671673" cy="1144026"/>
+          </a:xfrm>
+        </p:grpSpPr>
+        <p:pic>
+          <p:nvPicPr>
+            <p:cNvPr id="8" name="Graphic 8">
+              <a:extLst>
+                <a:ext uri="{FF2B5EF4-FFF2-40B4-BE49-F238E27FC236}">
+                  <a16:creationId xmlns:a16="http://schemas.microsoft.com/office/drawing/2014/main" id="{18AFEAB3-F385-6A48-B88B-26FA878373DD}"/>
+                </a:ext>
+              </a:extLst>
+            </p:cNvPr>
+            <p:cNvPicPr>
+              <a:picLocks noChangeAspect="1" noChangeArrowheads="1"/>
+            </p:cNvPicPr>
+            <p:nvPr/>
+          </p:nvPicPr>
+          <p:blipFill>
+            <a:blip r:embed="rId2">
+              <a:extLst>
+                <a:ext uri="{28A0092B-C50C-407E-A947-70E740481C1C}">
+                  <a14:useLocalDpi xmlns:a14="http://schemas.microsoft.com/office/drawing/2010/main" val="0"/>
+                </a:ext>
+              </a:extLst>
+            </a:blip>
+            <a:srcRect/>
+            <a:stretch>
+              <a:fillRect/>
+            </a:stretch>
+          </p:blipFill>
+          <p:spPr bwMode="auto">
+            <a:xfrm>
+              <a:off x="4935217" y="1256987"/>
+              <a:ext cx="640080" cy="640080"/>
+            </a:xfrm>
+            <a:prstGeom prst="rect">
+              <a:avLst/>
+            </a:prstGeom>
+            <a:noFill/>
+            <a:ln>
+              <a:noFill/>
+            </a:ln>
+            <a:extLst>
+              <a:ext uri="{909E8E84-426E-40DD-AFC4-6F175D3DCCD1}">
+                <a14:hiddenFill xmlns:a14="http://schemas.microsoft.com/office/drawing/2010/main">
+                  <a:solidFill>
+                    <a:srgbClr val="FFFFFF"/>
+                  </a:solidFill>
+                </a14:hiddenFill>
+              </a:ext>
+              <a:ext uri="{91240B29-F687-4F45-9708-019B960494DF}">
+                <a14:hiddenLine xmlns:a14="http://schemas.microsoft.com/office/drawing/2010/main" w="9525">
+                  <a:solidFill>
+                    <a:srgbClr val="000000"/>
+                  </a:solidFill>
+                  <a:miter lim="800000"/>
+                  <a:headEnd/>
+                  <a:tailEnd/>
+                </a14:hiddenLine>
+              </a:ext>
+            </a:extLst>
+          </p:spPr>
+        </p:pic>
+        <p:sp>
+          <p:nvSpPr>
+            <p:cNvPr id="9" name="TextBox 9">
+              <a:extLst>
+                <a:ext uri="{FF2B5EF4-FFF2-40B4-BE49-F238E27FC236}">
+                  <a16:creationId xmlns:a16="http://schemas.microsoft.com/office/drawing/2014/main" id="{A46C552B-0E70-7243-AD2F-780F02B3963F}"/>
+                </a:ext>
+              </a:extLst>
+            </p:cNvPr>
+            <p:cNvSpPr txBox="1">
+              <a:spLocks noChangeArrowheads="1"/>
+            </p:cNvSpPr>
+            <p:nvPr/>
+          </p:nvSpPr>
+          <p:spPr bwMode="auto">
+            <a:xfrm>
+              <a:off x="4395713" y="1939348"/>
+              <a:ext cx="1671673" cy="461665"/>
+            </a:xfrm>
+            <a:prstGeom prst="rect">
+              <a:avLst/>
+            </a:prstGeom>
+            <a:noFill/>
+            <a:ln>
+              <a:noFill/>
+            </a:ln>
+            <a:extLst>
+              <a:ext uri="{909E8E84-426E-40DD-AFC4-6F175D3DCCD1}">
+                <a14:hiddenFill xmlns:a14="http://schemas.microsoft.com/office/drawing/2010/main">
+                  <a:solidFill>
+                    <a:srgbClr val="FFFFFF"/>
+                  </a:solidFill>
+                </a14:hiddenFill>
+              </a:ext>
+              <a:ext uri="{91240B29-F687-4F45-9708-019B960494DF}">
+                <a14:hiddenLine xmlns:a14="http://schemas.microsoft.com/office/drawing/2010/main" w="9525">
+                  <a:solidFill>
+                    <a:srgbClr val="000000"/>
+                  </a:solidFill>
+                  <a:miter lim="800000"/>
+                  <a:headEnd/>
+                  <a:tailEnd/>
+                </a14:hiddenLine>
+              </a:ext>
+            </a:extLst>
+          </p:spPr>
+          <p:txBody>
+            <a:bodyPr>
+              <a:spAutoFit/>
+            </a:bodyPr>
+            <a:lstStyle>
+              <a:lvl1pPr>
+                <a:defRPr>
+                  <a:solidFill>
+                    <a:schemeClr val="tx1"/>
+                  </a:solidFill>
+                  <a:latin typeface="Calibri" panose="020F0502020204030204" pitchFamily="34" charset="0"/>
+                </a:defRPr>
+              </a:lvl1pPr>
+              <a:lvl2pPr marL="742950" indent="-285750">
+                <a:defRPr>
+                  <a:solidFill>
+                    <a:schemeClr val="tx1"/>
+                  </a:solidFill>
+                  <a:latin typeface="Calibri" panose="020F0502020204030204" pitchFamily="34" charset="0"/>
+                </a:defRPr>
+              </a:lvl2pPr>
+              <a:lvl3pPr marL="1143000" indent="-228600">
+                <a:defRPr>
+                  <a:solidFill>
+                    <a:schemeClr val="tx1"/>
+                  </a:solidFill>
+                  <a:latin typeface="Calibri" panose="020F0502020204030204" pitchFamily="34" charset="0"/>
+                </a:defRPr>
+              </a:lvl3pPr>
+              <a:lvl4pPr marL="1600200" indent="-228600">
+                <a:defRPr>
+                  <a:solidFill>
+                    <a:schemeClr val="tx1"/>
+                  </a:solidFill>
+                  <a:latin typeface="Calibri" panose="020F0502020204030204" pitchFamily="34" charset="0"/>
+                </a:defRPr>
+              </a:lvl4pPr>
+              <a:lvl5pPr marL="2057400" indent="-228600">
+                <a:defRPr>
+                  <a:solidFill>
+                    <a:schemeClr val="tx1"/>
+                  </a:solidFill>
+                  <a:latin typeface="Calibri" panose="020F0502020204030204" pitchFamily="34" charset="0"/>
+                </a:defRPr>
+              </a:lvl5pPr>
+              <a:lvl6pPr marL="2514600" indent="-228600" eaLnBrk="0" fontAlgn="base" hangingPunct="0">
+                <a:spcBef>
+                  <a:spcPct val="0"/>
+                </a:spcBef>
+                <a:spcAft>
+                  <a:spcPct val="0"/>
+                </a:spcAft>
+                <a:defRPr>
+                  <a:solidFill>
+                    <a:schemeClr val="tx1"/>
+                  </a:solidFill>
+                  <a:latin typeface="Calibri" panose="020F0502020204030204" pitchFamily="34" charset="0"/>
+                </a:defRPr>
+              </a:lvl6pPr>
+              <a:lvl7pPr marL="2971800" indent="-228600" eaLnBrk="0" fontAlgn="base" hangingPunct="0">
+                <a:spcBef>
+                  <a:spcPct val="0"/>
+                </a:spcBef>
+                <a:spcAft>
+                  <a:spcPct val="0"/>
+                </a:spcAft>
+                <a:defRPr>
+                  <a:solidFill>
+                    <a:schemeClr val="tx1"/>
+                  </a:solidFill>
+                  <a:latin typeface="Calibri" panose="020F0502020204030204" pitchFamily="34" charset="0"/>
+                </a:defRPr>
+              </a:lvl7pPr>
+              <a:lvl8pPr marL="3429000" indent="-228600" eaLnBrk="0" fontAlgn="base" hangingPunct="0">
+                <a:spcBef>
+                  <a:spcPct val="0"/>
+                </a:spcBef>
+                <a:spcAft>
+                  <a:spcPct val="0"/>
+                </a:spcAft>
+                <a:defRPr>
+                  <a:solidFill>
+                    <a:schemeClr val="tx1"/>
+                  </a:solidFill>
+                  <a:latin typeface="Calibri" panose="020F0502020204030204" pitchFamily="34" charset="0"/>
+                </a:defRPr>
+              </a:lvl8pPr>
+              <a:lvl9pPr marL="3886200" indent="-228600" eaLnBrk="0" fontAlgn="base" hangingPunct="0">
+                <a:spcBef>
+                  <a:spcPct val="0"/>
+                </a:spcBef>
+                <a:spcAft>
+                  <a:spcPct val="0"/>
+                </a:spcAft>
+                <a:defRPr>
+                  <a:solidFill>
+                    <a:schemeClr val="tx1"/>
+                  </a:solidFill>
+                  <a:latin typeface="Calibri" panose="020F0502020204030204" pitchFamily="34" charset="0"/>
+                </a:defRPr>
+              </a:lvl9pPr>
+            </a:lstStyle>
+            <a:p>
+              <a:pPr algn="ctr" eaLnBrk="1" hangingPunct="1"/>
+              <a:r>
+                <a:rPr lang="en-US" altLang="en-US" sz="1200" dirty="0">
+                  <a:latin typeface="Arial" panose="020B0604020202020204" pitchFamily="34" charset="0"/>
+                  <a:ea typeface="Amazon Ember" panose="020B0603020204020204" pitchFamily="34" charset="0"/>
+                  <a:cs typeface="Arial" panose="020B0604020202020204" pitchFamily="34" charset="0"/>
+                </a:rPr>
+                <a:t>Amazon S3</a:t>
+              </a:r>
+            </a:p>
+            <a:p>
+              <a:pPr algn="ctr" eaLnBrk="1" hangingPunct="1"/>
+              <a:r>
+                <a:rPr lang="en-US" altLang="en-US" sz="1200" dirty="0">
+                  <a:latin typeface="Arial" panose="020B0604020202020204" pitchFamily="34" charset="0"/>
+                  <a:ea typeface="Amazon Ember" panose="020B0603020204020204" pitchFamily="34" charset="0"/>
+                  <a:cs typeface="Arial" panose="020B0604020202020204" pitchFamily="34" charset="0"/>
+                </a:rPr>
+                <a:t>Scrape Trigger</a:t>
+              </a:r>
+            </a:p>
+          </p:txBody>
+        </p:sp>
+      </p:grpSp>
+      <p:grpSp>
+        <p:nvGrpSpPr>
+          <p:cNvPr id="10" name="Group 9">
+            <a:extLst>
+              <a:ext uri="{FF2B5EF4-FFF2-40B4-BE49-F238E27FC236}">
+                <a16:creationId xmlns:a16="http://schemas.microsoft.com/office/drawing/2014/main" id="{79B7312E-1BE3-7E41-850D-36B2506A1915}"/>
+              </a:ext>
+            </a:extLst>
+          </p:cNvPr>
+          <p:cNvGrpSpPr/>
+          <p:nvPr/>
+        </p:nvGrpSpPr>
+        <p:grpSpPr>
+          <a:xfrm>
+            <a:off x="9224763" y="1763485"/>
+            <a:ext cx="1703499" cy="1121095"/>
+            <a:chOff x="8869147" y="2307905"/>
+            <a:chExt cx="1703499" cy="1121095"/>
+          </a:xfrm>
+        </p:grpSpPr>
+        <p:pic>
+          <p:nvPicPr>
+            <p:cNvPr id="11" name="Graphic 18">
+              <a:extLst>
+                <a:ext uri="{FF2B5EF4-FFF2-40B4-BE49-F238E27FC236}">
+                  <a16:creationId xmlns:a16="http://schemas.microsoft.com/office/drawing/2014/main" id="{C514DE26-88FA-BC48-819F-F2C4CFC3A7CE}"/>
+                </a:ext>
+              </a:extLst>
+            </p:cNvPr>
+            <p:cNvPicPr>
+              <a:picLocks noChangeAspect="1" noChangeArrowheads="1"/>
+            </p:cNvPicPr>
+            <p:nvPr/>
+          </p:nvPicPr>
+          <p:blipFill>
+            <a:blip r:embed="rId3">
+              <a:extLst>
+                <a:ext uri="{28A0092B-C50C-407E-A947-70E740481C1C}">
+                  <a14:useLocalDpi xmlns:a14="http://schemas.microsoft.com/office/drawing/2010/main" val="0"/>
+                </a:ext>
+              </a:extLst>
+            </a:blip>
+            <a:srcRect/>
+            <a:stretch>
+              <a:fillRect/>
+            </a:stretch>
+          </p:blipFill>
+          <p:spPr bwMode="auto">
+            <a:xfrm>
+              <a:off x="9400857" y="2307905"/>
+              <a:ext cx="640080" cy="640080"/>
+            </a:xfrm>
+            <a:prstGeom prst="rect">
+              <a:avLst/>
+            </a:prstGeom>
+            <a:noFill/>
+            <a:ln>
+              <a:noFill/>
+            </a:ln>
+            <a:extLst>
+              <a:ext uri="{909E8E84-426E-40DD-AFC4-6F175D3DCCD1}">
+                <a14:hiddenFill xmlns:a14="http://schemas.microsoft.com/office/drawing/2010/main">
+                  <a:solidFill>
+                    <a:srgbClr val="FFFFFF"/>
+                  </a:solidFill>
+                </a14:hiddenFill>
+              </a:ext>
+              <a:ext uri="{91240B29-F687-4F45-9708-019B960494DF}">
+                <a14:hiddenLine xmlns:a14="http://schemas.microsoft.com/office/drawing/2010/main" w="9525">
+                  <a:solidFill>
+                    <a:srgbClr val="000000"/>
+                  </a:solidFill>
+                  <a:miter lim="800000"/>
+                  <a:headEnd/>
+                  <a:tailEnd/>
+                </a14:hiddenLine>
+              </a:ext>
+            </a:extLst>
+          </p:spPr>
+        </p:pic>
+        <p:sp>
+          <p:nvSpPr>
+            <p:cNvPr id="12" name="TextBox 12">
+              <a:extLst>
+                <a:ext uri="{FF2B5EF4-FFF2-40B4-BE49-F238E27FC236}">
+                  <a16:creationId xmlns:a16="http://schemas.microsoft.com/office/drawing/2014/main" id="{623D771B-76C7-644B-B0D4-2812678D9984}"/>
+                </a:ext>
+              </a:extLst>
+            </p:cNvPr>
+            <p:cNvSpPr txBox="1">
+              <a:spLocks noChangeArrowheads="1"/>
+            </p:cNvSpPr>
+            <p:nvPr/>
+          </p:nvSpPr>
+          <p:spPr bwMode="auto">
+            <a:xfrm>
+              <a:off x="8869147" y="2967335"/>
+              <a:ext cx="1703499" cy="461665"/>
+            </a:xfrm>
+            <a:prstGeom prst="rect">
+              <a:avLst/>
+            </a:prstGeom>
+            <a:noFill/>
+            <a:ln>
+              <a:noFill/>
+            </a:ln>
+            <a:extLst>
+              <a:ext uri="{909E8E84-426E-40DD-AFC4-6F175D3DCCD1}">
+                <a14:hiddenFill xmlns:a14="http://schemas.microsoft.com/office/drawing/2010/main">
+                  <a:solidFill>
+                    <a:srgbClr val="FFFFFF"/>
+                  </a:solidFill>
+                </a14:hiddenFill>
+              </a:ext>
+              <a:ext uri="{91240B29-F687-4F45-9708-019B960494DF}">
+                <a14:hiddenLine xmlns:a14="http://schemas.microsoft.com/office/drawing/2010/main" w="9525">
+                  <a:solidFill>
+                    <a:srgbClr val="000000"/>
+                  </a:solidFill>
+                  <a:miter lim="800000"/>
+                  <a:headEnd/>
+                  <a:tailEnd/>
+                </a14:hiddenLine>
+              </a:ext>
+            </a:extLst>
+          </p:spPr>
+          <p:txBody>
+            <a:bodyPr>
+              <a:spAutoFit/>
+            </a:bodyPr>
+            <a:lstStyle>
+              <a:lvl1pPr>
+                <a:defRPr>
+                  <a:solidFill>
+                    <a:schemeClr val="tx1"/>
+                  </a:solidFill>
+                  <a:latin typeface="Calibri" panose="020F0502020204030204" pitchFamily="34" charset="0"/>
+                </a:defRPr>
+              </a:lvl1pPr>
+              <a:lvl2pPr marL="742950" indent="-285750">
+                <a:defRPr>
+                  <a:solidFill>
+                    <a:schemeClr val="tx1"/>
+                  </a:solidFill>
+                  <a:latin typeface="Calibri" panose="020F0502020204030204" pitchFamily="34" charset="0"/>
+                </a:defRPr>
+              </a:lvl2pPr>
+              <a:lvl3pPr marL="1143000" indent="-228600">
+                <a:defRPr>
+                  <a:solidFill>
+                    <a:schemeClr val="tx1"/>
+                  </a:solidFill>
+                  <a:latin typeface="Calibri" panose="020F0502020204030204" pitchFamily="34" charset="0"/>
+                </a:defRPr>
+              </a:lvl3pPr>
+              <a:lvl4pPr marL="1600200" indent="-228600">
+                <a:defRPr>
+                  <a:solidFill>
+                    <a:schemeClr val="tx1"/>
+                  </a:solidFill>
+                  <a:latin typeface="Calibri" panose="020F0502020204030204" pitchFamily="34" charset="0"/>
+                </a:defRPr>
+              </a:lvl4pPr>
+              <a:lvl5pPr marL="2057400" indent="-228600">
+                <a:defRPr>
+                  <a:solidFill>
+                    <a:schemeClr val="tx1"/>
+                  </a:solidFill>
+                  <a:latin typeface="Calibri" panose="020F0502020204030204" pitchFamily="34" charset="0"/>
+                </a:defRPr>
+              </a:lvl5pPr>
+              <a:lvl6pPr marL="2514600" indent="-228600" eaLnBrk="0" fontAlgn="base" hangingPunct="0">
+                <a:spcBef>
+                  <a:spcPct val="0"/>
+                </a:spcBef>
+                <a:spcAft>
+                  <a:spcPct val="0"/>
+                </a:spcAft>
+                <a:defRPr>
+                  <a:solidFill>
+                    <a:schemeClr val="tx1"/>
+                  </a:solidFill>
+                  <a:latin typeface="Calibri" panose="020F0502020204030204" pitchFamily="34" charset="0"/>
+                </a:defRPr>
+              </a:lvl6pPr>
+              <a:lvl7pPr marL="2971800" indent="-228600" eaLnBrk="0" fontAlgn="base" hangingPunct="0">
+                <a:spcBef>
+                  <a:spcPct val="0"/>
+                </a:spcBef>
+                <a:spcAft>
+                  <a:spcPct val="0"/>
+                </a:spcAft>
+                <a:defRPr>
+                  <a:solidFill>
+                    <a:schemeClr val="tx1"/>
+                  </a:solidFill>
+                  <a:latin typeface="Calibri" panose="020F0502020204030204" pitchFamily="34" charset="0"/>
+                </a:defRPr>
+              </a:lvl7pPr>
+              <a:lvl8pPr marL="3429000" indent="-228600" eaLnBrk="0" fontAlgn="base" hangingPunct="0">
+                <a:spcBef>
+                  <a:spcPct val="0"/>
+                </a:spcBef>
+                <a:spcAft>
+                  <a:spcPct val="0"/>
+                </a:spcAft>
+                <a:defRPr>
+                  <a:solidFill>
+                    <a:schemeClr val="tx1"/>
+                  </a:solidFill>
+                  <a:latin typeface="Calibri" panose="020F0502020204030204" pitchFamily="34" charset="0"/>
+                </a:defRPr>
+              </a:lvl8pPr>
+              <a:lvl9pPr marL="3886200" indent="-228600" eaLnBrk="0" fontAlgn="base" hangingPunct="0">
+                <a:spcBef>
+                  <a:spcPct val="0"/>
+                </a:spcBef>
+                <a:spcAft>
+                  <a:spcPct val="0"/>
+                </a:spcAft>
+                <a:defRPr>
+                  <a:solidFill>
+                    <a:schemeClr val="tx1"/>
+                  </a:solidFill>
+                  <a:latin typeface="Calibri" panose="020F0502020204030204" pitchFamily="34" charset="0"/>
+                </a:defRPr>
+              </a:lvl9pPr>
+            </a:lstStyle>
+            <a:p>
+              <a:pPr algn="ctr" eaLnBrk="1" hangingPunct="1"/>
+              <a:r>
+                <a:rPr lang="en-US" altLang="en-US" sz="1200" dirty="0">
+                  <a:latin typeface="Arial" panose="020B0604020202020204" pitchFamily="34" charset="0"/>
+                  <a:ea typeface="Amazon Ember" panose="020B0603020204020204" pitchFamily="34" charset="0"/>
+                  <a:cs typeface="Arial" panose="020B0604020202020204" pitchFamily="34" charset="0"/>
+                </a:rPr>
+                <a:t>Amazon SES</a:t>
+              </a:r>
+            </a:p>
+            <a:p>
+              <a:pPr algn="ctr" eaLnBrk="1" hangingPunct="1"/>
+              <a:r>
+                <a:rPr lang="en-US" altLang="en-US" sz="1200" dirty="0">
+                  <a:latin typeface="Arial" panose="020B0604020202020204" pitchFamily="34" charset="0"/>
+                  <a:ea typeface="Amazon Ember" panose="020B0603020204020204" pitchFamily="34" charset="0"/>
+                  <a:cs typeface="Arial" panose="020B0604020202020204" pitchFamily="34" charset="0"/>
+                </a:rPr>
+                <a:t>Email Subscribers</a:t>
+              </a:r>
+            </a:p>
+          </p:txBody>
+        </p:sp>
+      </p:grpSp>
+      <p:grpSp>
+        <p:nvGrpSpPr>
+          <p:cNvPr id="13" name="Group 12">
+            <a:extLst>
+              <a:ext uri="{FF2B5EF4-FFF2-40B4-BE49-F238E27FC236}">
+                <a16:creationId xmlns:a16="http://schemas.microsoft.com/office/drawing/2014/main" id="{27325056-6596-CF4A-9F8D-25CCBBC2B275}"/>
+              </a:ext>
+            </a:extLst>
+          </p:cNvPr>
+          <p:cNvGrpSpPr/>
+          <p:nvPr/>
+        </p:nvGrpSpPr>
+        <p:grpSpPr>
+          <a:xfrm>
+            <a:off x="9256246" y="633101"/>
+            <a:ext cx="1692999" cy="1120709"/>
+            <a:chOff x="8846678" y="902884"/>
+            <a:chExt cx="1692999" cy="1120709"/>
+          </a:xfrm>
+        </p:grpSpPr>
+        <p:pic>
+          <p:nvPicPr>
+            <p:cNvPr id="14" name="Graphic 24">
+              <a:extLst>
+                <a:ext uri="{FF2B5EF4-FFF2-40B4-BE49-F238E27FC236}">
+                  <a16:creationId xmlns:a16="http://schemas.microsoft.com/office/drawing/2014/main" id="{24B871B6-D8D9-E346-86ED-9C29CCBC3E3A}"/>
+                </a:ext>
+              </a:extLst>
+            </p:cNvPr>
+            <p:cNvPicPr>
+              <a:picLocks noChangeAspect="1" noChangeArrowheads="1"/>
+            </p:cNvPicPr>
+            <p:nvPr/>
+          </p:nvPicPr>
+          <p:blipFill>
+            <a:blip r:embed="rId4">
+              <a:extLst>
+                <a:ext uri="{28A0092B-C50C-407E-A947-70E740481C1C}">
+                  <a14:useLocalDpi xmlns:a14="http://schemas.microsoft.com/office/drawing/2010/main" val="0"/>
+                </a:ext>
+              </a:extLst>
+            </a:blip>
+            <a:srcRect/>
+            <a:stretch>
+              <a:fillRect/>
+            </a:stretch>
+          </p:blipFill>
+          <p:spPr bwMode="auto">
+            <a:xfrm>
+              <a:off x="9373138" y="902884"/>
+              <a:ext cx="640080" cy="640080"/>
+            </a:xfrm>
+            <a:prstGeom prst="rect">
+              <a:avLst/>
+            </a:prstGeom>
+            <a:noFill/>
+            <a:ln>
+              <a:noFill/>
+            </a:ln>
+            <a:extLst>
+              <a:ext uri="{909E8E84-426E-40DD-AFC4-6F175D3DCCD1}">
+                <a14:hiddenFill xmlns:a14="http://schemas.microsoft.com/office/drawing/2010/main">
+                  <a:solidFill>
+                    <a:srgbClr val="FFFFFF"/>
+                  </a:solidFill>
+                </a14:hiddenFill>
+              </a:ext>
+              <a:ext uri="{91240B29-F687-4F45-9708-019B960494DF}">
+                <a14:hiddenLine xmlns:a14="http://schemas.microsoft.com/office/drawing/2010/main" w="9525">
+                  <a:solidFill>
+                    <a:srgbClr val="000000"/>
+                  </a:solidFill>
+                  <a:miter lim="800000"/>
+                  <a:headEnd/>
+                  <a:tailEnd/>
+                </a14:hiddenLine>
+              </a:ext>
+            </a:extLst>
+          </p:spPr>
+        </p:pic>
+        <p:sp>
+          <p:nvSpPr>
+            <p:cNvPr id="15" name="TextBox 9">
+              <a:extLst>
+                <a:ext uri="{FF2B5EF4-FFF2-40B4-BE49-F238E27FC236}">
+                  <a16:creationId xmlns:a16="http://schemas.microsoft.com/office/drawing/2014/main" id="{8609A367-741A-634F-91B3-7BDC564C881E}"/>
+                </a:ext>
+              </a:extLst>
+            </p:cNvPr>
+            <p:cNvSpPr txBox="1">
+              <a:spLocks noChangeArrowheads="1"/>
+            </p:cNvSpPr>
+            <p:nvPr/>
+          </p:nvSpPr>
+          <p:spPr bwMode="auto">
+            <a:xfrm>
+              <a:off x="8846678" y="1561928"/>
+              <a:ext cx="1692999" cy="461665"/>
+            </a:xfrm>
+            <a:prstGeom prst="rect">
+              <a:avLst/>
+            </a:prstGeom>
+            <a:noFill/>
+            <a:ln>
+              <a:noFill/>
+            </a:ln>
+            <a:extLst>
+              <a:ext uri="{909E8E84-426E-40DD-AFC4-6F175D3DCCD1}">
+                <a14:hiddenFill xmlns:a14="http://schemas.microsoft.com/office/drawing/2010/main">
+                  <a:solidFill>
+                    <a:srgbClr val="FFFFFF"/>
+                  </a:solidFill>
+                </a14:hiddenFill>
+              </a:ext>
+              <a:ext uri="{91240B29-F687-4F45-9708-019B960494DF}">
+                <a14:hiddenLine xmlns:a14="http://schemas.microsoft.com/office/drawing/2010/main" w="9525">
+                  <a:solidFill>
+                    <a:srgbClr val="000000"/>
+                  </a:solidFill>
+                  <a:miter lim="800000"/>
+                  <a:headEnd/>
+                  <a:tailEnd/>
+                </a14:hiddenLine>
+              </a:ext>
+            </a:extLst>
+          </p:spPr>
+          <p:txBody>
+            <a:bodyPr>
+              <a:spAutoFit/>
+            </a:bodyPr>
+            <a:lstStyle>
+              <a:lvl1pPr>
+                <a:defRPr>
+                  <a:solidFill>
+                    <a:schemeClr val="tx1"/>
+                  </a:solidFill>
+                  <a:latin typeface="Calibri" panose="020F0502020204030204" pitchFamily="34" charset="0"/>
+                </a:defRPr>
+              </a:lvl1pPr>
+              <a:lvl2pPr marL="742950" indent="-285750">
+                <a:defRPr>
+                  <a:solidFill>
+                    <a:schemeClr val="tx1"/>
+                  </a:solidFill>
+                  <a:latin typeface="Calibri" panose="020F0502020204030204" pitchFamily="34" charset="0"/>
+                </a:defRPr>
+              </a:lvl2pPr>
+              <a:lvl3pPr marL="1143000" indent="-228600">
+                <a:defRPr>
+                  <a:solidFill>
+                    <a:schemeClr val="tx1"/>
+                  </a:solidFill>
+                  <a:latin typeface="Calibri" panose="020F0502020204030204" pitchFamily="34" charset="0"/>
+                </a:defRPr>
+              </a:lvl3pPr>
+              <a:lvl4pPr marL="1600200" indent="-228600">
+                <a:defRPr>
+                  <a:solidFill>
+                    <a:schemeClr val="tx1"/>
+                  </a:solidFill>
+                  <a:latin typeface="Calibri" panose="020F0502020204030204" pitchFamily="34" charset="0"/>
+                </a:defRPr>
+              </a:lvl4pPr>
+              <a:lvl5pPr marL="2057400" indent="-228600">
+                <a:defRPr>
+                  <a:solidFill>
+                    <a:schemeClr val="tx1"/>
+                  </a:solidFill>
+                  <a:latin typeface="Calibri" panose="020F0502020204030204" pitchFamily="34" charset="0"/>
+                </a:defRPr>
+              </a:lvl5pPr>
+              <a:lvl6pPr marL="2514600" indent="-228600" eaLnBrk="0" fontAlgn="base" hangingPunct="0">
+                <a:spcBef>
+                  <a:spcPct val="0"/>
+                </a:spcBef>
+                <a:spcAft>
+                  <a:spcPct val="0"/>
+                </a:spcAft>
+                <a:defRPr>
+                  <a:solidFill>
+                    <a:schemeClr val="tx1"/>
+                  </a:solidFill>
+                  <a:latin typeface="Calibri" panose="020F0502020204030204" pitchFamily="34" charset="0"/>
+                </a:defRPr>
+              </a:lvl6pPr>
+              <a:lvl7pPr marL="2971800" indent="-228600" eaLnBrk="0" fontAlgn="base" hangingPunct="0">
+                <a:spcBef>
+                  <a:spcPct val="0"/>
+                </a:spcBef>
+                <a:spcAft>
+                  <a:spcPct val="0"/>
+                </a:spcAft>
+                <a:defRPr>
+                  <a:solidFill>
+                    <a:schemeClr val="tx1"/>
+                  </a:solidFill>
+                  <a:latin typeface="Calibri" panose="020F0502020204030204" pitchFamily="34" charset="0"/>
+                </a:defRPr>
+              </a:lvl7pPr>
+              <a:lvl8pPr marL="3429000" indent="-228600" eaLnBrk="0" fontAlgn="base" hangingPunct="0">
+                <a:spcBef>
+                  <a:spcPct val="0"/>
+                </a:spcBef>
+                <a:spcAft>
+                  <a:spcPct val="0"/>
+                </a:spcAft>
+                <a:defRPr>
+                  <a:solidFill>
+                    <a:schemeClr val="tx1"/>
+                  </a:solidFill>
+                  <a:latin typeface="Calibri" panose="020F0502020204030204" pitchFamily="34" charset="0"/>
+                </a:defRPr>
+              </a:lvl8pPr>
+              <a:lvl9pPr marL="3886200" indent="-228600" eaLnBrk="0" fontAlgn="base" hangingPunct="0">
+                <a:spcBef>
+                  <a:spcPct val="0"/>
+                </a:spcBef>
+                <a:spcAft>
+                  <a:spcPct val="0"/>
+                </a:spcAft>
+                <a:defRPr>
+                  <a:solidFill>
+                    <a:schemeClr val="tx1"/>
+                  </a:solidFill>
+                  <a:latin typeface="Calibri" panose="020F0502020204030204" pitchFamily="34" charset="0"/>
+                </a:defRPr>
+              </a:lvl9pPr>
+            </a:lstStyle>
+            <a:p>
+              <a:pPr algn="ctr" eaLnBrk="1" hangingPunct="1"/>
+              <a:r>
+                <a:rPr lang="en-US" altLang="en-US" sz="1200" dirty="0">
+                  <a:latin typeface="Arial" panose="020B0604020202020204" pitchFamily="34" charset="0"/>
+                  <a:ea typeface="Amazon Ember" panose="020B0603020204020204" pitchFamily="34" charset="0"/>
+                  <a:cs typeface="Arial" panose="020B0604020202020204" pitchFamily="34" charset="0"/>
+                </a:rPr>
+                <a:t>Amazon SNS</a:t>
+              </a:r>
+            </a:p>
+            <a:p>
+              <a:pPr algn="ctr" eaLnBrk="1" hangingPunct="1"/>
+              <a:r>
+                <a:rPr lang="en-US" altLang="en-US" sz="1200" dirty="0">
+                  <a:latin typeface="Arial" panose="020B0604020202020204" pitchFamily="34" charset="0"/>
+                  <a:ea typeface="Amazon Ember" panose="020B0603020204020204" pitchFamily="34" charset="0"/>
+                  <a:cs typeface="Arial" panose="020B0604020202020204" pitchFamily="34" charset="0"/>
+                </a:rPr>
+                <a:t>Text Subscribers</a:t>
+              </a:r>
+            </a:p>
+          </p:txBody>
+        </p:sp>
+      </p:grpSp>
+      <p:grpSp>
+        <p:nvGrpSpPr>
+          <p:cNvPr id="16" name="Group 15">
+            <a:extLst>
+              <a:ext uri="{FF2B5EF4-FFF2-40B4-BE49-F238E27FC236}">
+                <a16:creationId xmlns:a16="http://schemas.microsoft.com/office/drawing/2014/main" id="{81A1DA61-5FFE-BA4E-8BB5-425D79A63E14}"/>
+              </a:ext>
+            </a:extLst>
+          </p:cNvPr>
+          <p:cNvGrpSpPr/>
+          <p:nvPr/>
+        </p:nvGrpSpPr>
+        <p:grpSpPr>
+          <a:xfrm>
+            <a:off x="6908684" y="1150112"/>
+            <a:ext cx="2018989" cy="1126964"/>
+            <a:chOff x="6259364" y="1227543"/>
+            <a:chExt cx="2018989" cy="1126964"/>
+          </a:xfrm>
+        </p:grpSpPr>
+        <p:pic>
+          <p:nvPicPr>
+            <p:cNvPr id="17" name="Graphic 10">
+              <a:extLst>
+                <a:ext uri="{FF2B5EF4-FFF2-40B4-BE49-F238E27FC236}">
+                  <a16:creationId xmlns:a16="http://schemas.microsoft.com/office/drawing/2014/main" id="{AA87F56D-E9B6-DC46-A030-7A03F7CE413D}"/>
+                </a:ext>
+              </a:extLst>
+            </p:cNvPr>
+            <p:cNvPicPr>
+              <a:picLocks noChangeAspect="1" noChangeArrowheads="1"/>
+            </p:cNvPicPr>
+            <p:nvPr/>
+          </p:nvPicPr>
+          <p:blipFill>
+            <a:blip r:embed="rId5">
+              <a:extLst>
+                <a:ext uri="{28A0092B-C50C-407E-A947-70E740481C1C}">
+                  <a14:useLocalDpi xmlns:a14="http://schemas.microsoft.com/office/drawing/2010/main" val="0"/>
+                </a:ext>
+              </a:extLst>
+            </a:blip>
+            <a:srcRect/>
+            <a:stretch>
+              <a:fillRect/>
+            </a:stretch>
+          </p:blipFill>
+          <p:spPr bwMode="auto">
+            <a:xfrm>
+              <a:off x="6927700" y="1227543"/>
+              <a:ext cx="640080" cy="640080"/>
+            </a:xfrm>
+            <a:prstGeom prst="rect">
+              <a:avLst/>
+            </a:prstGeom>
+            <a:noFill/>
+            <a:ln>
+              <a:noFill/>
+            </a:ln>
+            <a:extLst>
+              <a:ext uri="{909E8E84-426E-40DD-AFC4-6F175D3DCCD1}">
+                <a14:hiddenFill xmlns:a14="http://schemas.microsoft.com/office/drawing/2010/main">
+                  <a:solidFill>
+                    <a:srgbClr val="FFFFFF"/>
+                  </a:solidFill>
+                </a14:hiddenFill>
+              </a:ext>
+              <a:ext uri="{91240B29-F687-4F45-9708-019B960494DF}">
+                <a14:hiddenLine xmlns:a14="http://schemas.microsoft.com/office/drawing/2010/main" w="9525">
+                  <a:solidFill>
+                    <a:srgbClr val="000000"/>
+                  </a:solidFill>
+                  <a:miter lim="800000"/>
+                  <a:headEnd/>
+                  <a:tailEnd/>
+                </a14:hiddenLine>
+              </a:ext>
+            </a:extLst>
+          </p:spPr>
+        </p:pic>
+        <p:sp>
+          <p:nvSpPr>
+            <p:cNvPr id="18" name="TextBox 17">
+              <a:extLst>
+                <a:ext uri="{FF2B5EF4-FFF2-40B4-BE49-F238E27FC236}">
+                  <a16:creationId xmlns:a16="http://schemas.microsoft.com/office/drawing/2014/main" id="{447F5A33-4DBB-0740-A49A-436BA87D1600}"/>
+                </a:ext>
+              </a:extLst>
+            </p:cNvPr>
+            <p:cNvSpPr txBox="1">
+              <a:spLocks noChangeArrowheads="1"/>
+            </p:cNvSpPr>
+            <p:nvPr/>
+          </p:nvSpPr>
+          <p:spPr bwMode="auto">
+            <a:xfrm>
+              <a:off x="6259364" y="1892842"/>
+              <a:ext cx="2018989" cy="461665"/>
+            </a:xfrm>
+            <a:prstGeom prst="rect">
+              <a:avLst/>
+            </a:prstGeom>
+            <a:noFill/>
+            <a:ln>
+              <a:noFill/>
+            </a:ln>
+            <a:extLst>
+              <a:ext uri="{909E8E84-426E-40DD-AFC4-6F175D3DCCD1}">
+                <a14:hiddenFill xmlns:a14="http://schemas.microsoft.com/office/drawing/2010/main">
+                  <a:solidFill>
+                    <a:srgbClr val="FFFFFF"/>
+                  </a:solidFill>
+                </a14:hiddenFill>
+              </a:ext>
+              <a:ext uri="{91240B29-F687-4F45-9708-019B960494DF}">
+                <a14:hiddenLine xmlns:a14="http://schemas.microsoft.com/office/drawing/2010/main" w="9525">
+                  <a:solidFill>
+                    <a:srgbClr val="000000"/>
+                  </a:solidFill>
+                  <a:miter lim="800000"/>
+                  <a:headEnd/>
+                  <a:tailEnd/>
+                </a14:hiddenLine>
+              </a:ext>
+            </a:extLst>
+          </p:spPr>
+          <p:txBody>
+            <a:bodyPr>
+              <a:spAutoFit/>
+            </a:bodyPr>
+            <a:lstStyle>
+              <a:lvl1pPr>
+                <a:defRPr>
+                  <a:solidFill>
+                    <a:schemeClr val="tx1"/>
+                  </a:solidFill>
+                  <a:latin typeface="Calibri" panose="020F0502020204030204" pitchFamily="34" charset="0"/>
+                </a:defRPr>
+              </a:lvl1pPr>
+              <a:lvl2pPr marL="742950" indent="-285750">
+                <a:defRPr>
+                  <a:solidFill>
+                    <a:schemeClr val="tx1"/>
+                  </a:solidFill>
+                  <a:latin typeface="Calibri" panose="020F0502020204030204" pitchFamily="34" charset="0"/>
+                </a:defRPr>
+              </a:lvl2pPr>
+              <a:lvl3pPr marL="1143000" indent="-228600">
+                <a:defRPr>
+                  <a:solidFill>
+                    <a:schemeClr val="tx1"/>
+                  </a:solidFill>
+                  <a:latin typeface="Calibri" panose="020F0502020204030204" pitchFamily="34" charset="0"/>
+                </a:defRPr>
+              </a:lvl3pPr>
+              <a:lvl4pPr marL="1600200" indent="-228600">
+                <a:defRPr>
+                  <a:solidFill>
+                    <a:schemeClr val="tx1"/>
+                  </a:solidFill>
+                  <a:latin typeface="Calibri" panose="020F0502020204030204" pitchFamily="34" charset="0"/>
+                </a:defRPr>
+              </a:lvl4pPr>
+              <a:lvl5pPr marL="2057400" indent="-228600">
+                <a:defRPr>
+                  <a:solidFill>
+                    <a:schemeClr val="tx1"/>
+                  </a:solidFill>
+                  <a:latin typeface="Calibri" panose="020F0502020204030204" pitchFamily="34" charset="0"/>
+                </a:defRPr>
+              </a:lvl5pPr>
+              <a:lvl6pPr marL="2514600" indent="-228600" eaLnBrk="0" fontAlgn="base" hangingPunct="0">
+                <a:spcBef>
+                  <a:spcPct val="0"/>
+                </a:spcBef>
+                <a:spcAft>
+                  <a:spcPct val="0"/>
+                </a:spcAft>
+                <a:defRPr>
+                  <a:solidFill>
+                    <a:schemeClr val="tx1"/>
+                  </a:solidFill>
+                  <a:latin typeface="Calibri" panose="020F0502020204030204" pitchFamily="34" charset="0"/>
+                </a:defRPr>
+              </a:lvl6pPr>
+              <a:lvl7pPr marL="2971800" indent="-228600" eaLnBrk="0" fontAlgn="base" hangingPunct="0">
+                <a:spcBef>
+                  <a:spcPct val="0"/>
+                </a:spcBef>
+                <a:spcAft>
+                  <a:spcPct val="0"/>
+                </a:spcAft>
+                <a:defRPr>
+                  <a:solidFill>
+                    <a:schemeClr val="tx1"/>
+                  </a:solidFill>
+                  <a:latin typeface="Calibri" panose="020F0502020204030204" pitchFamily="34" charset="0"/>
+                </a:defRPr>
+              </a:lvl7pPr>
+              <a:lvl8pPr marL="3429000" indent="-228600" eaLnBrk="0" fontAlgn="base" hangingPunct="0">
+                <a:spcBef>
+                  <a:spcPct val="0"/>
+                </a:spcBef>
+                <a:spcAft>
+                  <a:spcPct val="0"/>
+                </a:spcAft>
+                <a:defRPr>
+                  <a:solidFill>
+                    <a:schemeClr val="tx1"/>
+                  </a:solidFill>
+                  <a:latin typeface="Calibri" panose="020F0502020204030204" pitchFamily="34" charset="0"/>
+                </a:defRPr>
+              </a:lvl8pPr>
+              <a:lvl9pPr marL="3886200" indent="-228600" eaLnBrk="0" fontAlgn="base" hangingPunct="0">
+                <a:spcBef>
+                  <a:spcPct val="0"/>
+                </a:spcBef>
+                <a:spcAft>
+                  <a:spcPct val="0"/>
+                </a:spcAft>
+                <a:defRPr>
+                  <a:solidFill>
+                    <a:schemeClr val="tx1"/>
+                  </a:solidFill>
+                  <a:latin typeface="Calibri" panose="020F0502020204030204" pitchFamily="34" charset="0"/>
+                </a:defRPr>
+              </a:lvl9pPr>
+            </a:lstStyle>
+            <a:p>
+              <a:pPr algn="ctr" eaLnBrk="1" hangingPunct="1"/>
+              <a:r>
+                <a:rPr lang="en-US" altLang="en-US" sz="1200" dirty="0">
+                  <a:latin typeface="Arial" panose="020B0604020202020204" pitchFamily="34" charset="0"/>
+                  <a:ea typeface="Amazon Ember" panose="020B0603020204020204" pitchFamily="34" charset="0"/>
+                  <a:cs typeface="Arial" panose="020B0604020202020204" pitchFamily="34" charset="0"/>
+                </a:rPr>
+                <a:t>AWS Lambda LF5</a:t>
+              </a:r>
+            </a:p>
+            <a:p>
+              <a:pPr algn="ctr" eaLnBrk="1" hangingPunct="1"/>
+              <a:r>
+                <a:rPr lang="en-US" altLang="en-US" sz="1200" dirty="0">
+                  <a:latin typeface="Arial" panose="020B0604020202020204" pitchFamily="34" charset="0"/>
+                  <a:ea typeface="Amazon Ember" panose="020B0603020204020204" pitchFamily="34" charset="0"/>
+                  <a:cs typeface="Arial" panose="020B0604020202020204" pitchFamily="34" charset="0"/>
+                </a:rPr>
+                <a:t>Notify Subscribers</a:t>
+              </a:r>
+            </a:p>
+          </p:txBody>
+        </p:sp>
+      </p:grpSp>
+      <p:grpSp>
+        <p:nvGrpSpPr>
+          <p:cNvPr id="19" name="Group 18">
+            <a:extLst>
+              <a:ext uri="{FF2B5EF4-FFF2-40B4-BE49-F238E27FC236}">
+                <a16:creationId xmlns:a16="http://schemas.microsoft.com/office/drawing/2014/main" id="{333369FE-AC9F-9945-946A-3520118F6AE2}"/>
+              </a:ext>
+            </a:extLst>
+          </p:cNvPr>
+          <p:cNvGrpSpPr/>
+          <p:nvPr/>
+        </p:nvGrpSpPr>
+        <p:grpSpPr>
+          <a:xfrm>
+            <a:off x="2315539" y="903564"/>
+            <a:ext cx="1435825" cy="2994897"/>
+            <a:chOff x="1159360" y="902884"/>
+            <a:chExt cx="1435825" cy="2994897"/>
+          </a:xfrm>
+        </p:grpSpPr>
+        <p:sp>
+          <p:nvSpPr>
+            <p:cNvPr id="20" name="Rectangle 19">
+              <a:extLst>
+                <a:ext uri="{FF2B5EF4-FFF2-40B4-BE49-F238E27FC236}">
+                  <a16:creationId xmlns:a16="http://schemas.microsoft.com/office/drawing/2014/main" id="{F7D5C985-6D47-2742-9F23-C8697F7C3D16}"/>
+                </a:ext>
+              </a:extLst>
+            </p:cNvPr>
+            <p:cNvSpPr/>
+            <p:nvPr/>
+          </p:nvSpPr>
+          <p:spPr>
+            <a:xfrm>
+              <a:off x="1298729" y="902884"/>
+              <a:ext cx="1157088" cy="2415081"/>
+            </a:xfrm>
+            <a:prstGeom prst="rect">
+              <a:avLst/>
+            </a:prstGeom>
+            <a:noFill/>
+            <a:ln w="12700">
+              <a:solidFill>
+                <a:srgbClr val="D86613"/>
+              </a:solidFill>
+            </a:ln>
+          </p:spPr>
+          <p:style>
+            <a:lnRef idx="2">
+              <a:schemeClr val="accent1">
+                <a:shade val="50000"/>
+              </a:schemeClr>
+            </a:lnRef>
+            <a:fillRef idx="1">
+              <a:schemeClr val="accent1"/>
+            </a:fillRef>
+            <a:effectRef idx="0">
+              <a:schemeClr val="accent1"/>
+            </a:effectRef>
+            <a:fontRef idx="minor">
+              <a:schemeClr val="lt1"/>
+            </a:fontRef>
+          </p:style>
+          <p:txBody>
+            <a:bodyPr lIns="457200" tIns="91440"/>
+            <a:lstStyle/>
+            <a:p>
+              <a:pPr eaLnBrk="1" fontAlgn="auto" hangingPunct="1">
+                <a:spcBef>
+                  <a:spcPts val="0"/>
+                </a:spcBef>
+                <a:spcAft>
+                  <a:spcPts val="0"/>
+                </a:spcAft>
+                <a:defRPr/>
+              </a:pPr>
+              <a:r>
+                <a:rPr lang="en-US" sz="1200" dirty="0">
+                  <a:ln w="0"/>
+                  <a:solidFill>
+                    <a:srgbClr val="D86613"/>
+                  </a:solidFill>
+                  <a:latin typeface="Arial" panose="020B0604020202020204" pitchFamily="34" charset="0"/>
+                  <a:cs typeface="Arial" panose="020B0604020202020204" pitchFamily="34" charset="0"/>
+                </a:rPr>
+                <a:t> </a:t>
+              </a:r>
+            </a:p>
+          </p:txBody>
+        </p:sp>
+        <p:pic>
+          <p:nvPicPr>
+            <p:cNvPr id="21" name="Graphic 5">
+              <a:extLst>
+                <a:ext uri="{FF2B5EF4-FFF2-40B4-BE49-F238E27FC236}">
+                  <a16:creationId xmlns:a16="http://schemas.microsoft.com/office/drawing/2014/main" id="{61C722F2-69CB-3B4C-B88A-801D2321FEC0}"/>
+                </a:ext>
+              </a:extLst>
+            </p:cNvPr>
+            <p:cNvPicPr>
+              <a:picLocks noChangeAspect="1" noChangeArrowheads="1"/>
+            </p:cNvPicPr>
+            <p:nvPr/>
+          </p:nvPicPr>
+          <p:blipFill>
+            <a:blip r:embed="rId6">
+              <a:extLst>
+                <a:ext uri="{28A0092B-C50C-407E-A947-70E740481C1C}">
+                  <a14:useLocalDpi xmlns:a14="http://schemas.microsoft.com/office/drawing/2010/main" val="0"/>
+                </a:ext>
+              </a:extLst>
+            </a:blip>
+            <a:srcRect/>
+            <a:stretch>
+              <a:fillRect/>
+            </a:stretch>
+          </p:blipFill>
+          <p:spPr bwMode="auto">
+            <a:xfrm>
+              <a:off x="1298729" y="902884"/>
+              <a:ext cx="506775" cy="506775"/>
+            </a:xfrm>
+            <a:prstGeom prst="rect">
+              <a:avLst/>
+            </a:prstGeom>
+            <a:noFill/>
+            <a:ln>
+              <a:noFill/>
+            </a:ln>
+            <a:extLst>
+              <a:ext uri="{909E8E84-426E-40DD-AFC4-6F175D3DCCD1}">
+                <a14:hiddenFill xmlns:a14="http://schemas.microsoft.com/office/drawing/2010/main">
+                  <a:solidFill>
+                    <a:srgbClr val="FFFFFF"/>
+                  </a:solidFill>
+                </a14:hiddenFill>
+              </a:ext>
+              <a:ext uri="{91240B29-F687-4F45-9708-019B960494DF}">
+                <a14:hiddenLine xmlns:a14="http://schemas.microsoft.com/office/drawing/2010/main" w="9525">
+                  <a:solidFill>
+                    <a:srgbClr val="000000"/>
+                  </a:solidFill>
+                  <a:miter lim="800000"/>
+                  <a:headEnd/>
+                  <a:tailEnd/>
+                </a14:hiddenLine>
+              </a:ext>
+            </a:extLst>
+          </p:spPr>
+        </p:pic>
+        <p:sp>
+          <p:nvSpPr>
+            <p:cNvPr id="22" name="TextBox 16">
+              <a:extLst>
+                <a:ext uri="{FF2B5EF4-FFF2-40B4-BE49-F238E27FC236}">
+                  <a16:creationId xmlns:a16="http://schemas.microsoft.com/office/drawing/2014/main" id="{5B55677E-B32B-484E-9571-9CAF769AAF01}"/>
+                </a:ext>
+              </a:extLst>
+            </p:cNvPr>
+            <p:cNvSpPr txBox="1">
+              <a:spLocks noChangeArrowheads="1"/>
+            </p:cNvSpPr>
+            <p:nvPr/>
+          </p:nvSpPr>
+          <p:spPr bwMode="auto">
+            <a:xfrm>
+              <a:off x="1159360" y="3297617"/>
+              <a:ext cx="1435825" cy="600164"/>
+            </a:xfrm>
+            <a:prstGeom prst="rect">
+              <a:avLst/>
+            </a:prstGeom>
+            <a:noFill/>
+            <a:ln>
+              <a:noFill/>
+            </a:ln>
+            <a:extLst>
+              <a:ext uri="{909E8E84-426E-40DD-AFC4-6F175D3DCCD1}">
+                <a14:hiddenFill xmlns:a14="http://schemas.microsoft.com/office/drawing/2010/main">
+                  <a:solidFill>
+                    <a:srgbClr val="FFFFFF"/>
+                  </a:solidFill>
+                </a14:hiddenFill>
+              </a:ext>
+              <a:ext uri="{91240B29-F687-4F45-9708-019B960494DF}">
+                <a14:hiddenLine xmlns:a14="http://schemas.microsoft.com/office/drawing/2010/main" w="9525">
+                  <a:solidFill>
+                    <a:srgbClr val="000000"/>
+                  </a:solidFill>
+                  <a:miter lim="800000"/>
+                  <a:headEnd/>
+                  <a:tailEnd/>
+                </a14:hiddenLine>
+              </a:ext>
+            </a:extLst>
+          </p:spPr>
+          <p:txBody>
+            <a:bodyPr wrap="square" lIns="0" rIns="0">
+              <a:spAutoFit/>
+            </a:bodyPr>
+            <a:lstStyle>
+              <a:lvl1pPr>
+                <a:defRPr>
+                  <a:solidFill>
+                    <a:schemeClr val="tx1"/>
+                  </a:solidFill>
+                  <a:latin typeface="Calibri" panose="020F0502020204030204" pitchFamily="34" charset="0"/>
+                </a:defRPr>
+              </a:lvl1pPr>
+              <a:lvl2pPr marL="742950" indent="-285750">
+                <a:defRPr>
+                  <a:solidFill>
+                    <a:schemeClr val="tx1"/>
+                  </a:solidFill>
+                  <a:latin typeface="Calibri" panose="020F0502020204030204" pitchFamily="34" charset="0"/>
+                </a:defRPr>
+              </a:lvl2pPr>
+              <a:lvl3pPr marL="1143000" indent="-228600">
+                <a:defRPr>
+                  <a:solidFill>
+                    <a:schemeClr val="tx1"/>
+                  </a:solidFill>
+                  <a:latin typeface="Calibri" panose="020F0502020204030204" pitchFamily="34" charset="0"/>
+                </a:defRPr>
+              </a:lvl3pPr>
+              <a:lvl4pPr marL="1600200" indent="-228600">
+                <a:defRPr>
+                  <a:solidFill>
+                    <a:schemeClr val="tx1"/>
+                  </a:solidFill>
+                  <a:latin typeface="Calibri" panose="020F0502020204030204" pitchFamily="34" charset="0"/>
+                </a:defRPr>
+              </a:lvl4pPr>
+              <a:lvl5pPr marL="2057400" indent="-228600">
+                <a:defRPr>
+                  <a:solidFill>
+                    <a:schemeClr val="tx1"/>
+                  </a:solidFill>
+                  <a:latin typeface="Calibri" panose="020F0502020204030204" pitchFamily="34" charset="0"/>
+                </a:defRPr>
+              </a:lvl5pPr>
+              <a:lvl6pPr marL="2514600" indent="-228600" eaLnBrk="0" fontAlgn="base" hangingPunct="0">
+                <a:spcBef>
+                  <a:spcPct val="0"/>
+                </a:spcBef>
+                <a:spcAft>
+                  <a:spcPct val="0"/>
+                </a:spcAft>
+                <a:defRPr>
+                  <a:solidFill>
+                    <a:schemeClr val="tx1"/>
+                  </a:solidFill>
+                  <a:latin typeface="Calibri" panose="020F0502020204030204" pitchFamily="34" charset="0"/>
+                </a:defRPr>
+              </a:lvl6pPr>
+              <a:lvl7pPr marL="2971800" indent="-228600" eaLnBrk="0" fontAlgn="base" hangingPunct="0">
+                <a:spcBef>
+                  <a:spcPct val="0"/>
+                </a:spcBef>
+                <a:spcAft>
+                  <a:spcPct val="0"/>
+                </a:spcAft>
+                <a:defRPr>
+                  <a:solidFill>
+                    <a:schemeClr val="tx1"/>
+                  </a:solidFill>
+                  <a:latin typeface="Calibri" panose="020F0502020204030204" pitchFamily="34" charset="0"/>
+                </a:defRPr>
+              </a:lvl7pPr>
+              <a:lvl8pPr marL="3429000" indent="-228600" eaLnBrk="0" fontAlgn="base" hangingPunct="0">
+                <a:spcBef>
+                  <a:spcPct val="0"/>
+                </a:spcBef>
+                <a:spcAft>
+                  <a:spcPct val="0"/>
+                </a:spcAft>
+                <a:defRPr>
+                  <a:solidFill>
+                    <a:schemeClr val="tx1"/>
+                  </a:solidFill>
+                  <a:latin typeface="Calibri" panose="020F0502020204030204" pitchFamily="34" charset="0"/>
+                </a:defRPr>
+              </a:lvl8pPr>
+              <a:lvl9pPr marL="3886200" indent="-228600" eaLnBrk="0" fontAlgn="base" hangingPunct="0">
+                <a:spcBef>
+                  <a:spcPct val="0"/>
+                </a:spcBef>
+                <a:spcAft>
+                  <a:spcPct val="0"/>
+                </a:spcAft>
+                <a:defRPr>
+                  <a:solidFill>
+                    <a:schemeClr val="tx1"/>
+                  </a:solidFill>
+                  <a:latin typeface="Calibri" panose="020F0502020204030204" pitchFamily="34" charset="0"/>
+                </a:defRPr>
+              </a:lvl9pPr>
+            </a:lstStyle>
+            <a:p>
+              <a:pPr algn="ctr" eaLnBrk="1" hangingPunct="1"/>
+              <a:r>
+                <a:rPr lang="en-US" altLang="en-US" sz="1100" dirty="0">
+                  <a:latin typeface="Arial" panose="020B0604020202020204" pitchFamily="34" charset="0"/>
+                  <a:ea typeface="Amazon Ember" panose="020B0603020204020204" pitchFamily="34" charset="0"/>
+                  <a:cs typeface="Arial" panose="020B0604020202020204" pitchFamily="34" charset="0"/>
+                </a:rPr>
+                <a:t>EC2 Instances</a:t>
+              </a:r>
+            </a:p>
+            <a:p>
+              <a:pPr algn="ctr" eaLnBrk="1" hangingPunct="1"/>
+              <a:r>
+                <a:rPr lang="en-US" altLang="en-US" sz="1100" dirty="0">
+                  <a:latin typeface="Arial" panose="020B0604020202020204" pitchFamily="34" charset="0"/>
+                  <a:ea typeface="Amazon Ember" panose="020B0603020204020204" pitchFamily="34" charset="0"/>
+                  <a:cs typeface="Arial" panose="020B0604020202020204" pitchFamily="34" charset="0"/>
+                </a:rPr>
+                <a:t>Scrape Manufacturer Sites To Update Stock</a:t>
+              </a:r>
+            </a:p>
+          </p:txBody>
+        </p:sp>
+        <p:pic>
+          <p:nvPicPr>
+            <p:cNvPr id="23" name="Graphic 60">
+              <a:extLst>
+                <a:ext uri="{FF2B5EF4-FFF2-40B4-BE49-F238E27FC236}">
+                  <a16:creationId xmlns:a16="http://schemas.microsoft.com/office/drawing/2014/main" id="{C3788713-3268-7941-9A77-8BA1BAEFFF2B}"/>
+                </a:ext>
+              </a:extLst>
+            </p:cNvPr>
+            <p:cNvPicPr>
+              <a:picLocks noChangeAspect="1" noChangeArrowheads="1"/>
+            </p:cNvPicPr>
+            <p:nvPr/>
+          </p:nvPicPr>
+          <p:blipFill>
+            <a:blip r:embed="rId7">
+              <a:extLst>
+                <a:ext uri="{28A0092B-C50C-407E-A947-70E740481C1C}">
+                  <a14:useLocalDpi xmlns:a14="http://schemas.microsoft.com/office/drawing/2010/main" val="0"/>
+                </a:ext>
+              </a:extLst>
+            </a:blip>
+            <a:srcRect/>
+            <a:stretch>
+              <a:fillRect/>
+            </a:stretch>
+          </p:blipFill>
+          <p:spPr bwMode="auto">
+            <a:xfrm>
+              <a:off x="1648672" y="1523444"/>
+              <a:ext cx="457200" cy="457200"/>
+            </a:xfrm>
+            <a:prstGeom prst="rect">
+              <a:avLst/>
+            </a:prstGeom>
+            <a:noFill/>
+            <a:ln>
+              <a:noFill/>
+            </a:ln>
+            <a:extLst>
+              <a:ext uri="{909E8E84-426E-40DD-AFC4-6F175D3DCCD1}">
+                <a14:hiddenFill xmlns:a14="http://schemas.microsoft.com/office/drawing/2010/main">
+                  <a:solidFill>
+                    <a:srgbClr val="FFFFFF"/>
+                  </a:solidFill>
+                </a14:hiddenFill>
+              </a:ext>
+              <a:ext uri="{91240B29-F687-4F45-9708-019B960494DF}">
+                <a14:hiddenLine xmlns:a14="http://schemas.microsoft.com/office/drawing/2010/main" w="9525">
+                  <a:solidFill>
+                    <a:srgbClr val="000000"/>
+                  </a:solidFill>
+                  <a:miter lim="800000"/>
+                  <a:headEnd/>
+                  <a:tailEnd/>
+                </a14:hiddenLine>
+              </a:ext>
+            </a:extLst>
+          </p:spPr>
+        </p:pic>
+        <p:pic>
+          <p:nvPicPr>
+            <p:cNvPr id="24" name="Graphic 60">
+              <a:extLst>
+                <a:ext uri="{FF2B5EF4-FFF2-40B4-BE49-F238E27FC236}">
+                  <a16:creationId xmlns:a16="http://schemas.microsoft.com/office/drawing/2014/main" id="{406F3EA2-32EE-3E42-BC00-392ADB441653}"/>
+                </a:ext>
+              </a:extLst>
+            </p:cNvPr>
+            <p:cNvPicPr>
+              <a:picLocks noChangeAspect="1" noChangeArrowheads="1"/>
+            </p:cNvPicPr>
+            <p:nvPr/>
+          </p:nvPicPr>
+          <p:blipFill>
+            <a:blip r:embed="rId7">
+              <a:extLst>
+                <a:ext uri="{28A0092B-C50C-407E-A947-70E740481C1C}">
+                  <a14:useLocalDpi xmlns:a14="http://schemas.microsoft.com/office/drawing/2010/main" val="0"/>
+                </a:ext>
+              </a:extLst>
+            </a:blip>
+            <a:srcRect/>
+            <a:stretch>
+              <a:fillRect/>
+            </a:stretch>
+          </p:blipFill>
+          <p:spPr bwMode="auto">
+            <a:xfrm>
+              <a:off x="1648672" y="2135370"/>
+              <a:ext cx="457200" cy="457200"/>
+            </a:xfrm>
+            <a:prstGeom prst="rect">
+              <a:avLst/>
+            </a:prstGeom>
+            <a:noFill/>
+            <a:ln>
+              <a:noFill/>
+            </a:ln>
+            <a:extLst>
+              <a:ext uri="{909E8E84-426E-40DD-AFC4-6F175D3DCCD1}">
+                <a14:hiddenFill xmlns:a14="http://schemas.microsoft.com/office/drawing/2010/main">
+                  <a:solidFill>
+                    <a:srgbClr val="FFFFFF"/>
+                  </a:solidFill>
+                </a14:hiddenFill>
+              </a:ext>
+              <a:ext uri="{91240B29-F687-4F45-9708-019B960494DF}">
+                <a14:hiddenLine xmlns:a14="http://schemas.microsoft.com/office/drawing/2010/main" w="9525">
+                  <a:solidFill>
+                    <a:srgbClr val="000000"/>
+                  </a:solidFill>
+                  <a:miter lim="800000"/>
+                  <a:headEnd/>
+                  <a:tailEnd/>
+                </a14:hiddenLine>
+              </a:ext>
+            </a:extLst>
+          </p:spPr>
+        </p:pic>
+        <p:pic>
+          <p:nvPicPr>
+            <p:cNvPr id="25" name="Graphic 60">
+              <a:extLst>
+                <a:ext uri="{FF2B5EF4-FFF2-40B4-BE49-F238E27FC236}">
+                  <a16:creationId xmlns:a16="http://schemas.microsoft.com/office/drawing/2014/main" id="{3C556D71-4FEE-4448-9EBF-3B27DD18DD01}"/>
+                </a:ext>
+              </a:extLst>
+            </p:cNvPr>
+            <p:cNvPicPr>
+              <a:picLocks noChangeAspect="1" noChangeArrowheads="1"/>
+            </p:cNvPicPr>
+            <p:nvPr/>
+          </p:nvPicPr>
+          <p:blipFill>
+            <a:blip r:embed="rId7">
+              <a:extLst>
+                <a:ext uri="{28A0092B-C50C-407E-A947-70E740481C1C}">
+                  <a14:useLocalDpi xmlns:a14="http://schemas.microsoft.com/office/drawing/2010/main" val="0"/>
+                </a:ext>
+              </a:extLst>
+            </a:blip>
+            <a:srcRect/>
+            <a:stretch>
+              <a:fillRect/>
+            </a:stretch>
+          </p:blipFill>
+          <p:spPr bwMode="auto">
+            <a:xfrm>
+              <a:off x="1648672" y="2726631"/>
+              <a:ext cx="457200" cy="457200"/>
+            </a:xfrm>
+            <a:prstGeom prst="rect">
+              <a:avLst/>
+            </a:prstGeom>
+            <a:noFill/>
+            <a:ln>
+              <a:noFill/>
+            </a:ln>
+            <a:extLst>
+              <a:ext uri="{909E8E84-426E-40DD-AFC4-6F175D3DCCD1}">
+                <a14:hiddenFill xmlns:a14="http://schemas.microsoft.com/office/drawing/2010/main">
+                  <a:solidFill>
+                    <a:srgbClr val="FFFFFF"/>
+                  </a:solidFill>
+                </a14:hiddenFill>
+              </a:ext>
+              <a:ext uri="{91240B29-F687-4F45-9708-019B960494DF}">
+                <a14:hiddenLine xmlns:a14="http://schemas.microsoft.com/office/drawing/2010/main" w="9525">
+                  <a:solidFill>
+                    <a:srgbClr val="000000"/>
+                  </a:solidFill>
+                  <a:miter lim="800000"/>
+                  <a:headEnd/>
+                  <a:tailEnd/>
+                </a14:hiddenLine>
+              </a:ext>
+            </a:extLst>
+          </p:spPr>
+        </p:pic>
+      </p:grpSp>
+      <p:cxnSp>
+        <p:nvCxnSpPr>
+          <p:cNvPr id="26" name="Elbow Connector 11">
+            <a:extLst>
+              <a:ext uri="{FF2B5EF4-FFF2-40B4-BE49-F238E27FC236}">
+                <a16:creationId xmlns:a16="http://schemas.microsoft.com/office/drawing/2014/main" id="{A127CE8A-73F8-494A-85C2-46CC051E2174}"/>
+              </a:ext>
+            </a:extLst>
+          </p:cNvPr>
+          <p:cNvCxnSpPr>
+            <a:cxnSpLocks/>
+            <a:stCxn id="25" idx="3"/>
+          </p:cNvCxnSpPr>
+          <p:nvPr/>
+        </p:nvCxnSpPr>
+        <p:spPr>
+          <a:xfrm flipV="1">
+            <a:off x="3262051" y="1564438"/>
+            <a:ext cx="2070230" cy="1391473"/>
+          </a:xfrm>
+          <a:prstGeom prst="bentConnector3">
+            <a:avLst>
+              <a:gd name="adj1" fmla="val 65985"/>
+            </a:avLst>
+          </a:prstGeom>
+          <a:ln w="28575">
+            <a:solidFill>
+              <a:srgbClr val="545B64"/>
+            </a:solidFill>
+            <a:headEnd type="none" w="med" len="sm"/>
+            <a:tailEnd type="arrow" w="med" len="sm"/>
+          </a:ln>
+        </p:spPr>
+        <p:style>
+          <a:lnRef idx="1">
+            <a:schemeClr val="accent1"/>
+          </a:lnRef>
+          <a:fillRef idx="0">
+            <a:schemeClr val="accent1"/>
+          </a:fillRef>
+          <a:effectRef idx="0">
+            <a:schemeClr val="accent1"/>
+          </a:effectRef>
+          <a:fontRef idx="minor">
+            <a:schemeClr val="tx1"/>
+          </a:fontRef>
+        </p:style>
+      </p:cxnSp>
+      <p:cxnSp>
+        <p:nvCxnSpPr>
+          <p:cNvPr id="27" name="Elbow Connector 11">
+            <a:extLst>
+              <a:ext uri="{FF2B5EF4-FFF2-40B4-BE49-F238E27FC236}">
+                <a16:creationId xmlns:a16="http://schemas.microsoft.com/office/drawing/2014/main" id="{45C8FF76-6702-6146-992C-B9F519C77171}"/>
+              </a:ext>
+            </a:extLst>
+          </p:cNvPr>
+          <p:cNvCxnSpPr>
+            <a:cxnSpLocks/>
+            <a:stCxn id="24" idx="3"/>
+            <a:endCxn id="8" idx="1"/>
+          </p:cNvCxnSpPr>
+          <p:nvPr/>
+        </p:nvCxnSpPr>
+        <p:spPr>
+          <a:xfrm flipV="1">
+            <a:off x="3262051" y="1347520"/>
+            <a:ext cx="2056045" cy="1017130"/>
+          </a:xfrm>
+          <a:prstGeom prst="bentConnector3">
+            <a:avLst>
+              <a:gd name="adj1" fmla="val 55929"/>
+            </a:avLst>
+          </a:prstGeom>
+          <a:ln w="28575">
+            <a:solidFill>
+              <a:srgbClr val="545B64"/>
+            </a:solidFill>
+            <a:headEnd type="none" w="med" len="sm"/>
+            <a:tailEnd type="arrow" w="med" len="sm"/>
+          </a:ln>
+        </p:spPr>
+        <p:style>
+          <a:lnRef idx="1">
+            <a:schemeClr val="accent1"/>
+          </a:lnRef>
+          <a:fillRef idx="0">
+            <a:schemeClr val="accent1"/>
+          </a:fillRef>
+          <a:effectRef idx="0">
+            <a:schemeClr val="accent1"/>
+          </a:effectRef>
+          <a:fontRef idx="minor">
+            <a:schemeClr val="tx1"/>
+          </a:fontRef>
+        </p:style>
+      </p:cxnSp>
+      <p:cxnSp>
+        <p:nvCxnSpPr>
+          <p:cNvPr id="28" name="Elbow Connector 11">
+            <a:extLst>
+              <a:ext uri="{FF2B5EF4-FFF2-40B4-BE49-F238E27FC236}">
+                <a16:creationId xmlns:a16="http://schemas.microsoft.com/office/drawing/2014/main" id="{E424F8FD-795E-9C4C-A14C-6F01AFD32A9A}"/>
+              </a:ext>
+            </a:extLst>
+          </p:cNvPr>
+          <p:cNvCxnSpPr>
+            <a:cxnSpLocks/>
+            <a:stCxn id="23" idx="3"/>
+          </p:cNvCxnSpPr>
+          <p:nvPr/>
+        </p:nvCxnSpPr>
+        <p:spPr>
+          <a:xfrm flipV="1">
+            <a:off x="3262051" y="1130025"/>
+            <a:ext cx="2056045" cy="622699"/>
+          </a:xfrm>
+          <a:prstGeom prst="bentConnector3">
+            <a:avLst>
+              <a:gd name="adj1" fmla="val 46612"/>
+            </a:avLst>
+          </a:prstGeom>
+          <a:ln w="28575">
+            <a:solidFill>
+              <a:srgbClr val="545B64"/>
+            </a:solidFill>
+            <a:headEnd type="none" w="med" len="sm"/>
+            <a:tailEnd type="arrow" w="med" len="sm"/>
+          </a:ln>
+        </p:spPr>
+        <p:style>
+          <a:lnRef idx="1">
+            <a:schemeClr val="accent1"/>
+          </a:lnRef>
+          <a:fillRef idx="0">
+            <a:schemeClr val="accent1"/>
+          </a:fillRef>
+          <a:effectRef idx="0">
+            <a:schemeClr val="accent1"/>
+          </a:effectRef>
+          <a:fontRef idx="minor">
+            <a:schemeClr val="tx1"/>
+          </a:fontRef>
+        </p:style>
+      </p:cxnSp>
+      <p:pic>
+        <p:nvPicPr>
+          <p:cNvPr id="29" name="Graphic 19">
+            <a:extLst>
+              <a:ext uri="{FF2B5EF4-FFF2-40B4-BE49-F238E27FC236}">
+                <a16:creationId xmlns:a16="http://schemas.microsoft.com/office/drawing/2014/main" id="{D276E853-2B11-8646-8456-0465AC5FE2C6}"/>
+              </a:ext>
+            </a:extLst>
+          </p:cNvPr>
+          <p:cNvPicPr>
+            <a:picLocks noChangeAspect="1" noChangeArrowheads="1"/>
+          </p:cNvPicPr>
+          <p:nvPr/>
+        </p:nvPicPr>
+        <p:blipFill>
+          <a:blip r:embed="rId8">
+            <a:extLst>
+              <a:ext uri="{28A0092B-C50C-407E-A947-70E740481C1C}">
+                <a14:useLocalDpi xmlns:a14="http://schemas.microsoft.com/office/drawing/2010/main" val="0"/>
+              </a:ext>
+            </a:extLst>
+          </a:blip>
+          <a:srcRect/>
+          <a:stretch>
+            <a:fillRect/>
+          </a:stretch>
+        </p:blipFill>
+        <p:spPr bwMode="auto">
+          <a:xfrm>
+            <a:off x="1985339" y="483584"/>
+            <a:ext cx="330200" cy="330200"/>
+          </a:xfrm>
+          <a:prstGeom prst="rect">
+            <a:avLst/>
+          </a:prstGeom>
+          <a:noFill/>
+          <a:ln>
+            <a:noFill/>
+          </a:ln>
+          <a:extLst>
+            <a:ext uri="{909E8E84-426E-40DD-AFC4-6F175D3DCCD1}">
+              <a14:hiddenFill xmlns:a14="http://schemas.microsoft.com/office/drawing/2010/main">
+                <a:solidFill>
+                  <a:srgbClr val="FFFFFF"/>
+                </a:solidFill>
+              </a14:hiddenFill>
+            </a:ext>
+            <a:ext uri="{91240B29-F687-4F45-9708-019B960494DF}">
+              <a14:hiddenLine xmlns:a14="http://schemas.microsoft.com/office/drawing/2010/main" w="9525">
+                <a:solidFill>
+                  <a:srgbClr val="000000"/>
+                </a:solidFill>
+                <a:miter lim="800000"/>
+                <a:headEnd/>
+                <a:tailEnd/>
+              </a14:hiddenLine>
+            </a:ext>
+          </a:extLst>
+        </p:spPr>
+      </p:pic>
+      <p:sp>
+        <p:nvSpPr>
+          <p:cNvPr id="30" name="Rectangle 29">
+            <a:extLst>
+              <a:ext uri="{FF2B5EF4-FFF2-40B4-BE49-F238E27FC236}">
+                <a16:creationId xmlns:a16="http://schemas.microsoft.com/office/drawing/2014/main" id="{54621FB4-AFF9-0144-971C-41DB42A42E91}"/>
+              </a:ext>
+            </a:extLst>
+          </p:cNvPr>
+          <p:cNvSpPr/>
+          <p:nvPr/>
+        </p:nvSpPr>
+        <p:spPr>
+          <a:xfrm>
+            <a:off x="1976405" y="475025"/>
+            <a:ext cx="8857058" cy="5967481"/>
+          </a:xfrm>
+          <a:prstGeom prst="rect">
+            <a:avLst/>
+          </a:prstGeom>
+          <a:noFill/>
+          <a:ln w="12700">
+            <a:solidFill>
+              <a:schemeClr val="tx1"/>
+            </a:solidFill>
+          </a:ln>
+        </p:spPr>
+        <p:style>
+          <a:lnRef idx="2">
+            <a:schemeClr val="accent1">
+              <a:shade val="50000"/>
+            </a:schemeClr>
+          </a:lnRef>
+          <a:fillRef idx="1">
+            <a:schemeClr val="accent1"/>
+          </a:fillRef>
+          <a:effectRef idx="0">
+            <a:schemeClr val="accent1"/>
+          </a:effectRef>
+          <a:fontRef idx="minor">
+            <a:schemeClr val="lt1"/>
+          </a:fontRef>
+        </p:style>
+        <p:txBody>
+          <a:bodyPr lIns="457200" tIns="91440"/>
+          <a:lstStyle/>
+          <a:p>
+            <a:pPr eaLnBrk="1" fontAlgn="auto" hangingPunct="1">
+              <a:spcBef>
+                <a:spcPts val="0"/>
+              </a:spcBef>
+              <a:spcAft>
+                <a:spcPts val="0"/>
+              </a:spcAft>
+              <a:defRPr/>
+            </a:pPr>
+            <a:r>
+              <a:rPr lang="en-US" sz="1200" dirty="0">
+                <a:ln w="0"/>
+                <a:solidFill>
+                  <a:sysClr val="windowText" lastClr="000000"/>
+                </a:solidFill>
+                <a:latin typeface="Arial" panose="020B0604020202020204" pitchFamily="34" charset="0"/>
+                <a:cs typeface="Arial" panose="020B0604020202020204" pitchFamily="34" charset="0"/>
+              </a:rPr>
+              <a:t>AWS Cloud</a:t>
+            </a:r>
+          </a:p>
+        </p:txBody>
+      </p:sp>
+      <p:cxnSp>
+        <p:nvCxnSpPr>
+          <p:cNvPr id="31" name="Straight Arrow Connector 30">
+            <a:extLst>
+              <a:ext uri="{FF2B5EF4-FFF2-40B4-BE49-F238E27FC236}">
+                <a16:creationId xmlns:a16="http://schemas.microsoft.com/office/drawing/2014/main" id="{7304BBA1-ABB2-714D-877F-3E2E73ABFC2D}"/>
+              </a:ext>
+            </a:extLst>
+          </p:cNvPr>
+          <p:cNvCxnSpPr>
+            <a:cxnSpLocks/>
+          </p:cNvCxnSpPr>
+          <p:nvPr/>
+        </p:nvCxnSpPr>
+        <p:spPr>
+          <a:xfrm>
+            <a:off x="1719774" y="1765546"/>
+            <a:ext cx="1123318" cy="0"/>
+          </a:xfrm>
+          <a:prstGeom prst="straightConnector1">
+            <a:avLst/>
+          </a:prstGeom>
+          <a:ln w="38100">
+            <a:solidFill>
+              <a:srgbClr val="545B64"/>
+            </a:solidFill>
+            <a:headEnd type="none" w="med" len="sm"/>
+            <a:tailEnd type="arrow" w="med" len="sm"/>
+          </a:ln>
+        </p:spPr>
+        <p:style>
+          <a:lnRef idx="1">
+            <a:schemeClr val="accent1"/>
+          </a:lnRef>
+          <a:fillRef idx="0">
+            <a:schemeClr val="accent1"/>
+          </a:fillRef>
+          <a:effectRef idx="0">
+            <a:schemeClr val="accent1"/>
+          </a:effectRef>
+          <a:fontRef idx="minor">
+            <a:schemeClr val="tx1"/>
+          </a:fontRef>
+        </p:style>
+      </p:cxnSp>
+      <p:cxnSp>
+        <p:nvCxnSpPr>
+          <p:cNvPr id="32" name="Straight Arrow Connector 31">
+            <a:extLst>
+              <a:ext uri="{FF2B5EF4-FFF2-40B4-BE49-F238E27FC236}">
+                <a16:creationId xmlns:a16="http://schemas.microsoft.com/office/drawing/2014/main" id="{DF106AC0-6CA9-7C42-BEA6-37C7716EFFF7}"/>
+              </a:ext>
+            </a:extLst>
+          </p:cNvPr>
+          <p:cNvCxnSpPr>
+            <a:cxnSpLocks/>
+          </p:cNvCxnSpPr>
+          <p:nvPr/>
+        </p:nvCxnSpPr>
+        <p:spPr>
+          <a:xfrm>
+            <a:off x="1719774" y="2354507"/>
+            <a:ext cx="1123318" cy="0"/>
+          </a:xfrm>
+          <a:prstGeom prst="straightConnector1">
+            <a:avLst/>
+          </a:prstGeom>
+          <a:ln w="38100">
+            <a:solidFill>
+              <a:srgbClr val="545B64"/>
+            </a:solidFill>
+            <a:headEnd type="none" w="med" len="sm"/>
+            <a:tailEnd type="arrow" w="med" len="sm"/>
+          </a:ln>
+        </p:spPr>
+        <p:style>
+          <a:lnRef idx="1">
+            <a:schemeClr val="accent1"/>
+          </a:lnRef>
+          <a:fillRef idx="0">
+            <a:schemeClr val="accent1"/>
+          </a:fillRef>
+          <a:effectRef idx="0">
+            <a:schemeClr val="accent1"/>
+          </a:effectRef>
+          <a:fontRef idx="minor">
+            <a:schemeClr val="tx1"/>
+          </a:fontRef>
+        </p:style>
+      </p:cxnSp>
+      <p:cxnSp>
+        <p:nvCxnSpPr>
+          <p:cNvPr id="33" name="Straight Arrow Connector 32">
+            <a:extLst>
+              <a:ext uri="{FF2B5EF4-FFF2-40B4-BE49-F238E27FC236}">
+                <a16:creationId xmlns:a16="http://schemas.microsoft.com/office/drawing/2014/main" id="{540330F9-F73C-7F4D-904C-3B0256678193}"/>
+              </a:ext>
+            </a:extLst>
+          </p:cNvPr>
+          <p:cNvCxnSpPr>
+            <a:cxnSpLocks/>
+          </p:cNvCxnSpPr>
+          <p:nvPr/>
+        </p:nvCxnSpPr>
+        <p:spPr>
+          <a:xfrm>
+            <a:off x="1708663" y="2947985"/>
+            <a:ext cx="1123318" cy="0"/>
+          </a:xfrm>
+          <a:prstGeom prst="straightConnector1">
+            <a:avLst/>
+          </a:prstGeom>
+          <a:ln w="38100">
+            <a:solidFill>
+              <a:srgbClr val="545B64"/>
+            </a:solidFill>
+            <a:headEnd type="none" w="med" len="sm"/>
+            <a:tailEnd type="arrow" w="med" len="sm"/>
+          </a:ln>
+        </p:spPr>
+        <p:style>
+          <a:lnRef idx="1">
+            <a:schemeClr val="accent1"/>
+          </a:lnRef>
+          <a:fillRef idx="0">
+            <a:schemeClr val="accent1"/>
+          </a:fillRef>
+          <a:effectRef idx="0">
+            <a:schemeClr val="accent1"/>
+          </a:effectRef>
+          <a:fontRef idx="minor">
+            <a:schemeClr val="tx1"/>
+          </a:fontRef>
+        </p:style>
+      </p:cxnSp>
+      <p:cxnSp>
+        <p:nvCxnSpPr>
+          <p:cNvPr id="34" name="Elbow Connector 11">
+            <a:extLst>
+              <a:ext uri="{FF2B5EF4-FFF2-40B4-BE49-F238E27FC236}">
+                <a16:creationId xmlns:a16="http://schemas.microsoft.com/office/drawing/2014/main" id="{D1903D74-D17E-1A44-8AB6-16B6E550925A}"/>
+              </a:ext>
+            </a:extLst>
+          </p:cNvPr>
+          <p:cNvCxnSpPr>
+            <a:cxnSpLocks/>
+            <a:stCxn id="17" idx="3"/>
+            <a:endCxn id="14" idx="1"/>
+          </p:cNvCxnSpPr>
+          <p:nvPr/>
+        </p:nvCxnSpPr>
+        <p:spPr>
+          <a:xfrm flipV="1">
+            <a:off x="8217100" y="953141"/>
+            <a:ext cx="1565606" cy="517011"/>
+          </a:xfrm>
+          <a:prstGeom prst="bentConnector3">
+            <a:avLst>
+              <a:gd name="adj1" fmla="val 50000"/>
+            </a:avLst>
+          </a:prstGeom>
+          <a:ln w="28575">
+            <a:solidFill>
+              <a:srgbClr val="545B64"/>
+            </a:solidFill>
+            <a:headEnd type="none" w="med" len="sm"/>
+            <a:tailEnd type="arrow" w="med" len="sm"/>
+          </a:ln>
+        </p:spPr>
+        <p:style>
+          <a:lnRef idx="1">
+            <a:schemeClr val="accent1"/>
+          </a:lnRef>
+          <a:fillRef idx="0">
+            <a:schemeClr val="accent1"/>
+          </a:fillRef>
+          <a:effectRef idx="0">
+            <a:schemeClr val="accent1"/>
+          </a:effectRef>
+          <a:fontRef idx="minor">
+            <a:schemeClr val="tx1"/>
+          </a:fontRef>
+        </p:style>
+      </p:cxnSp>
+      <p:cxnSp>
+        <p:nvCxnSpPr>
+          <p:cNvPr id="35" name="Elbow Connector 10">
+            <a:extLst>
+              <a:ext uri="{FF2B5EF4-FFF2-40B4-BE49-F238E27FC236}">
+                <a16:creationId xmlns:a16="http://schemas.microsoft.com/office/drawing/2014/main" id="{F1988B77-8421-A946-B6B3-0B3BA5348868}"/>
+              </a:ext>
+            </a:extLst>
+          </p:cNvPr>
+          <p:cNvCxnSpPr>
+            <a:cxnSpLocks/>
+            <a:endCxn id="11" idx="1"/>
+          </p:cNvCxnSpPr>
+          <p:nvPr/>
+        </p:nvCxnSpPr>
+        <p:spPr>
+          <a:xfrm>
+            <a:off x="8217100" y="1647791"/>
+            <a:ext cx="1539373" cy="435734"/>
+          </a:xfrm>
+          <a:prstGeom prst="bentConnector3">
+            <a:avLst>
+              <a:gd name="adj1" fmla="val 50000"/>
+            </a:avLst>
+          </a:prstGeom>
+          <a:ln w="28575">
+            <a:solidFill>
+              <a:srgbClr val="545B64"/>
+            </a:solidFill>
+            <a:headEnd type="none" w="med" len="sm"/>
+            <a:tailEnd type="arrow" w="med" len="sm"/>
+          </a:ln>
+        </p:spPr>
+        <p:style>
+          <a:lnRef idx="1">
+            <a:schemeClr val="accent1"/>
+          </a:lnRef>
+          <a:fillRef idx="0">
+            <a:schemeClr val="accent1"/>
+          </a:fillRef>
+          <a:effectRef idx="0">
+            <a:schemeClr val="accent1"/>
+          </a:effectRef>
+          <a:fontRef idx="minor">
+            <a:schemeClr val="tx1"/>
+          </a:fontRef>
+        </p:style>
+      </p:cxnSp>
+      <p:grpSp>
+        <p:nvGrpSpPr>
+          <p:cNvPr id="36" name="Group 35">
+            <a:extLst>
+              <a:ext uri="{FF2B5EF4-FFF2-40B4-BE49-F238E27FC236}">
+                <a16:creationId xmlns:a16="http://schemas.microsoft.com/office/drawing/2014/main" id="{3432A9EE-CAEF-D047-A2F3-513DEB008C9B}"/>
+              </a:ext>
+            </a:extLst>
+          </p:cNvPr>
+          <p:cNvGrpSpPr/>
+          <p:nvPr/>
+        </p:nvGrpSpPr>
+        <p:grpSpPr>
+          <a:xfrm>
+            <a:off x="5112458" y="2551414"/>
+            <a:ext cx="3808848" cy="1682760"/>
+            <a:chOff x="4755407" y="2551414"/>
+            <a:chExt cx="3808848" cy="1644150"/>
+          </a:xfrm>
+        </p:grpSpPr>
+        <p:grpSp>
+          <p:nvGrpSpPr>
+            <p:cNvPr id="37" name="Group 36">
+              <a:extLst>
+                <a:ext uri="{FF2B5EF4-FFF2-40B4-BE49-F238E27FC236}">
+                  <a16:creationId xmlns:a16="http://schemas.microsoft.com/office/drawing/2014/main" id="{52B08FFA-2A2C-1043-9985-2E0FDF934D06}"/>
+                </a:ext>
+              </a:extLst>
+            </p:cNvPr>
+            <p:cNvGrpSpPr/>
+            <p:nvPr/>
+          </p:nvGrpSpPr>
+          <p:grpSpPr>
+            <a:xfrm>
+              <a:off x="4776767" y="2805188"/>
+              <a:ext cx="2003210" cy="1256249"/>
+              <a:chOff x="4350659" y="3185099"/>
+              <a:chExt cx="2003210" cy="1256249"/>
+            </a:xfrm>
+          </p:grpSpPr>
+          <p:pic>
+            <p:nvPicPr>
+              <p:cNvPr id="42" name="Graphic 23">
+                <a:extLst>
+                  <a:ext uri="{FF2B5EF4-FFF2-40B4-BE49-F238E27FC236}">
+                    <a16:creationId xmlns:a16="http://schemas.microsoft.com/office/drawing/2014/main" id="{F5717536-381A-B649-A0FF-2114F6C113C1}"/>
+                  </a:ext>
+                </a:extLst>
+              </p:cNvPr>
+              <p:cNvPicPr>
+                <a:picLocks noChangeAspect="1" noChangeArrowheads="1"/>
+              </p:cNvPicPr>
+              <p:nvPr/>
+            </p:nvPicPr>
+            <p:blipFill>
+              <a:blip r:embed="rId9">
+                <a:extLst>
+                  <a:ext uri="{28A0092B-C50C-407E-A947-70E740481C1C}">
+                    <a14:useLocalDpi xmlns:a14="http://schemas.microsoft.com/office/drawing/2010/main" val="0"/>
+                  </a:ext>
+                </a:extLst>
+              </a:blip>
+              <a:srcRect/>
+              <a:stretch>
+                <a:fillRect/>
+              </a:stretch>
+            </p:blipFill>
+            <p:spPr bwMode="auto">
+              <a:xfrm>
+                <a:off x="5032224" y="3185099"/>
+                <a:ext cx="640081" cy="640080"/>
+              </a:xfrm>
+              <a:prstGeom prst="rect">
+                <a:avLst/>
+              </a:prstGeom>
+              <a:noFill/>
+              <a:ln>
+                <a:noFill/>
+              </a:ln>
+              <a:extLst>
+                <a:ext uri="{909E8E84-426E-40DD-AFC4-6F175D3DCCD1}">
+                  <a14:hiddenFill xmlns:a14="http://schemas.microsoft.com/office/drawing/2010/main">
+                    <a:solidFill>
+                      <a:srgbClr val="FFFFFF"/>
+                    </a:solidFill>
+                  </a14:hiddenFill>
+                </a:ext>
+                <a:ext uri="{91240B29-F687-4F45-9708-019B960494DF}">
+                  <a14:hiddenLine xmlns:a14="http://schemas.microsoft.com/office/drawing/2010/main" w="9525">
+                    <a:solidFill>
+                      <a:srgbClr val="000000"/>
+                    </a:solidFill>
+                    <a:miter lim="800000"/>
+                    <a:headEnd/>
+                    <a:tailEnd/>
+                  </a14:hiddenLine>
+                </a:ext>
+              </a:extLst>
+            </p:spPr>
+          </p:pic>
+          <p:sp>
+            <p:nvSpPr>
+              <p:cNvPr id="43" name="TextBox 12">
+                <a:extLst>
+                  <a:ext uri="{FF2B5EF4-FFF2-40B4-BE49-F238E27FC236}">
+                    <a16:creationId xmlns:a16="http://schemas.microsoft.com/office/drawing/2014/main" id="{0CDDB02D-A571-9E4C-ABE0-89A8953C73A1}"/>
+                  </a:ext>
+                </a:extLst>
+              </p:cNvPr>
+              <p:cNvSpPr txBox="1">
+                <a:spLocks noChangeArrowheads="1"/>
+              </p:cNvSpPr>
+              <p:nvPr/>
+            </p:nvSpPr>
+            <p:spPr bwMode="auto">
+              <a:xfrm>
+                <a:off x="4350659" y="3822002"/>
+                <a:ext cx="2003210" cy="619346"/>
+              </a:xfrm>
+              <a:prstGeom prst="rect">
+                <a:avLst/>
+              </a:prstGeom>
+              <a:noFill/>
+              <a:ln>
+                <a:noFill/>
+              </a:ln>
+              <a:extLst>
+                <a:ext uri="{909E8E84-426E-40DD-AFC4-6F175D3DCCD1}">
+                  <a14:hiddenFill xmlns:a14="http://schemas.microsoft.com/office/drawing/2010/main">
+                    <a:solidFill>
+                      <a:srgbClr val="FFFFFF"/>
+                    </a:solidFill>
+                  </a14:hiddenFill>
+                </a:ext>
+                <a:ext uri="{91240B29-F687-4F45-9708-019B960494DF}">
+                  <a14:hiddenLine xmlns:a14="http://schemas.microsoft.com/office/drawing/2010/main" w="9525">
+                    <a:solidFill>
+                      <a:srgbClr val="000000"/>
+                    </a:solidFill>
+                    <a:miter lim="800000"/>
+                    <a:headEnd/>
+                    <a:tailEnd/>
+                  </a14:hiddenLine>
+                </a:ext>
+              </a:extLst>
+            </p:spPr>
+            <p:txBody>
+              <a:bodyPr>
+                <a:spAutoFit/>
+              </a:bodyPr>
+              <a:lstStyle>
+                <a:lvl1pPr>
+                  <a:defRPr>
+                    <a:solidFill>
+                      <a:schemeClr val="tx1"/>
+                    </a:solidFill>
+                    <a:latin typeface="Calibri" panose="020F0502020204030204" pitchFamily="34" charset="0"/>
+                  </a:defRPr>
+                </a:lvl1pPr>
+                <a:lvl2pPr marL="742950" indent="-285750">
+                  <a:defRPr>
+                    <a:solidFill>
+                      <a:schemeClr val="tx1"/>
+                    </a:solidFill>
+                    <a:latin typeface="Calibri" panose="020F0502020204030204" pitchFamily="34" charset="0"/>
+                  </a:defRPr>
+                </a:lvl2pPr>
+                <a:lvl3pPr marL="1143000" indent="-228600">
+                  <a:defRPr>
+                    <a:solidFill>
+                      <a:schemeClr val="tx1"/>
+                    </a:solidFill>
+                    <a:latin typeface="Calibri" panose="020F0502020204030204" pitchFamily="34" charset="0"/>
+                  </a:defRPr>
+                </a:lvl3pPr>
+                <a:lvl4pPr marL="1600200" indent="-228600">
+                  <a:defRPr>
+                    <a:solidFill>
+                      <a:schemeClr val="tx1"/>
+                    </a:solidFill>
+                    <a:latin typeface="Calibri" panose="020F0502020204030204" pitchFamily="34" charset="0"/>
+                  </a:defRPr>
+                </a:lvl4pPr>
+                <a:lvl5pPr marL="2057400" indent="-228600">
+                  <a:defRPr>
+                    <a:solidFill>
+                      <a:schemeClr val="tx1"/>
+                    </a:solidFill>
+                    <a:latin typeface="Calibri" panose="020F0502020204030204" pitchFamily="34" charset="0"/>
+                  </a:defRPr>
+                </a:lvl5pPr>
+                <a:lvl6pPr marL="2514600" indent="-228600" eaLnBrk="0" fontAlgn="base" hangingPunct="0">
+                  <a:spcBef>
+                    <a:spcPct val="0"/>
+                  </a:spcBef>
+                  <a:spcAft>
+                    <a:spcPct val="0"/>
+                  </a:spcAft>
+                  <a:defRPr>
+                    <a:solidFill>
+                      <a:schemeClr val="tx1"/>
+                    </a:solidFill>
+                    <a:latin typeface="Calibri" panose="020F0502020204030204" pitchFamily="34" charset="0"/>
+                  </a:defRPr>
+                </a:lvl6pPr>
+                <a:lvl7pPr marL="2971800" indent="-228600" eaLnBrk="0" fontAlgn="base" hangingPunct="0">
+                  <a:spcBef>
+                    <a:spcPct val="0"/>
+                  </a:spcBef>
+                  <a:spcAft>
+                    <a:spcPct val="0"/>
+                  </a:spcAft>
+                  <a:defRPr>
+                    <a:solidFill>
+                      <a:schemeClr val="tx1"/>
+                    </a:solidFill>
+                    <a:latin typeface="Calibri" panose="020F0502020204030204" pitchFamily="34" charset="0"/>
+                  </a:defRPr>
+                </a:lvl7pPr>
+                <a:lvl8pPr marL="3429000" indent="-228600" eaLnBrk="0" fontAlgn="base" hangingPunct="0">
+                  <a:spcBef>
+                    <a:spcPct val="0"/>
+                  </a:spcBef>
+                  <a:spcAft>
+                    <a:spcPct val="0"/>
+                  </a:spcAft>
+                  <a:defRPr>
+                    <a:solidFill>
+                      <a:schemeClr val="tx1"/>
+                    </a:solidFill>
+                    <a:latin typeface="Calibri" panose="020F0502020204030204" pitchFamily="34" charset="0"/>
+                  </a:defRPr>
+                </a:lvl8pPr>
+                <a:lvl9pPr marL="3886200" indent="-228600" eaLnBrk="0" fontAlgn="base" hangingPunct="0">
+                  <a:spcBef>
+                    <a:spcPct val="0"/>
+                  </a:spcBef>
+                  <a:spcAft>
+                    <a:spcPct val="0"/>
+                  </a:spcAft>
+                  <a:defRPr>
+                    <a:solidFill>
+                      <a:schemeClr val="tx1"/>
+                    </a:solidFill>
+                    <a:latin typeface="Calibri" panose="020F0502020204030204" pitchFamily="34" charset="0"/>
+                  </a:defRPr>
+                </a:lvl9pPr>
+              </a:lstStyle>
+              <a:p>
+                <a:pPr algn="ctr" eaLnBrk="1" hangingPunct="1"/>
+                <a:r>
+                  <a:rPr lang="en-US" altLang="en-US" sz="1200" dirty="0">
+                    <a:latin typeface="Arial" panose="020B0604020202020204" pitchFamily="34" charset="0"/>
+                    <a:ea typeface="Amazon Ember" panose="020B0603020204020204" pitchFamily="34" charset="0"/>
+                    <a:cs typeface="Arial" panose="020B0604020202020204" pitchFamily="34" charset="0"/>
+                  </a:rPr>
+                  <a:t>Amazon DynamoDB</a:t>
+                </a:r>
+              </a:p>
+              <a:p>
+                <a:pPr algn="ctr" eaLnBrk="1" hangingPunct="1"/>
+                <a:r>
+                  <a:rPr lang="en-US" altLang="en-US" sz="1200" dirty="0">
+                    <a:latin typeface="Arial" panose="020B0604020202020204" pitchFamily="34" charset="0"/>
+                    <a:ea typeface="Amazon Ember" panose="020B0603020204020204" pitchFamily="34" charset="0"/>
+                    <a:cs typeface="Arial" panose="020B0604020202020204" pitchFamily="34" charset="0"/>
+                  </a:rPr>
+                  <a:t>Store Products and Subscribers</a:t>
+                </a:r>
+              </a:p>
+            </p:txBody>
+          </p:sp>
+        </p:grpSp>
+        <p:grpSp>
+          <p:nvGrpSpPr>
+            <p:cNvPr id="38" name="Group 37">
+              <a:extLst>
+                <a:ext uri="{FF2B5EF4-FFF2-40B4-BE49-F238E27FC236}">
+                  <a16:creationId xmlns:a16="http://schemas.microsoft.com/office/drawing/2014/main" id="{954FAB91-1B65-2C4B-B49F-3C921D9DDBCF}"/>
+                </a:ext>
+              </a:extLst>
+            </p:cNvPr>
+            <p:cNvGrpSpPr/>
+            <p:nvPr/>
+          </p:nvGrpSpPr>
+          <p:grpSpPr>
+            <a:xfrm>
+              <a:off x="6510663" y="2842394"/>
+              <a:ext cx="2003210" cy="1286411"/>
+              <a:chOff x="6473935" y="3185098"/>
+              <a:chExt cx="2003210" cy="1286411"/>
+            </a:xfrm>
+          </p:grpSpPr>
+          <p:pic>
+            <p:nvPicPr>
+              <p:cNvPr id="40" name="Graphic 18">
+                <a:extLst>
+                  <a:ext uri="{FF2B5EF4-FFF2-40B4-BE49-F238E27FC236}">
+                    <a16:creationId xmlns:a16="http://schemas.microsoft.com/office/drawing/2014/main" id="{18010514-614C-B946-8985-12DB07940094}"/>
+                  </a:ext>
+                </a:extLst>
+              </p:cNvPr>
+              <p:cNvPicPr>
+                <a:picLocks noChangeAspect="1" noChangeArrowheads="1"/>
+              </p:cNvPicPr>
+              <p:nvPr/>
+            </p:nvPicPr>
+            <p:blipFill>
+              <a:blip r:embed="rId10">
+                <a:extLst>
+                  <a:ext uri="{28A0092B-C50C-407E-A947-70E740481C1C}">
+                    <a14:useLocalDpi xmlns:a14="http://schemas.microsoft.com/office/drawing/2010/main" val="0"/>
+                  </a:ext>
+                </a:extLst>
+              </a:blip>
+              <a:srcRect/>
+              <a:stretch>
+                <a:fillRect/>
+              </a:stretch>
+            </p:blipFill>
+            <p:spPr bwMode="auto">
+              <a:xfrm>
+                <a:off x="7155500" y="3185098"/>
+                <a:ext cx="640080" cy="640080"/>
+              </a:xfrm>
+              <a:prstGeom prst="rect">
+                <a:avLst/>
+              </a:prstGeom>
+              <a:noFill/>
+              <a:ln>
+                <a:noFill/>
+              </a:ln>
+              <a:extLst>
+                <a:ext uri="{909E8E84-426E-40DD-AFC4-6F175D3DCCD1}">
+                  <a14:hiddenFill xmlns:a14="http://schemas.microsoft.com/office/drawing/2010/main">
+                    <a:solidFill>
+                      <a:srgbClr val="FFFFFF"/>
+                    </a:solidFill>
+                  </a14:hiddenFill>
+                </a:ext>
+                <a:ext uri="{91240B29-F687-4F45-9708-019B960494DF}">
+                  <a14:hiddenLine xmlns:a14="http://schemas.microsoft.com/office/drawing/2010/main" w="9525">
+                    <a:solidFill>
+                      <a:srgbClr val="000000"/>
+                    </a:solidFill>
+                    <a:miter lim="800000"/>
+                    <a:headEnd/>
+                    <a:tailEnd/>
+                  </a14:hiddenLine>
+                </a:ext>
+              </a:extLst>
+            </p:spPr>
+          </p:pic>
+          <p:sp>
+            <p:nvSpPr>
+              <p:cNvPr id="41" name="TextBox 19">
+                <a:extLst>
+                  <a:ext uri="{FF2B5EF4-FFF2-40B4-BE49-F238E27FC236}">
+                    <a16:creationId xmlns:a16="http://schemas.microsoft.com/office/drawing/2014/main" id="{1586A208-52DE-B340-9F5D-A4A7AB657352}"/>
+                  </a:ext>
+                </a:extLst>
+              </p:cNvPr>
+              <p:cNvSpPr txBox="1">
+                <a:spLocks noChangeArrowheads="1"/>
+              </p:cNvSpPr>
+              <p:nvPr/>
+            </p:nvSpPr>
+            <p:spPr bwMode="auto">
+              <a:xfrm>
+                <a:off x="6473935" y="3825178"/>
+                <a:ext cx="2003210" cy="646331"/>
+              </a:xfrm>
+              <a:prstGeom prst="rect">
+                <a:avLst/>
+              </a:prstGeom>
+              <a:noFill/>
+              <a:ln>
+                <a:noFill/>
+              </a:ln>
+              <a:extLst>
+                <a:ext uri="{909E8E84-426E-40DD-AFC4-6F175D3DCCD1}">
+                  <a14:hiddenFill xmlns:a14="http://schemas.microsoft.com/office/drawing/2010/main">
+                    <a:solidFill>
+                      <a:srgbClr val="FFFFFF"/>
+                    </a:solidFill>
+                  </a14:hiddenFill>
+                </a:ext>
+                <a:ext uri="{91240B29-F687-4F45-9708-019B960494DF}">
+                  <a14:hiddenLine xmlns:a14="http://schemas.microsoft.com/office/drawing/2010/main" w="9525">
+                    <a:solidFill>
+                      <a:srgbClr val="000000"/>
+                    </a:solidFill>
+                    <a:miter lim="800000"/>
+                    <a:headEnd/>
+                    <a:tailEnd/>
+                  </a14:hiddenLine>
+                </a:ext>
+              </a:extLst>
+            </p:spPr>
+            <p:txBody>
+              <a:bodyPr wrap="square">
+                <a:spAutoFit/>
+              </a:bodyPr>
+              <a:lstStyle>
+                <a:lvl1pPr>
+                  <a:defRPr>
+                    <a:solidFill>
+                      <a:schemeClr val="tx1"/>
+                    </a:solidFill>
+                    <a:latin typeface="Calibri" panose="020F0502020204030204" pitchFamily="34" charset="0"/>
+                  </a:defRPr>
+                </a:lvl1pPr>
+                <a:lvl2pPr marL="742950" indent="-285750">
+                  <a:defRPr>
+                    <a:solidFill>
+                      <a:schemeClr val="tx1"/>
+                    </a:solidFill>
+                    <a:latin typeface="Calibri" panose="020F0502020204030204" pitchFamily="34" charset="0"/>
+                  </a:defRPr>
+                </a:lvl2pPr>
+                <a:lvl3pPr marL="1143000" indent="-228600">
+                  <a:defRPr>
+                    <a:solidFill>
+                      <a:schemeClr val="tx1"/>
+                    </a:solidFill>
+                    <a:latin typeface="Calibri" panose="020F0502020204030204" pitchFamily="34" charset="0"/>
+                  </a:defRPr>
+                </a:lvl3pPr>
+                <a:lvl4pPr marL="1600200" indent="-228600">
+                  <a:defRPr>
+                    <a:solidFill>
+                      <a:schemeClr val="tx1"/>
+                    </a:solidFill>
+                    <a:latin typeface="Calibri" panose="020F0502020204030204" pitchFamily="34" charset="0"/>
+                  </a:defRPr>
+                </a:lvl4pPr>
+                <a:lvl5pPr marL="2057400" indent="-228600">
+                  <a:defRPr>
+                    <a:solidFill>
+                      <a:schemeClr val="tx1"/>
+                    </a:solidFill>
+                    <a:latin typeface="Calibri" panose="020F0502020204030204" pitchFamily="34" charset="0"/>
+                  </a:defRPr>
+                </a:lvl5pPr>
+                <a:lvl6pPr marL="2514600" indent="-228600" eaLnBrk="0" fontAlgn="base" hangingPunct="0">
+                  <a:spcBef>
+                    <a:spcPct val="0"/>
+                  </a:spcBef>
+                  <a:spcAft>
+                    <a:spcPct val="0"/>
+                  </a:spcAft>
+                  <a:defRPr>
+                    <a:solidFill>
+                      <a:schemeClr val="tx1"/>
+                    </a:solidFill>
+                    <a:latin typeface="Calibri" panose="020F0502020204030204" pitchFamily="34" charset="0"/>
+                  </a:defRPr>
+                </a:lvl6pPr>
+                <a:lvl7pPr marL="2971800" indent="-228600" eaLnBrk="0" fontAlgn="base" hangingPunct="0">
+                  <a:spcBef>
+                    <a:spcPct val="0"/>
+                  </a:spcBef>
+                  <a:spcAft>
+                    <a:spcPct val="0"/>
+                  </a:spcAft>
+                  <a:defRPr>
+                    <a:solidFill>
+                      <a:schemeClr val="tx1"/>
+                    </a:solidFill>
+                    <a:latin typeface="Calibri" panose="020F0502020204030204" pitchFamily="34" charset="0"/>
+                  </a:defRPr>
+                </a:lvl7pPr>
+                <a:lvl8pPr marL="3429000" indent="-228600" eaLnBrk="0" fontAlgn="base" hangingPunct="0">
+                  <a:spcBef>
+                    <a:spcPct val="0"/>
+                  </a:spcBef>
+                  <a:spcAft>
+                    <a:spcPct val="0"/>
+                  </a:spcAft>
+                  <a:defRPr>
+                    <a:solidFill>
+                      <a:schemeClr val="tx1"/>
+                    </a:solidFill>
+                    <a:latin typeface="Calibri" panose="020F0502020204030204" pitchFamily="34" charset="0"/>
+                  </a:defRPr>
+                </a:lvl8pPr>
+                <a:lvl9pPr marL="3886200" indent="-228600" eaLnBrk="0" fontAlgn="base" hangingPunct="0">
+                  <a:spcBef>
+                    <a:spcPct val="0"/>
+                  </a:spcBef>
+                  <a:spcAft>
+                    <a:spcPct val="0"/>
+                  </a:spcAft>
+                  <a:defRPr>
+                    <a:solidFill>
+                      <a:schemeClr val="tx1"/>
+                    </a:solidFill>
+                    <a:latin typeface="Calibri" panose="020F0502020204030204" pitchFamily="34" charset="0"/>
+                  </a:defRPr>
+                </a:lvl9pPr>
+              </a:lstStyle>
+              <a:p>
+                <a:pPr algn="ctr" eaLnBrk="1" hangingPunct="1"/>
+                <a:r>
+                  <a:rPr lang="en-US" altLang="en-US" sz="1200" dirty="0">
+                    <a:latin typeface="Arial" panose="020B0604020202020204" pitchFamily="34" charset="0"/>
+                    <a:ea typeface="Amazon Ember" panose="020B0603020204020204" pitchFamily="34" charset="0"/>
+                    <a:cs typeface="Arial" panose="020B0604020202020204" pitchFamily="34" charset="0"/>
+                  </a:rPr>
+                  <a:t>Amazon ElasticSearch</a:t>
+                </a:r>
+                <a:br>
+                  <a:rPr lang="en-US" altLang="en-US" sz="1200" dirty="0">
+                    <a:latin typeface="Arial" panose="020B0604020202020204" pitchFamily="34" charset="0"/>
+                    <a:ea typeface="Amazon Ember" panose="020B0603020204020204" pitchFamily="34" charset="0"/>
+                    <a:cs typeface="Arial" panose="020B0604020202020204" pitchFamily="34" charset="0"/>
+                  </a:rPr>
+                </a:br>
+                <a:r>
+                  <a:rPr lang="en-US" altLang="en-US" sz="1200" dirty="0">
+                    <a:latin typeface="Arial" panose="020B0604020202020204" pitchFamily="34" charset="0"/>
+                    <a:ea typeface="Amazon Ember" panose="020B0603020204020204" pitchFamily="34" charset="0"/>
+                    <a:cs typeface="Arial" panose="020B0604020202020204" pitchFamily="34" charset="0"/>
+                  </a:rPr>
+                  <a:t>Relates Products to Subscribers</a:t>
+                </a:r>
+              </a:p>
+            </p:txBody>
+          </p:sp>
+        </p:grpSp>
+        <p:sp>
+          <p:nvSpPr>
+            <p:cNvPr id="39" name="Rectangle 38">
+              <a:extLst>
+                <a:ext uri="{FF2B5EF4-FFF2-40B4-BE49-F238E27FC236}">
+                  <a16:creationId xmlns:a16="http://schemas.microsoft.com/office/drawing/2014/main" id="{7E7E01E2-88E6-F04A-B84F-6E7224CC38E9}"/>
+                </a:ext>
+              </a:extLst>
+            </p:cNvPr>
+            <p:cNvSpPr/>
+            <p:nvPr/>
+          </p:nvSpPr>
+          <p:spPr>
+            <a:xfrm>
+              <a:off x="4755407" y="2551414"/>
+              <a:ext cx="3808848" cy="1644150"/>
+            </a:xfrm>
+            <a:prstGeom prst="rect">
+              <a:avLst/>
+            </a:prstGeom>
+            <a:noFill/>
+            <a:ln w="12700">
+              <a:solidFill>
+                <a:srgbClr val="5A6B86"/>
+              </a:solidFill>
+              <a:prstDash val="dash"/>
+            </a:ln>
+          </p:spPr>
+          <p:style>
+            <a:lnRef idx="2">
+              <a:schemeClr val="accent1">
+                <a:shade val="50000"/>
+              </a:schemeClr>
+            </a:lnRef>
+            <a:fillRef idx="1">
+              <a:schemeClr val="accent1"/>
+            </a:fillRef>
+            <a:effectRef idx="0">
+              <a:schemeClr val="accent1"/>
+            </a:effectRef>
+            <a:fontRef idx="minor">
+              <a:schemeClr val="lt1"/>
+            </a:fontRef>
+          </p:style>
+          <p:txBody>
+            <a:bodyPr tIns="91440"/>
+            <a:lstStyle/>
+            <a:p>
+              <a:pPr algn="ctr" eaLnBrk="1" fontAlgn="auto" hangingPunct="1">
+                <a:spcBef>
+                  <a:spcPts val="0"/>
+                </a:spcBef>
+                <a:spcAft>
+                  <a:spcPts val="0"/>
+                </a:spcAft>
+                <a:defRPr/>
+              </a:pPr>
+              <a:r>
+                <a:rPr lang="en-US" sz="1200" dirty="0">
+                  <a:solidFill>
+                    <a:srgbClr val="5A6B86"/>
+                  </a:solidFill>
+                  <a:latin typeface="Arial" panose="020B0604020202020204" pitchFamily="34" charset="0"/>
+                  <a:cs typeface="Arial" panose="020B0604020202020204" pitchFamily="34" charset="0"/>
+                </a:rPr>
+                <a:t>Data</a:t>
+              </a:r>
+            </a:p>
+          </p:txBody>
+        </p:sp>
+      </p:grpSp>
+      <p:sp>
+        <p:nvSpPr>
+          <p:cNvPr id="44" name="Freeform 34">
+            <a:extLst>
+              <a:ext uri="{FF2B5EF4-FFF2-40B4-BE49-F238E27FC236}">
+                <a16:creationId xmlns:a16="http://schemas.microsoft.com/office/drawing/2014/main" id="{C4D25FA1-F8C8-DA4C-9E5B-ABB97E9A5282}"/>
+              </a:ext>
+            </a:extLst>
+          </p:cNvPr>
+          <p:cNvSpPr/>
+          <p:nvPr/>
+        </p:nvSpPr>
+        <p:spPr>
+          <a:xfrm flipH="1">
+            <a:off x="7038380" y="1637772"/>
+            <a:ext cx="526824" cy="913642"/>
+          </a:xfrm>
+          <a:custGeom>
+            <a:avLst/>
+            <a:gdLst>
+              <a:gd name="connsiteX0" fmla="*/ 1371600 w 1371600"/>
+              <a:gd name="connsiteY0" fmla="*/ 711200 h 711200"/>
+              <a:gd name="connsiteX1" fmla="*/ 1371600 w 1371600"/>
+              <a:gd name="connsiteY1" fmla="*/ 0 h 711200"/>
+              <a:gd name="connsiteX2" fmla="*/ 0 w 1371600"/>
+              <a:gd name="connsiteY2" fmla="*/ 0 h 711200"/>
+            </a:gdLst>
+            <a:ahLst/>
+            <a:cxnLst>
+              <a:cxn ang="0">
+                <a:pos x="connsiteX0" y="connsiteY0"/>
+              </a:cxn>
+              <a:cxn ang="0">
+                <a:pos x="connsiteX1" y="connsiteY1"/>
+              </a:cxn>
+              <a:cxn ang="0">
+                <a:pos x="connsiteX2" y="connsiteY2"/>
+              </a:cxn>
+            </a:cxnLst>
+            <a:rect l="l" t="t" r="r" b="b"/>
+            <a:pathLst>
+              <a:path w="1371600" h="711200">
+                <a:moveTo>
+                  <a:pt x="1371600" y="711200"/>
+                </a:moveTo>
+                <a:lnTo>
+                  <a:pt x="1371600" y="0"/>
+                </a:lnTo>
+                <a:lnTo>
+                  <a:pt x="0" y="0"/>
+                </a:lnTo>
+              </a:path>
+            </a:pathLst>
+          </a:custGeom>
+          <a:noFill/>
+          <a:ln w="28575">
+            <a:solidFill>
+              <a:schemeClr val="tx2"/>
+            </a:solidFill>
+            <a:headEnd type="none" w="med" len="sm"/>
+            <a:tailEnd type="arrow" w="med" len="sm"/>
+          </a:ln>
+        </p:spPr>
+        <p:style>
+          <a:lnRef idx="2">
+            <a:schemeClr val="accent1">
+              <a:shade val="50000"/>
+            </a:schemeClr>
+          </a:lnRef>
+          <a:fillRef idx="1">
+            <a:schemeClr val="accent1"/>
+          </a:fillRef>
+          <a:effectRef idx="0">
+            <a:schemeClr val="accent1"/>
+          </a:effectRef>
+          <a:fontRef idx="minor">
+            <a:schemeClr val="lt1"/>
+          </a:fontRef>
+        </p:style>
+        <p:txBody>
+          <a:bodyPr anchor="ctr"/>
+          <a:lstStyle/>
+          <a:p>
+            <a:pPr algn="ctr" eaLnBrk="1" fontAlgn="auto" hangingPunct="1">
+              <a:spcBef>
+                <a:spcPts val="0"/>
+              </a:spcBef>
+              <a:spcAft>
+                <a:spcPts val="0"/>
+              </a:spcAft>
+              <a:defRPr/>
+            </a:pPr>
+            <a:endParaRPr lang="en-US" dirty="0"/>
+          </a:p>
+        </p:txBody>
+      </p:sp>
+      <p:cxnSp>
+        <p:nvCxnSpPr>
+          <p:cNvPr id="45" name="Straight Arrow Connector 44">
+            <a:extLst>
+              <a:ext uri="{FF2B5EF4-FFF2-40B4-BE49-F238E27FC236}">
+                <a16:creationId xmlns:a16="http://schemas.microsoft.com/office/drawing/2014/main" id="{79814987-3CCB-8644-96D0-5C7FB68AE5E6}"/>
+              </a:ext>
+            </a:extLst>
+          </p:cNvPr>
+          <p:cNvCxnSpPr>
+            <a:cxnSpLocks/>
+          </p:cNvCxnSpPr>
+          <p:nvPr/>
+        </p:nvCxnSpPr>
+        <p:spPr>
+          <a:xfrm>
+            <a:off x="5932348" y="1347520"/>
+            <a:ext cx="1644672" cy="0"/>
+          </a:xfrm>
+          <a:prstGeom prst="straightConnector1">
+            <a:avLst/>
+          </a:prstGeom>
+          <a:ln w="28575">
+            <a:solidFill>
+              <a:srgbClr val="545B64"/>
+            </a:solidFill>
+            <a:headEnd type="none" w="med" len="sm"/>
+            <a:tailEnd type="arrow" w="med" len="sm"/>
+          </a:ln>
+        </p:spPr>
+        <p:style>
+          <a:lnRef idx="1">
+            <a:schemeClr val="accent1"/>
+          </a:lnRef>
+          <a:fillRef idx="0">
+            <a:schemeClr val="accent1"/>
+          </a:fillRef>
+          <a:effectRef idx="0">
+            <a:schemeClr val="accent1"/>
+          </a:effectRef>
+          <a:fontRef idx="minor">
+            <a:schemeClr val="tx1"/>
+          </a:fontRef>
+        </p:style>
+      </p:cxnSp>
+      <p:cxnSp>
+        <p:nvCxnSpPr>
+          <p:cNvPr id="46" name="Straight Arrow Connector 45">
+            <a:extLst>
+              <a:ext uri="{FF2B5EF4-FFF2-40B4-BE49-F238E27FC236}">
+                <a16:creationId xmlns:a16="http://schemas.microsoft.com/office/drawing/2014/main" id="{ECD96A3E-C108-C743-BB21-965798BFD052}"/>
+              </a:ext>
+            </a:extLst>
+          </p:cNvPr>
+          <p:cNvCxnSpPr>
+            <a:cxnSpLocks/>
+            <a:endCxn id="39" idx="1"/>
+          </p:cNvCxnSpPr>
+          <p:nvPr/>
+        </p:nvCxnSpPr>
+        <p:spPr>
+          <a:xfrm>
+            <a:off x="3620294" y="3142676"/>
+            <a:ext cx="1492164" cy="250118"/>
+          </a:xfrm>
+          <a:prstGeom prst="straightConnector1">
+            <a:avLst/>
+          </a:prstGeom>
+          <a:ln w="28575">
+            <a:solidFill>
+              <a:srgbClr val="545B64"/>
+            </a:solidFill>
+            <a:headEnd type="none" w="med" len="sm"/>
+            <a:tailEnd type="arrow" w="med" len="sm"/>
+          </a:ln>
+        </p:spPr>
+        <p:style>
+          <a:lnRef idx="1">
+            <a:schemeClr val="accent1"/>
+          </a:lnRef>
+          <a:fillRef idx="0">
+            <a:schemeClr val="accent1"/>
+          </a:fillRef>
+          <a:effectRef idx="0">
+            <a:schemeClr val="accent1"/>
+          </a:effectRef>
+          <a:fontRef idx="minor">
+            <a:schemeClr val="tx1"/>
+          </a:fontRef>
+        </p:style>
+      </p:cxnSp>
+      <p:grpSp>
+        <p:nvGrpSpPr>
+          <p:cNvPr id="47" name="Group 46">
+            <a:extLst>
+              <a:ext uri="{FF2B5EF4-FFF2-40B4-BE49-F238E27FC236}">
+                <a16:creationId xmlns:a16="http://schemas.microsoft.com/office/drawing/2014/main" id="{B7807367-919B-E741-97CA-35DAFA3CD896}"/>
+              </a:ext>
+            </a:extLst>
+          </p:cNvPr>
+          <p:cNvGrpSpPr/>
+          <p:nvPr/>
+        </p:nvGrpSpPr>
+        <p:grpSpPr>
+          <a:xfrm>
+            <a:off x="2783586" y="5138858"/>
+            <a:ext cx="2243137" cy="928795"/>
+            <a:chOff x="1987640" y="5093691"/>
+            <a:chExt cx="2243137" cy="928795"/>
+          </a:xfrm>
+        </p:grpSpPr>
+        <p:pic>
+          <p:nvPicPr>
+            <p:cNvPr id="48" name="Graphic 17">
+              <a:extLst>
+                <a:ext uri="{FF2B5EF4-FFF2-40B4-BE49-F238E27FC236}">
+                  <a16:creationId xmlns:a16="http://schemas.microsoft.com/office/drawing/2014/main" id="{7312548C-6686-8349-B98E-E52A21FEAB53}"/>
+                </a:ext>
+              </a:extLst>
+            </p:cNvPr>
+            <p:cNvPicPr>
+              <a:picLocks noChangeAspect="1" noChangeArrowheads="1"/>
+            </p:cNvPicPr>
+            <p:nvPr/>
+          </p:nvPicPr>
+          <p:blipFill>
+            <a:blip r:embed="rId11"/>
+            <a:srcRect/>
+            <a:stretch/>
+          </p:blipFill>
+          <p:spPr bwMode="auto">
+            <a:xfrm>
+              <a:off x="2748865" y="5093691"/>
+              <a:ext cx="640080" cy="640080"/>
+            </a:xfrm>
+            <a:prstGeom prst="rect">
+              <a:avLst/>
+            </a:prstGeom>
+            <a:noFill/>
+            <a:ln>
+              <a:noFill/>
+            </a:ln>
+            <a:extLst>
+              <a:ext uri="{909E8E84-426E-40DD-AFC4-6F175D3DCCD1}">
+                <a14:hiddenFill xmlns:a14="http://schemas.microsoft.com/office/drawing/2010/main">
+                  <a:solidFill>
+                    <a:srgbClr val="FFFFFF"/>
+                  </a:solidFill>
+                </a14:hiddenFill>
+              </a:ext>
+              <a:ext uri="{91240B29-F687-4F45-9708-019B960494DF}">
+                <a14:hiddenLine xmlns:a14="http://schemas.microsoft.com/office/drawing/2010/main" w="9525">
+                  <a:solidFill>
+                    <a:srgbClr val="000000"/>
+                  </a:solidFill>
+                  <a:miter lim="800000"/>
+                  <a:headEnd/>
+                  <a:tailEnd/>
+                </a14:hiddenLine>
+              </a:ext>
+            </a:extLst>
+          </p:spPr>
+        </p:pic>
+        <p:sp>
+          <p:nvSpPr>
+            <p:cNvPr id="49" name="TextBox 9">
+              <a:extLst>
+                <a:ext uri="{FF2B5EF4-FFF2-40B4-BE49-F238E27FC236}">
+                  <a16:creationId xmlns:a16="http://schemas.microsoft.com/office/drawing/2014/main" id="{80C05491-31D1-D647-AF88-E6376D7DFD46}"/>
+                </a:ext>
+              </a:extLst>
+            </p:cNvPr>
+            <p:cNvSpPr txBox="1">
+              <a:spLocks noChangeArrowheads="1"/>
+            </p:cNvSpPr>
+            <p:nvPr/>
+          </p:nvSpPr>
+          <p:spPr bwMode="auto">
+            <a:xfrm>
+              <a:off x="1987640" y="5745487"/>
+              <a:ext cx="2243137" cy="276999"/>
+            </a:xfrm>
+            <a:prstGeom prst="rect">
+              <a:avLst/>
+            </a:prstGeom>
+            <a:noFill/>
+            <a:ln>
+              <a:noFill/>
+            </a:ln>
+            <a:extLst>
+              <a:ext uri="{909E8E84-426E-40DD-AFC4-6F175D3DCCD1}">
+                <a14:hiddenFill xmlns:a14="http://schemas.microsoft.com/office/drawing/2010/main">
+                  <a:solidFill>
+                    <a:srgbClr val="FFFFFF"/>
+                  </a:solidFill>
+                </a14:hiddenFill>
+              </a:ext>
+              <a:ext uri="{91240B29-F687-4F45-9708-019B960494DF}">
+                <a14:hiddenLine xmlns:a14="http://schemas.microsoft.com/office/drawing/2010/main" w="9525">
+                  <a:solidFill>
+                    <a:srgbClr val="000000"/>
+                  </a:solidFill>
+                  <a:miter lim="800000"/>
+                  <a:headEnd/>
+                  <a:tailEnd/>
+                </a14:hiddenLine>
+              </a:ext>
+            </a:extLst>
+          </p:spPr>
+          <p:txBody>
+            <a:bodyPr>
+              <a:spAutoFit/>
+            </a:bodyPr>
+            <a:lstStyle>
+              <a:lvl1pPr>
+                <a:defRPr>
+                  <a:solidFill>
+                    <a:schemeClr val="tx1"/>
+                  </a:solidFill>
+                  <a:latin typeface="Calibri" panose="020F0502020204030204" pitchFamily="34" charset="0"/>
+                </a:defRPr>
+              </a:lvl1pPr>
+              <a:lvl2pPr marL="742950" indent="-285750">
+                <a:defRPr>
+                  <a:solidFill>
+                    <a:schemeClr val="tx1"/>
+                  </a:solidFill>
+                  <a:latin typeface="Calibri" panose="020F0502020204030204" pitchFamily="34" charset="0"/>
+                </a:defRPr>
+              </a:lvl2pPr>
+              <a:lvl3pPr marL="1143000" indent="-228600">
+                <a:defRPr>
+                  <a:solidFill>
+                    <a:schemeClr val="tx1"/>
+                  </a:solidFill>
+                  <a:latin typeface="Calibri" panose="020F0502020204030204" pitchFamily="34" charset="0"/>
+                </a:defRPr>
+              </a:lvl3pPr>
+              <a:lvl4pPr marL="1600200" indent="-228600">
+                <a:defRPr>
+                  <a:solidFill>
+                    <a:schemeClr val="tx1"/>
+                  </a:solidFill>
+                  <a:latin typeface="Calibri" panose="020F0502020204030204" pitchFamily="34" charset="0"/>
+                </a:defRPr>
+              </a:lvl4pPr>
+              <a:lvl5pPr marL="2057400" indent="-228600">
+                <a:defRPr>
+                  <a:solidFill>
+                    <a:schemeClr val="tx1"/>
+                  </a:solidFill>
+                  <a:latin typeface="Calibri" panose="020F0502020204030204" pitchFamily="34" charset="0"/>
+                </a:defRPr>
+              </a:lvl5pPr>
+              <a:lvl6pPr marL="2514600" indent="-228600" eaLnBrk="0" fontAlgn="base" hangingPunct="0">
+                <a:spcBef>
+                  <a:spcPct val="0"/>
+                </a:spcBef>
+                <a:spcAft>
+                  <a:spcPct val="0"/>
+                </a:spcAft>
+                <a:defRPr>
+                  <a:solidFill>
+                    <a:schemeClr val="tx1"/>
+                  </a:solidFill>
+                  <a:latin typeface="Calibri" panose="020F0502020204030204" pitchFamily="34" charset="0"/>
+                </a:defRPr>
+              </a:lvl6pPr>
+              <a:lvl7pPr marL="2971800" indent="-228600" eaLnBrk="0" fontAlgn="base" hangingPunct="0">
+                <a:spcBef>
+                  <a:spcPct val="0"/>
+                </a:spcBef>
+                <a:spcAft>
+                  <a:spcPct val="0"/>
+                </a:spcAft>
+                <a:defRPr>
+                  <a:solidFill>
+                    <a:schemeClr val="tx1"/>
+                  </a:solidFill>
+                  <a:latin typeface="Calibri" panose="020F0502020204030204" pitchFamily="34" charset="0"/>
+                </a:defRPr>
+              </a:lvl7pPr>
+              <a:lvl8pPr marL="3429000" indent="-228600" eaLnBrk="0" fontAlgn="base" hangingPunct="0">
+                <a:spcBef>
+                  <a:spcPct val="0"/>
+                </a:spcBef>
+                <a:spcAft>
+                  <a:spcPct val="0"/>
+                </a:spcAft>
+                <a:defRPr>
+                  <a:solidFill>
+                    <a:schemeClr val="tx1"/>
+                  </a:solidFill>
+                  <a:latin typeface="Calibri" panose="020F0502020204030204" pitchFamily="34" charset="0"/>
+                </a:defRPr>
+              </a:lvl8pPr>
+              <a:lvl9pPr marL="3886200" indent="-228600" eaLnBrk="0" fontAlgn="base" hangingPunct="0">
+                <a:spcBef>
+                  <a:spcPct val="0"/>
+                </a:spcBef>
+                <a:spcAft>
+                  <a:spcPct val="0"/>
+                </a:spcAft>
+                <a:defRPr>
+                  <a:solidFill>
+                    <a:schemeClr val="tx1"/>
+                  </a:solidFill>
+                  <a:latin typeface="Calibri" panose="020F0502020204030204" pitchFamily="34" charset="0"/>
+                </a:defRPr>
+              </a:lvl9pPr>
+            </a:lstStyle>
+            <a:p>
+              <a:pPr algn="ctr" eaLnBrk="1" hangingPunct="1"/>
+              <a:r>
+                <a:rPr lang="en-US" altLang="en-US" sz="1200" dirty="0">
+                  <a:latin typeface="Arial" panose="020B0604020202020204" pitchFamily="34" charset="0"/>
+                  <a:ea typeface="Amazon Ember" panose="020B0603020204020204" pitchFamily="34" charset="0"/>
+                  <a:cs typeface="Arial" panose="020B0604020202020204" pitchFamily="34" charset="0"/>
+                </a:rPr>
+                <a:t>Amazon API Gateway</a:t>
+              </a:r>
+            </a:p>
+          </p:txBody>
+        </p:sp>
+      </p:grpSp>
+      <p:cxnSp>
+        <p:nvCxnSpPr>
+          <p:cNvPr id="50" name="Straight Arrow Connector 49">
+            <a:extLst>
+              <a:ext uri="{FF2B5EF4-FFF2-40B4-BE49-F238E27FC236}">
+                <a16:creationId xmlns:a16="http://schemas.microsoft.com/office/drawing/2014/main" id="{3CE4D8E8-25C2-0742-B9F6-0AE8D03373EA}"/>
+              </a:ext>
+            </a:extLst>
+          </p:cNvPr>
+          <p:cNvCxnSpPr>
+            <a:cxnSpLocks/>
+            <a:endCxn id="48" idx="1"/>
+          </p:cNvCxnSpPr>
+          <p:nvPr/>
+        </p:nvCxnSpPr>
+        <p:spPr>
+          <a:xfrm>
+            <a:off x="1767257" y="5457225"/>
+            <a:ext cx="1777554" cy="1673"/>
+          </a:xfrm>
+          <a:prstGeom prst="straightConnector1">
+            <a:avLst/>
+          </a:prstGeom>
+          <a:ln w="38100">
+            <a:solidFill>
+              <a:srgbClr val="545B64"/>
+            </a:solidFill>
+            <a:headEnd type="arrow" w="med" len="sm"/>
+            <a:tailEnd type="arrow" w="med" len="sm"/>
+          </a:ln>
+        </p:spPr>
+        <p:style>
+          <a:lnRef idx="1">
+            <a:schemeClr val="accent1"/>
+          </a:lnRef>
+          <a:fillRef idx="0">
+            <a:schemeClr val="accent1"/>
+          </a:fillRef>
+          <a:effectRef idx="0">
+            <a:schemeClr val="accent1"/>
+          </a:effectRef>
+          <a:fontRef idx="minor">
+            <a:schemeClr val="tx1"/>
+          </a:fontRef>
+        </p:style>
+      </p:cxnSp>
+      <p:grpSp>
+        <p:nvGrpSpPr>
+          <p:cNvPr id="51" name="Group 50">
+            <a:extLst>
+              <a:ext uri="{FF2B5EF4-FFF2-40B4-BE49-F238E27FC236}">
+                <a16:creationId xmlns:a16="http://schemas.microsoft.com/office/drawing/2014/main" id="{88B59529-6AF6-7E46-866D-942DB6DD8901}"/>
+              </a:ext>
+            </a:extLst>
+          </p:cNvPr>
+          <p:cNvGrpSpPr/>
+          <p:nvPr/>
+        </p:nvGrpSpPr>
+        <p:grpSpPr>
+          <a:xfrm>
+            <a:off x="9093755" y="3079240"/>
+            <a:ext cx="2018989" cy="1126964"/>
+            <a:chOff x="6259364" y="1227543"/>
+            <a:chExt cx="2018989" cy="1126964"/>
+          </a:xfrm>
+        </p:grpSpPr>
+        <p:pic>
+          <p:nvPicPr>
+            <p:cNvPr id="52" name="Graphic 10">
+              <a:extLst>
+                <a:ext uri="{FF2B5EF4-FFF2-40B4-BE49-F238E27FC236}">
+                  <a16:creationId xmlns:a16="http://schemas.microsoft.com/office/drawing/2014/main" id="{5B6C0E90-EFAE-0841-97DC-CBC39B4070CB}"/>
+                </a:ext>
+              </a:extLst>
+            </p:cNvPr>
+            <p:cNvPicPr>
+              <a:picLocks noChangeAspect="1" noChangeArrowheads="1"/>
+            </p:cNvPicPr>
+            <p:nvPr/>
+          </p:nvPicPr>
+          <p:blipFill>
+            <a:blip r:embed="rId5">
+              <a:extLst>
+                <a:ext uri="{28A0092B-C50C-407E-A947-70E740481C1C}">
+                  <a14:useLocalDpi xmlns:a14="http://schemas.microsoft.com/office/drawing/2010/main" val="0"/>
+                </a:ext>
+              </a:extLst>
+            </a:blip>
+            <a:srcRect/>
+            <a:stretch>
+              <a:fillRect/>
+            </a:stretch>
+          </p:blipFill>
+          <p:spPr bwMode="auto">
+            <a:xfrm>
+              <a:off x="6927700" y="1227543"/>
+              <a:ext cx="640080" cy="640080"/>
+            </a:xfrm>
+            <a:prstGeom prst="rect">
+              <a:avLst/>
+            </a:prstGeom>
+            <a:noFill/>
+            <a:ln>
+              <a:noFill/>
+            </a:ln>
+            <a:extLst>
+              <a:ext uri="{909E8E84-426E-40DD-AFC4-6F175D3DCCD1}">
+                <a14:hiddenFill xmlns:a14="http://schemas.microsoft.com/office/drawing/2010/main">
+                  <a:solidFill>
+                    <a:srgbClr val="FFFFFF"/>
+                  </a:solidFill>
+                </a14:hiddenFill>
+              </a:ext>
+              <a:ext uri="{91240B29-F687-4F45-9708-019B960494DF}">
+                <a14:hiddenLine xmlns:a14="http://schemas.microsoft.com/office/drawing/2010/main" w="9525">
+                  <a:solidFill>
+                    <a:srgbClr val="000000"/>
+                  </a:solidFill>
+                  <a:miter lim="800000"/>
+                  <a:headEnd/>
+                  <a:tailEnd/>
+                </a14:hiddenLine>
+              </a:ext>
+            </a:extLst>
+          </p:spPr>
+        </p:pic>
+        <p:sp>
+          <p:nvSpPr>
+            <p:cNvPr id="53" name="TextBox 52">
+              <a:extLst>
+                <a:ext uri="{FF2B5EF4-FFF2-40B4-BE49-F238E27FC236}">
+                  <a16:creationId xmlns:a16="http://schemas.microsoft.com/office/drawing/2014/main" id="{98D17CC9-EA52-6948-A626-D848DA8B5FA8}"/>
+                </a:ext>
+              </a:extLst>
+            </p:cNvPr>
+            <p:cNvSpPr txBox="1">
+              <a:spLocks noChangeArrowheads="1"/>
+            </p:cNvSpPr>
+            <p:nvPr/>
+          </p:nvSpPr>
+          <p:spPr bwMode="auto">
+            <a:xfrm>
+              <a:off x="6259364" y="1892842"/>
+              <a:ext cx="2018989" cy="461665"/>
+            </a:xfrm>
+            <a:prstGeom prst="rect">
+              <a:avLst/>
+            </a:prstGeom>
+            <a:noFill/>
+            <a:ln>
+              <a:noFill/>
+            </a:ln>
+            <a:extLst>
+              <a:ext uri="{909E8E84-426E-40DD-AFC4-6F175D3DCCD1}">
+                <a14:hiddenFill xmlns:a14="http://schemas.microsoft.com/office/drawing/2010/main">
+                  <a:solidFill>
+                    <a:srgbClr val="FFFFFF"/>
+                  </a:solidFill>
+                </a14:hiddenFill>
+              </a:ext>
+              <a:ext uri="{91240B29-F687-4F45-9708-019B960494DF}">
+                <a14:hiddenLine xmlns:a14="http://schemas.microsoft.com/office/drawing/2010/main" w="9525">
+                  <a:solidFill>
+                    <a:srgbClr val="000000"/>
+                  </a:solidFill>
+                  <a:miter lim="800000"/>
+                  <a:headEnd/>
+                  <a:tailEnd/>
+                </a14:hiddenLine>
+              </a:ext>
+            </a:extLst>
+          </p:spPr>
+          <p:txBody>
+            <a:bodyPr>
+              <a:spAutoFit/>
+            </a:bodyPr>
+            <a:lstStyle>
+              <a:lvl1pPr>
+                <a:defRPr>
+                  <a:solidFill>
+                    <a:schemeClr val="tx1"/>
+                  </a:solidFill>
+                  <a:latin typeface="Calibri" panose="020F0502020204030204" pitchFamily="34" charset="0"/>
+                </a:defRPr>
+              </a:lvl1pPr>
+              <a:lvl2pPr marL="742950" indent="-285750">
+                <a:defRPr>
+                  <a:solidFill>
+                    <a:schemeClr val="tx1"/>
+                  </a:solidFill>
+                  <a:latin typeface="Calibri" panose="020F0502020204030204" pitchFamily="34" charset="0"/>
+                </a:defRPr>
+              </a:lvl2pPr>
+              <a:lvl3pPr marL="1143000" indent="-228600">
+                <a:defRPr>
+                  <a:solidFill>
+                    <a:schemeClr val="tx1"/>
+                  </a:solidFill>
+                  <a:latin typeface="Calibri" panose="020F0502020204030204" pitchFamily="34" charset="0"/>
+                </a:defRPr>
+              </a:lvl3pPr>
+              <a:lvl4pPr marL="1600200" indent="-228600">
+                <a:defRPr>
+                  <a:solidFill>
+                    <a:schemeClr val="tx1"/>
+                  </a:solidFill>
+                  <a:latin typeface="Calibri" panose="020F0502020204030204" pitchFamily="34" charset="0"/>
+                </a:defRPr>
+              </a:lvl4pPr>
+              <a:lvl5pPr marL="2057400" indent="-228600">
+                <a:defRPr>
+                  <a:solidFill>
+                    <a:schemeClr val="tx1"/>
+                  </a:solidFill>
+                  <a:latin typeface="Calibri" panose="020F0502020204030204" pitchFamily="34" charset="0"/>
+                </a:defRPr>
+              </a:lvl5pPr>
+              <a:lvl6pPr marL="2514600" indent="-228600" eaLnBrk="0" fontAlgn="base" hangingPunct="0">
+                <a:spcBef>
+                  <a:spcPct val="0"/>
+                </a:spcBef>
+                <a:spcAft>
+                  <a:spcPct val="0"/>
+                </a:spcAft>
+                <a:defRPr>
+                  <a:solidFill>
+                    <a:schemeClr val="tx1"/>
+                  </a:solidFill>
+                  <a:latin typeface="Calibri" panose="020F0502020204030204" pitchFamily="34" charset="0"/>
+                </a:defRPr>
+              </a:lvl6pPr>
+              <a:lvl7pPr marL="2971800" indent="-228600" eaLnBrk="0" fontAlgn="base" hangingPunct="0">
+                <a:spcBef>
+                  <a:spcPct val="0"/>
+                </a:spcBef>
+                <a:spcAft>
+                  <a:spcPct val="0"/>
+                </a:spcAft>
+                <a:defRPr>
+                  <a:solidFill>
+                    <a:schemeClr val="tx1"/>
+                  </a:solidFill>
+                  <a:latin typeface="Calibri" panose="020F0502020204030204" pitchFamily="34" charset="0"/>
+                </a:defRPr>
+              </a:lvl7pPr>
+              <a:lvl8pPr marL="3429000" indent="-228600" eaLnBrk="0" fontAlgn="base" hangingPunct="0">
+                <a:spcBef>
+                  <a:spcPct val="0"/>
+                </a:spcBef>
+                <a:spcAft>
+                  <a:spcPct val="0"/>
+                </a:spcAft>
+                <a:defRPr>
+                  <a:solidFill>
+                    <a:schemeClr val="tx1"/>
+                  </a:solidFill>
+                  <a:latin typeface="Calibri" panose="020F0502020204030204" pitchFamily="34" charset="0"/>
+                </a:defRPr>
+              </a:lvl8pPr>
+              <a:lvl9pPr marL="3886200" indent="-228600" eaLnBrk="0" fontAlgn="base" hangingPunct="0">
+                <a:spcBef>
+                  <a:spcPct val="0"/>
+                </a:spcBef>
+                <a:spcAft>
+                  <a:spcPct val="0"/>
+                </a:spcAft>
+                <a:defRPr>
+                  <a:solidFill>
+                    <a:schemeClr val="tx1"/>
+                  </a:solidFill>
+                  <a:latin typeface="Calibri" panose="020F0502020204030204" pitchFamily="34" charset="0"/>
+                </a:defRPr>
+              </a:lvl9pPr>
+            </a:lstStyle>
+            <a:p>
+              <a:pPr algn="ctr" eaLnBrk="1" hangingPunct="1"/>
+              <a:r>
+                <a:rPr lang="en-US" altLang="en-US" sz="1200" dirty="0">
+                  <a:latin typeface="Arial" panose="020B0604020202020204" pitchFamily="34" charset="0"/>
+                  <a:ea typeface="Amazon Ember" panose="020B0603020204020204" pitchFamily="34" charset="0"/>
+                  <a:cs typeface="Arial" panose="020B0604020202020204" pitchFamily="34" charset="0"/>
+                </a:rPr>
+                <a:t>AWS Lambda LF6</a:t>
+              </a:r>
+            </a:p>
+            <a:p>
+              <a:pPr algn="ctr" eaLnBrk="1" hangingPunct="1"/>
+              <a:r>
+                <a:rPr lang="en-US" altLang="en-US" sz="1200" dirty="0">
+                  <a:latin typeface="Arial" panose="020B0604020202020204" pitchFamily="34" charset="0"/>
+                  <a:ea typeface="Amazon Ember" panose="020B0603020204020204" pitchFamily="34" charset="0"/>
+                  <a:cs typeface="Arial" panose="020B0604020202020204" pitchFamily="34" charset="0"/>
+                </a:rPr>
+                <a:t>Rank Products</a:t>
+              </a:r>
+            </a:p>
+          </p:txBody>
+        </p:sp>
+      </p:grpSp>
+      <p:cxnSp>
+        <p:nvCxnSpPr>
+          <p:cNvPr id="54" name="Straight Arrow Connector 53">
+            <a:extLst>
+              <a:ext uri="{FF2B5EF4-FFF2-40B4-BE49-F238E27FC236}">
+                <a16:creationId xmlns:a16="http://schemas.microsoft.com/office/drawing/2014/main" id="{F4FFD795-485A-074B-9C4B-B8FF2C77F8E4}"/>
+              </a:ext>
+            </a:extLst>
+          </p:cNvPr>
+          <p:cNvCxnSpPr>
+            <a:cxnSpLocks/>
+            <a:stCxn id="14" idx="3"/>
+          </p:cNvCxnSpPr>
+          <p:nvPr/>
+        </p:nvCxnSpPr>
+        <p:spPr>
+          <a:xfrm>
+            <a:off x="10422786" y="953141"/>
+            <a:ext cx="670372" cy="0"/>
+          </a:xfrm>
+          <a:prstGeom prst="straightConnector1">
+            <a:avLst/>
+          </a:prstGeom>
+          <a:ln w="38100">
+            <a:solidFill>
+              <a:srgbClr val="545B64"/>
+            </a:solidFill>
+            <a:headEnd type="none" w="med" len="sm"/>
+            <a:tailEnd type="arrow" w="med" len="sm"/>
+          </a:ln>
+        </p:spPr>
+        <p:style>
+          <a:lnRef idx="1">
+            <a:schemeClr val="accent1"/>
+          </a:lnRef>
+          <a:fillRef idx="0">
+            <a:schemeClr val="accent1"/>
+          </a:fillRef>
+          <a:effectRef idx="0">
+            <a:schemeClr val="accent1"/>
+          </a:effectRef>
+          <a:fontRef idx="minor">
+            <a:schemeClr val="tx1"/>
+          </a:fontRef>
+        </p:style>
+      </p:cxnSp>
+      <p:cxnSp>
+        <p:nvCxnSpPr>
+          <p:cNvPr id="55" name="Straight Arrow Connector 54">
+            <a:extLst>
+              <a:ext uri="{FF2B5EF4-FFF2-40B4-BE49-F238E27FC236}">
+                <a16:creationId xmlns:a16="http://schemas.microsoft.com/office/drawing/2014/main" id="{8BC93F4A-A45E-1645-A7FB-D12EAE03A057}"/>
+              </a:ext>
+            </a:extLst>
+          </p:cNvPr>
+          <p:cNvCxnSpPr>
+            <a:cxnSpLocks/>
+            <a:stCxn id="11" idx="3"/>
+          </p:cNvCxnSpPr>
+          <p:nvPr/>
+        </p:nvCxnSpPr>
+        <p:spPr>
+          <a:xfrm>
+            <a:off x="10396553" y="2083525"/>
+            <a:ext cx="715686" cy="0"/>
+          </a:xfrm>
+          <a:prstGeom prst="straightConnector1">
+            <a:avLst/>
+          </a:prstGeom>
+          <a:ln w="38100">
+            <a:solidFill>
+              <a:srgbClr val="545B64"/>
+            </a:solidFill>
+            <a:headEnd type="none" w="med" len="sm"/>
+            <a:tailEnd type="arrow" w="med" len="sm"/>
+          </a:ln>
+        </p:spPr>
+        <p:style>
+          <a:lnRef idx="1">
+            <a:schemeClr val="accent1"/>
+          </a:lnRef>
+          <a:fillRef idx="0">
+            <a:schemeClr val="accent1"/>
+          </a:fillRef>
+          <a:effectRef idx="0">
+            <a:schemeClr val="accent1"/>
+          </a:effectRef>
+          <a:fontRef idx="minor">
+            <a:schemeClr val="tx1"/>
+          </a:fontRef>
+        </p:style>
+      </p:cxnSp>
+      <p:cxnSp>
+        <p:nvCxnSpPr>
+          <p:cNvPr id="56" name="Straight Arrow Connector 55">
+            <a:extLst>
+              <a:ext uri="{FF2B5EF4-FFF2-40B4-BE49-F238E27FC236}">
+                <a16:creationId xmlns:a16="http://schemas.microsoft.com/office/drawing/2014/main" id="{77C6B86D-12E6-0E40-A131-AE93DEA22987}"/>
+              </a:ext>
+            </a:extLst>
+          </p:cNvPr>
+          <p:cNvCxnSpPr>
+            <a:cxnSpLocks/>
+            <a:stCxn id="39" idx="3"/>
+            <a:endCxn id="52" idx="1"/>
+          </p:cNvCxnSpPr>
+          <p:nvPr/>
+        </p:nvCxnSpPr>
+        <p:spPr>
+          <a:xfrm>
+            <a:off x="8921306" y="3392794"/>
+            <a:ext cx="840785" cy="6486"/>
+          </a:xfrm>
+          <a:prstGeom prst="straightConnector1">
+            <a:avLst/>
+          </a:prstGeom>
+          <a:ln w="28575">
+            <a:solidFill>
+              <a:srgbClr val="545B64"/>
+            </a:solidFill>
+            <a:headEnd type="arrow" w="med" len="sm"/>
+            <a:tailEnd type="arrow" w="med" len="sm"/>
+          </a:ln>
+        </p:spPr>
+        <p:style>
+          <a:lnRef idx="1">
+            <a:schemeClr val="accent1"/>
+          </a:lnRef>
+          <a:fillRef idx="0">
+            <a:schemeClr val="accent1"/>
+          </a:fillRef>
+          <a:effectRef idx="0">
+            <a:schemeClr val="accent1"/>
+          </a:effectRef>
+          <a:fontRef idx="minor">
+            <a:schemeClr val="tx1"/>
+          </a:fontRef>
+        </p:style>
+      </p:cxnSp>
+      <p:grpSp>
+        <p:nvGrpSpPr>
+          <p:cNvPr id="57" name="Group 56">
+            <a:extLst>
+              <a:ext uri="{FF2B5EF4-FFF2-40B4-BE49-F238E27FC236}">
+                <a16:creationId xmlns:a16="http://schemas.microsoft.com/office/drawing/2014/main" id="{A4D63B0B-2960-E540-94BD-47E57730D04C}"/>
+              </a:ext>
+            </a:extLst>
+          </p:cNvPr>
+          <p:cNvGrpSpPr/>
+          <p:nvPr/>
+        </p:nvGrpSpPr>
+        <p:grpSpPr>
+          <a:xfrm>
+            <a:off x="6795466" y="5315543"/>
+            <a:ext cx="2018989" cy="1126964"/>
+            <a:chOff x="6259364" y="1227543"/>
+            <a:chExt cx="2018989" cy="1126964"/>
+          </a:xfrm>
+        </p:grpSpPr>
+        <p:pic>
+          <p:nvPicPr>
+            <p:cNvPr id="58" name="Graphic 10">
+              <a:extLst>
+                <a:ext uri="{FF2B5EF4-FFF2-40B4-BE49-F238E27FC236}">
+                  <a16:creationId xmlns:a16="http://schemas.microsoft.com/office/drawing/2014/main" id="{4C19AD17-5D71-FD49-A3B4-24F4403D41AB}"/>
+                </a:ext>
+              </a:extLst>
+            </p:cNvPr>
+            <p:cNvPicPr>
+              <a:picLocks noChangeAspect="1" noChangeArrowheads="1"/>
+            </p:cNvPicPr>
+            <p:nvPr/>
+          </p:nvPicPr>
+          <p:blipFill>
+            <a:blip r:embed="rId5">
+              <a:extLst>
+                <a:ext uri="{28A0092B-C50C-407E-A947-70E740481C1C}">
+                  <a14:useLocalDpi xmlns:a14="http://schemas.microsoft.com/office/drawing/2010/main" val="0"/>
+                </a:ext>
+              </a:extLst>
+            </a:blip>
+            <a:srcRect/>
+            <a:stretch>
+              <a:fillRect/>
+            </a:stretch>
+          </p:blipFill>
+          <p:spPr bwMode="auto">
+            <a:xfrm>
+              <a:off x="6927700" y="1227543"/>
+              <a:ext cx="640080" cy="640080"/>
+            </a:xfrm>
+            <a:prstGeom prst="rect">
+              <a:avLst/>
+            </a:prstGeom>
+            <a:noFill/>
+            <a:ln>
+              <a:noFill/>
+            </a:ln>
+            <a:extLst>
+              <a:ext uri="{909E8E84-426E-40DD-AFC4-6F175D3DCCD1}">
+                <a14:hiddenFill xmlns:a14="http://schemas.microsoft.com/office/drawing/2010/main">
+                  <a:solidFill>
+                    <a:srgbClr val="FFFFFF"/>
+                  </a:solidFill>
+                </a14:hiddenFill>
+              </a:ext>
+              <a:ext uri="{91240B29-F687-4F45-9708-019B960494DF}">
+                <a14:hiddenLine xmlns:a14="http://schemas.microsoft.com/office/drawing/2010/main" w="9525">
+                  <a:solidFill>
+                    <a:srgbClr val="000000"/>
+                  </a:solidFill>
+                  <a:miter lim="800000"/>
+                  <a:headEnd/>
+                  <a:tailEnd/>
+                </a14:hiddenLine>
+              </a:ext>
+            </a:extLst>
+          </p:spPr>
+        </p:pic>
+        <p:sp>
+          <p:nvSpPr>
+            <p:cNvPr id="59" name="TextBox 58">
+              <a:extLst>
+                <a:ext uri="{FF2B5EF4-FFF2-40B4-BE49-F238E27FC236}">
+                  <a16:creationId xmlns:a16="http://schemas.microsoft.com/office/drawing/2014/main" id="{F69D6519-798A-5046-ACB1-BCF26BE74405}"/>
+                </a:ext>
+              </a:extLst>
+            </p:cNvPr>
+            <p:cNvSpPr txBox="1">
+              <a:spLocks noChangeArrowheads="1"/>
+            </p:cNvSpPr>
+            <p:nvPr/>
+          </p:nvSpPr>
+          <p:spPr bwMode="auto">
+            <a:xfrm>
+              <a:off x="6259364" y="1892842"/>
+              <a:ext cx="2018989" cy="461665"/>
+            </a:xfrm>
+            <a:prstGeom prst="rect">
+              <a:avLst/>
+            </a:prstGeom>
+            <a:noFill/>
+            <a:ln>
+              <a:noFill/>
+            </a:ln>
+            <a:extLst>
+              <a:ext uri="{909E8E84-426E-40DD-AFC4-6F175D3DCCD1}">
+                <a14:hiddenFill xmlns:a14="http://schemas.microsoft.com/office/drawing/2010/main">
+                  <a:solidFill>
+                    <a:srgbClr val="FFFFFF"/>
+                  </a:solidFill>
+                </a14:hiddenFill>
+              </a:ext>
+              <a:ext uri="{91240B29-F687-4F45-9708-019B960494DF}">
+                <a14:hiddenLine xmlns:a14="http://schemas.microsoft.com/office/drawing/2010/main" w="9525">
+                  <a:solidFill>
+                    <a:srgbClr val="000000"/>
+                  </a:solidFill>
+                  <a:miter lim="800000"/>
+                  <a:headEnd/>
+                  <a:tailEnd/>
+                </a14:hiddenLine>
+              </a:ext>
+            </a:extLst>
+          </p:spPr>
+          <p:txBody>
+            <a:bodyPr>
+              <a:spAutoFit/>
+            </a:bodyPr>
+            <a:lstStyle>
+              <a:lvl1pPr>
+                <a:defRPr>
+                  <a:solidFill>
+                    <a:schemeClr val="tx1"/>
+                  </a:solidFill>
+                  <a:latin typeface="Calibri" panose="020F0502020204030204" pitchFamily="34" charset="0"/>
+                </a:defRPr>
+              </a:lvl1pPr>
+              <a:lvl2pPr marL="742950" indent="-285750">
+                <a:defRPr>
+                  <a:solidFill>
+                    <a:schemeClr val="tx1"/>
+                  </a:solidFill>
+                  <a:latin typeface="Calibri" panose="020F0502020204030204" pitchFamily="34" charset="0"/>
+                </a:defRPr>
+              </a:lvl2pPr>
+              <a:lvl3pPr marL="1143000" indent="-228600">
+                <a:defRPr>
+                  <a:solidFill>
+                    <a:schemeClr val="tx1"/>
+                  </a:solidFill>
+                  <a:latin typeface="Calibri" panose="020F0502020204030204" pitchFamily="34" charset="0"/>
+                </a:defRPr>
+              </a:lvl3pPr>
+              <a:lvl4pPr marL="1600200" indent="-228600">
+                <a:defRPr>
+                  <a:solidFill>
+                    <a:schemeClr val="tx1"/>
+                  </a:solidFill>
+                  <a:latin typeface="Calibri" panose="020F0502020204030204" pitchFamily="34" charset="0"/>
+                </a:defRPr>
+              </a:lvl4pPr>
+              <a:lvl5pPr marL="2057400" indent="-228600">
+                <a:defRPr>
+                  <a:solidFill>
+                    <a:schemeClr val="tx1"/>
+                  </a:solidFill>
+                  <a:latin typeface="Calibri" panose="020F0502020204030204" pitchFamily="34" charset="0"/>
+                </a:defRPr>
+              </a:lvl5pPr>
+              <a:lvl6pPr marL="2514600" indent="-228600" eaLnBrk="0" fontAlgn="base" hangingPunct="0">
+                <a:spcBef>
+                  <a:spcPct val="0"/>
+                </a:spcBef>
+                <a:spcAft>
+                  <a:spcPct val="0"/>
+                </a:spcAft>
+                <a:defRPr>
+                  <a:solidFill>
+                    <a:schemeClr val="tx1"/>
+                  </a:solidFill>
+                  <a:latin typeface="Calibri" panose="020F0502020204030204" pitchFamily="34" charset="0"/>
+                </a:defRPr>
+              </a:lvl6pPr>
+              <a:lvl7pPr marL="2971800" indent="-228600" eaLnBrk="0" fontAlgn="base" hangingPunct="0">
+                <a:spcBef>
+                  <a:spcPct val="0"/>
+                </a:spcBef>
+                <a:spcAft>
+                  <a:spcPct val="0"/>
+                </a:spcAft>
+                <a:defRPr>
+                  <a:solidFill>
+                    <a:schemeClr val="tx1"/>
+                  </a:solidFill>
+                  <a:latin typeface="Calibri" panose="020F0502020204030204" pitchFamily="34" charset="0"/>
+                </a:defRPr>
+              </a:lvl7pPr>
+              <a:lvl8pPr marL="3429000" indent="-228600" eaLnBrk="0" fontAlgn="base" hangingPunct="0">
+                <a:spcBef>
+                  <a:spcPct val="0"/>
+                </a:spcBef>
+                <a:spcAft>
+                  <a:spcPct val="0"/>
+                </a:spcAft>
+                <a:defRPr>
+                  <a:solidFill>
+                    <a:schemeClr val="tx1"/>
+                  </a:solidFill>
+                  <a:latin typeface="Calibri" panose="020F0502020204030204" pitchFamily="34" charset="0"/>
+                </a:defRPr>
+              </a:lvl8pPr>
+              <a:lvl9pPr marL="3886200" indent="-228600" eaLnBrk="0" fontAlgn="base" hangingPunct="0">
+                <a:spcBef>
+                  <a:spcPct val="0"/>
+                </a:spcBef>
+                <a:spcAft>
+                  <a:spcPct val="0"/>
+                </a:spcAft>
+                <a:defRPr>
+                  <a:solidFill>
+                    <a:schemeClr val="tx1"/>
+                  </a:solidFill>
+                  <a:latin typeface="Calibri" panose="020F0502020204030204" pitchFamily="34" charset="0"/>
+                </a:defRPr>
+              </a:lvl9pPr>
+            </a:lstStyle>
+            <a:p>
+              <a:pPr algn="ctr" eaLnBrk="1" hangingPunct="1"/>
+              <a:r>
+                <a:rPr lang="en-US" altLang="en-US" sz="1200" dirty="0">
+                  <a:latin typeface="Arial" panose="020B0604020202020204" pitchFamily="34" charset="0"/>
+                  <a:ea typeface="Amazon Ember" panose="020B0603020204020204" pitchFamily="34" charset="0"/>
+                  <a:cs typeface="Arial" panose="020B0604020202020204" pitchFamily="34" charset="0"/>
+                </a:rPr>
+                <a:t>AWS Lambda LF3</a:t>
+              </a:r>
+            </a:p>
+            <a:p>
+              <a:pPr algn="ctr" eaLnBrk="1" hangingPunct="1"/>
+              <a:r>
+                <a:rPr lang="en-US" altLang="en-US" sz="1200" dirty="0">
+                  <a:latin typeface="Arial" panose="020B0604020202020204" pitchFamily="34" charset="0"/>
+                  <a:ea typeface="Amazon Ember" panose="020B0603020204020204" pitchFamily="34" charset="0"/>
+                  <a:cs typeface="Arial" panose="020B0604020202020204" pitchFamily="34" charset="0"/>
+                </a:rPr>
+                <a:t>Get Page Data</a:t>
+              </a:r>
+            </a:p>
+          </p:txBody>
+        </p:sp>
+      </p:grpSp>
+      <p:cxnSp>
+        <p:nvCxnSpPr>
+          <p:cNvPr id="60" name="Straight Arrow Connector 59">
+            <a:extLst>
+              <a:ext uri="{FF2B5EF4-FFF2-40B4-BE49-F238E27FC236}">
+                <a16:creationId xmlns:a16="http://schemas.microsoft.com/office/drawing/2014/main" id="{A3BF6AEA-0EAC-0248-B176-EF46CAC1E01F}"/>
+              </a:ext>
+            </a:extLst>
+          </p:cNvPr>
+          <p:cNvCxnSpPr>
+            <a:cxnSpLocks/>
+            <a:endCxn id="58" idx="1"/>
+          </p:cNvCxnSpPr>
+          <p:nvPr/>
+        </p:nvCxnSpPr>
+        <p:spPr>
+          <a:xfrm>
+            <a:off x="4071673" y="5609137"/>
+            <a:ext cx="3392129" cy="26446"/>
+          </a:xfrm>
+          <a:prstGeom prst="straightConnector1">
+            <a:avLst/>
+          </a:prstGeom>
+          <a:ln w="28575">
+            <a:solidFill>
+              <a:srgbClr val="545B64"/>
+            </a:solidFill>
+            <a:headEnd type="arrow" w="med" len="sm"/>
+            <a:tailEnd type="arrow" w="med" len="sm"/>
+          </a:ln>
+        </p:spPr>
+        <p:style>
+          <a:lnRef idx="1">
+            <a:schemeClr val="accent1"/>
+          </a:lnRef>
+          <a:fillRef idx="0">
+            <a:schemeClr val="accent1"/>
+          </a:fillRef>
+          <a:effectRef idx="0">
+            <a:schemeClr val="accent1"/>
+          </a:effectRef>
+          <a:fontRef idx="minor">
+            <a:schemeClr val="tx1"/>
+          </a:fontRef>
+        </p:style>
+      </p:cxnSp>
+      <p:grpSp>
+        <p:nvGrpSpPr>
+          <p:cNvPr id="61" name="Group 60">
+            <a:extLst>
+              <a:ext uri="{FF2B5EF4-FFF2-40B4-BE49-F238E27FC236}">
+                <a16:creationId xmlns:a16="http://schemas.microsoft.com/office/drawing/2014/main" id="{ECBBE4DD-B53C-6C41-85AE-99CE3EB2B503}"/>
+              </a:ext>
+            </a:extLst>
+          </p:cNvPr>
+          <p:cNvGrpSpPr/>
+          <p:nvPr/>
+        </p:nvGrpSpPr>
+        <p:grpSpPr>
+          <a:xfrm>
+            <a:off x="4876159" y="4482173"/>
+            <a:ext cx="2018989" cy="1126964"/>
+            <a:chOff x="4876159" y="4386374"/>
+            <a:chExt cx="2018989" cy="1126964"/>
+          </a:xfrm>
+        </p:grpSpPr>
+        <p:pic>
+          <p:nvPicPr>
+            <p:cNvPr id="62" name="Graphic 10">
+              <a:extLst>
+                <a:ext uri="{FF2B5EF4-FFF2-40B4-BE49-F238E27FC236}">
+                  <a16:creationId xmlns:a16="http://schemas.microsoft.com/office/drawing/2014/main" id="{94DE465F-3E07-4B49-B74C-72B32763D935}"/>
+                </a:ext>
+              </a:extLst>
+            </p:cNvPr>
+            <p:cNvPicPr>
+              <a:picLocks noChangeAspect="1" noChangeArrowheads="1"/>
+            </p:cNvPicPr>
+            <p:nvPr/>
+          </p:nvPicPr>
+          <p:blipFill>
+            <a:blip r:embed="rId5">
+              <a:extLst>
+                <a:ext uri="{28A0092B-C50C-407E-A947-70E740481C1C}">
+                  <a14:useLocalDpi xmlns:a14="http://schemas.microsoft.com/office/drawing/2010/main" val="0"/>
+                </a:ext>
+              </a:extLst>
+            </a:blip>
+            <a:srcRect/>
+            <a:stretch>
+              <a:fillRect/>
+            </a:stretch>
+          </p:blipFill>
+          <p:spPr bwMode="auto">
+            <a:xfrm>
+              <a:off x="5544495" y="4386374"/>
+              <a:ext cx="640080" cy="640080"/>
+            </a:xfrm>
+            <a:prstGeom prst="rect">
+              <a:avLst/>
+            </a:prstGeom>
+            <a:noFill/>
+            <a:ln>
+              <a:noFill/>
+            </a:ln>
+            <a:extLst>
+              <a:ext uri="{909E8E84-426E-40DD-AFC4-6F175D3DCCD1}">
+                <a14:hiddenFill xmlns:a14="http://schemas.microsoft.com/office/drawing/2010/main">
+                  <a:solidFill>
+                    <a:srgbClr val="FFFFFF"/>
+                  </a:solidFill>
+                </a14:hiddenFill>
+              </a:ext>
+              <a:ext uri="{91240B29-F687-4F45-9708-019B960494DF}">
+                <a14:hiddenLine xmlns:a14="http://schemas.microsoft.com/office/drawing/2010/main" w="9525">
+                  <a:solidFill>
+                    <a:srgbClr val="000000"/>
+                  </a:solidFill>
+                  <a:miter lim="800000"/>
+                  <a:headEnd/>
+                  <a:tailEnd/>
+                </a14:hiddenLine>
+              </a:ext>
+            </a:extLst>
+          </p:spPr>
+        </p:pic>
+        <p:sp>
+          <p:nvSpPr>
+            <p:cNvPr id="63" name="TextBox 62">
+              <a:extLst>
+                <a:ext uri="{FF2B5EF4-FFF2-40B4-BE49-F238E27FC236}">
+                  <a16:creationId xmlns:a16="http://schemas.microsoft.com/office/drawing/2014/main" id="{C649896E-A5AE-A846-A91F-893B55A4DEF5}"/>
+                </a:ext>
+              </a:extLst>
+            </p:cNvPr>
+            <p:cNvSpPr txBox="1">
+              <a:spLocks noChangeArrowheads="1"/>
+            </p:cNvSpPr>
+            <p:nvPr/>
+          </p:nvSpPr>
+          <p:spPr bwMode="auto">
+            <a:xfrm>
+              <a:off x="4876159" y="5051673"/>
+              <a:ext cx="2018989" cy="461665"/>
+            </a:xfrm>
+            <a:prstGeom prst="rect">
+              <a:avLst/>
+            </a:prstGeom>
+            <a:noFill/>
+            <a:ln>
+              <a:noFill/>
+            </a:ln>
+            <a:extLst>
+              <a:ext uri="{909E8E84-426E-40DD-AFC4-6F175D3DCCD1}">
+                <a14:hiddenFill xmlns:a14="http://schemas.microsoft.com/office/drawing/2010/main">
+                  <a:solidFill>
+                    <a:srgbClr val="FFFFFF"/>
+                  </a:solidFill>
+                </a14:hiddenFill>
+              </a:ext>
+              <a:ext uri="{91240B29-F687-4F45-9708-019B960494DF}">
+                <a14:hiddenLine xmlns:a14="http://schemas.microsoft.com/office/drawing/2010/main" w="9525">
+                  <a:solidFill>
+                    <a:srgbClr val="000000"/>
+                  </a:solidFill>
+                  <a:miter lim="800000"/>
+                  <a:headEnd/>
+                  <a:tailEnd/>
+                </a14:hiddenLine>
+              </a:ext>
+            </a:extLst>
+          </p:spPr>
+          <p:txBody>
+            <a:bodyPr>
+              <a:spAutoFit/>
+            </a:bodyPr>
+            <a:lstStyle>
+              <a:lvl1pPr>
+                <a:defRPr>
+                  <a:solidFill>
+                    <a:schemeClr val="tx1"/>
+                  </a:solidFill>
+                  <a:latin typeface="Calibri" panose="020F0502020204030204" pitchFamily="34" charset="0"/>
+                </a:defRPr>
+              </a:lvl1pPr>
+              <a:lvl2pPr marL="742950" indent="-285750">
+                <a:defRPr>
+                  <a:solidFill>
+                    <a:schemeClr val="tx1"/>
+                  </a:solidFill>
+                  <a:latin typeface="Calibri" panose="020F0502020204030204" pitchFamily="34" charset="0"/>
+                </a:defRPr>
+              </a:lvl2pPr>
+              <a:lvl3pPr marL="1143000" indent="-228600">
+                <a:defRPr>
+                  <a:solidFill>
+                    <a:schemeClr val="tx1"/>
+                  </a:solidFill>
+                  <a:latin typeface="Calibri" panose="020F0502020204030204" pitchFamily="34" charset="0"/>
+                </a:defRPr>
+              </a:lvl3pPr>
+              <a:lvl4pPr marL="1600200" indent="-228600">
+                <a:defRPr>
+                  <a:solidFill>
+                    <a:schemeClr val="tx1"/>
+                  </a:solidFill>
+                  <a:latin typeface="Calibri" panose="020F0502020204030204" pitchFamily="34" charset="0"/>
+                </a:defRPr>
+              </a:lvl4pPr>
+              <a:lvl5pPr marL="2057400" indent="-228600">
+                <a:defRPr>
+                  <a:solidFill>
+                    <a:schemeClr val="tx1"/>
+                  </a:solidFill>
+                  <a:latin typeface="Calibri" panose="020F0502020204030204" pitchFamily="34" charset="0"/>
+                </a:defRPr>
+              </a:lvl5pPr>
+              <a:lvl6pPr marL="2514600" indent="-228600" eaLnBrk="0" fontAlgn="base" hangingPunct="0">
+                <a:spcBef>
+                  <a:spcPct val="0"/>
+                </a:spcBef>
+                <a:spcAft>
+                  <a:spcPct val="0"/>
+                </a:spcAft>
+                <a:defRPr>
+                  <a:solidFill>
+                    <a:schemeClr val="tx1"/>
+                  </a:solidFill>
+                  <a:latin typeface="Calibri" panose="020F0502020204030204" pitchFamily="34" charset="0"/>
+                </a:defRPr>
+              </a:lvl6pPr>
+              <a:lvl7pPr marL="2971800" indent="-228600" eaLnBrk="0" fontAlgn="base" hangingPunct="0">
+                <a:spcBef>
+                  <a:spcPct val="0"/>
+                </a:spcBef>
+                <a:spcAft>
+                  <a:spcPct val="0"/>
+                </a:spcAft>
+                <a:defRPr>
+                  <a:solidFill>
+                    <a:schemeClr val="tx1"/>
+                  </a:solidFill>
+                  <a:latin typeface="Calibri" panose="020F0502020204030204" pitchFamily="34" charset="0"/>
+                </a:defRPr>
+              </a:lvl7pPr>
+              <a:lvl8pPr marL="3429000" indent="-228600" eaLnBrk="0" fontAlgn="base" hangingPunct="0">
+                <a:spcBef>
+                  <a:spcPct val="0"/>
+                </a:spcBef>
+                <a:spcAft>
+                  <a:spcPct val="0"/>
+                </a:spcAft>
+                <a:defRPr>
+                  <a:solidFill>
+                    <a:schemeClr val="tx1"/>
+                  </a:solidFill>
+                  <a:latin typeface="Calibri" panose="020F0502020204030204" pitchFamily="34" charset="0"/>
+                </a:defRPr>
+              </a:lvl8pPr>
+              <a:lvl9pPr marL="3886200" indent="-228600" eaLnBrk="0" fontAlgn="base" hangingPunct="0">
+                <a:spcBef>
+                  <a:spcPct val="0"/>
+                </a:spcBef>
+                <a:spcAft>
+                  <a:spcPct val="0"/>
+                </a:spcAft>
+                <a:defRPr>
+                  <a:solidFill>
+                    <a:schemeClr val="tx1"/>
+                  </a:solidFill>
+                  <a:latin typeface="Calibri" panose="020F0502020204030204" pitchFamily="34" charset="0"/>
+                </a:defRPr>
+              </a:lvl9pPr>
+            </a:lstStyle>
+            <a:p>
+              <a:pPr algn="ctr" eaLnBrk="1" hangingPunct="1"/>
+              <a:r>
+                <a:rPr lang="en-US" altLang="en-US" sz="1200" dirty="0">
+                  <a:latin typeface="Arial" panose="020B0604020202020204" pitchFamily="34" charset="0"/>
+                  <a:ea typeface="Amazon Ember" panose="020B0603020204020204" pitchFamily="34" charset="0"/>
+                  <a:cs typeface="Arial" panose="020B0604020202020204" pitchFamily="34" charset="0"/>
+                </a:rPr>
+                <a:t>AWS Lambda LF7</a:t>
+              </a:r>
+            </a:p>
+            <a:p>
+              <a:pPr algn="ctr" eaLnBrk="1" hangingPunct="1"/>
+              <a:r>
+                <a:rPr lang="en-US" altLang="en-US" sz="1200" dirty="0">
+                  <a:latin typeface="Arial" panose="020B0604020202020204" pitchFamily="34" charset="0"/>
+                  <a:ea typeface="Amazon Ember" panose="020B0603020204020204" pitchFamily="34" charset="0"/>
+                  <a:cs typeface="Arial" panose="020B0604020202020204" pitchFamily="34" charset="0"/>
+                </a:rPr>
+                <a:t>Subscribe to a Product</a:t>
+              </a:r>
+            </a:p>
+          </p:txBody>
+        </p:sp>
+      </p:grpSp>
+      <p:cxnSp>
+        <p:nvCxnSpPr>
+          <p:cNvPr id="64" name="Straight Arrow Connector 63">
+            <a:extLst>
+              <a:ext uri="{FF2B5EF4-FFF2-40B4-BE49-F238E27FC236}">
+                <a16:creationId xmlns:a16="http://schemas.microsoft.com/office/drawing/2014/main" id="{2731D8C2-1745-F444-85FD-EE9F144B3C9D}"/>
+              </a:ext>
+            </a:extLst>
+          </p:cNvPr>
+          <p:cNvCxnSpPr>
+            <a:cxnSpLocks/>
+          </p:cNvCxnSpPr>
+          <p:nvPr/>
+        </p:nvCxnSpPr>
+        <p:spPr>
+          <a:xfrm>
+            <a:off x="1767257" y="4521993"/>
+            <a:ext cx="787317" cy="0"/>
+          </a:xfrm>
+          <a:prstGeom prst="straightConnector1">
+            <a:avLst/>
+          </a:prstGeom>
+          <a:ln w="38100">
+            <a:solidFill>
+              <a:srgbClr val="545B64"/>
+            </a:solidFill>
+            <a:headEnd type="arrow" w="med" len="sm"/>
+            <a:tailEnd type="none" w="med" len="sm"/>
+          </a:ln>
+        </p:spPr>
+        <p:style>
+          <a:lnRef idx="1">
+            <a:schemeClr val="accent1"/>
+          </a:lnRef>
+          <a:fillRef idx="0">
+            <a:schemeClr val="accent1"/>
+          </a:fillRef>
+          <a:effectRef idx="0">
+            <a:schemeClr val="accent1"/>
+          </a:effectRef>
+          <a:fontRef idx="minor">
+            <a:schemeClr val="tx1"/>
+          </a:fontRef>
+        </p:style>
+      </p:cxnSp>
+      <p:pic>
+        <p:nvPicPr>
+          <p:cNvPr id="65" name="Graphic 12">
+            <a:extLst>
+              <a:ext uri="{FF2B5EF4-FFF2-40B4-BE49-F238E27FC236}">
+                <a16:creationId xmlns:a16="http://schemas.microsoft.com/office/drawing/2014/main" id="{CFF1AA27-1EE6-4041-90D8-639F3C531703}"/>
+              </a:ext>
+            </a:extLst>
+          </p:cNvPr>
+          <p:cNvPicPr>
+            <a:picLocks noChangeAspect="1" noChangeArrowheads="1"/>
+          </p:cNvPicPr>
+          <p:nvPr/>
+        </p:nvPicPr>
+        <p:blipFill>
+          <a:blip r:embed="rId12">
+            <a:extLst>
+              <a:ext uri="{28A0092B-C50C-407E-A947-70E740481C1C}">
+                <a14:useLocalDpi xmlns:a14="http://schemas.microsoft.com/office/drawing/2010/main" val="0"/>
+              </a:ext>
+            </a:extLst>
+          </a:blip>
+          <a:srcRect/>
+          <a:stretch>
+            <a:fillRect/>
+          </a:stretch>
+        </p:blipFill>
+        <p:spPr bwMode="auto">
+          <a:xfrm>
+            <a:off x="628942" y="1790192"/>
+            <a:ext cx="1084924" cy="1084924"/>
+          </a:xfrm>
+          <a:prstGeom prst="rect">
+            <a:avLst/>
+          </a:prstGeom>
+          <a:noFill/>
+          <a:ln>
+            <a:noFill/>
+          </a:ln>
+          <a:extLst>
+            <a:ext uri="{909E8E84-426E-40DD-AFC4-6F175D3DCCD1}">
+              <a14:hiddenFill xmlns:a14="http://schemas.microsoft.com/office/drawing/2010/main">
+                <a:solidFill>
+                  <a:srgbClr val="FFFFFF"/>
+                </a:solidFill>
+              </a14:hiddenFill>
+            </a:ext>
+            <a:ext uri="{91240B29-F687-4F45-9708-019B960494DF}">
+              <a14:hiddenLine xmlns:a14="http://schemas.microsoft.com/office/drawing/2010/main" w="9525">
+                <a:solidFill>
+                  <a:srgbClr val="000000"/>
+                </a:solidFill>
+                <a:miter lim="800000"/>
+                <a:headEnd/>
+                <a:tailEnd/>
+              </a14:hiddenLine>
+            </a:ext>
+          </a:extLst>
+        </p:spPr>
+      </p:pic>
+      <p:grpSp>
+        <p:nvGrpSpPr>
+          <p:cNvPr id="66" name="Group 65">
+            <a:extLst>
+              <a:ext uri="{FF2B5EF4-FFF2-40B4-BE49-F238E27FC236}">
+                <a16:creationId xmlns:a16="http://schemas.microsoft.com/office/drawing/2014/main" id="{44B648BB-EABD-1B45-985E-04836E996FE7}"/>
+              </a:ext>
+            </a:extLst>
+          </p:cNvPr>
+          <p:cNvGrpSpPr/>
+          <p:nvPr/>
+        </p:nvGrpSpPr>
+        <p:grpSpPr>
+          <a:xfrm>
+            <a:off x="672996" y="4267198"/>
+            <a:ext cx="1084924" cy="1343167"/>
+            <a:chOff x="195397" y="4267198"/>
+            <a:chExt cx="1205472" cy="1449006"/>
+          </a:xfrm>
+        </p:grpSpPr>
+        <p:pic>
+          <p:nvPicPr>
+            <p:cNvPr id="67" name="Graphic 23">
+              <a:extLst>
+                <a:ext uri="{FF2B5EF4-FFF2-40B4-BE49-F238E27FC236}">
+                  <a16:creationId xmlns:a16="http://schemas.microsoft.com/office/drawing/2014/main" id="{481AE5FD-DB72-A84F-9BB0-09B97D2C94F3}"/>
+                </a:ext>
+              </a:extLst>
+            </p:cNvPr>
+            <p:cNvPicPr>
+              <a:picLocks noChangeAspect="1" noChangeArrowheads="1"/>
+            </p:cNvPicPr>
+            <p:nvPr/>
+          </p:nvPicPr>
+          <p:blipFill>
+            <a:blip r:embed="rId13">
+              <a:extLst>
+                <a:ext uri="{96DAC541-7B7A-43D3-8B79-37D633B846F1}">
+                  <asvg:svgBlip xmlns:asvg="http://schemas.microsoft.com/office/drawing/2016/SVG/main" r:embed="rId14"/>
+                </a:ext>
+              </a:extLst>
+            </a:blip>
+            <a:srcRect/>
+            <a:stretch/>
+          </p:blipFill>
+          <p:spPr bwMode="auto">
+            <a:xfrm flipH="1">
+              <a:off x="563183" y="4740197"/>
+              <a:ext cx="469900" cy="469900"/>
+            </a:xfrm>
+            <a:prstGeom prst="rect">
+              <a:avLst/>
+            </a:prstGeom>
+            <a:noFill/>
+            <a:ln>
+              <a:noFill/>
+            </a:ln>
+            <a:extLst>
+              <a:ext uri="{909E8E84-426E-40DD-AFC4-6F175D3DCCD1}">
+                <a14:hiddenFill xmlns:a14="http://schemas.microsoft.com/office/drawing/2010/main">
+                  <a:solidFill>
+                    <a:srgbClr val="FFFFFF"/>
+                  </a:solidFill>
+                </a14:hiddenFill>
+              </a:ext>
+              <a:ext uri="{91240B29-F687-4F45-9708-019B960494DF}">
+                <a14:hiddenLine xmlns:a14="http://schemas.microsoft.com/office/drawing/2010/main" w="9525">
+                  <a:solidFill>
+                    <a:srgbClr val="000000"/>
+                  </a:solidFill>
+                  <a:miter lim="800000"/>
+                  <a:headEnd/>
+                  <a:tailEnd/>
+                </a14:hiddenLine>
+              </a:ext>
+            </a:extLst>
+          </p:spPr>
+        </p:pic>
+        <p:sp>
+          <p:nvSpPr>
+            <p:cNvPr id="68" name="Rectangle 67">
+              <a:extLst>
+                <a:ext uri="{FF2B5EF4-FFF2-40B4-BE49-F238E27FC236}">
+                  <a16:creationId xmlns:a16="http://schemas.microsoft.com/office/drawing/2014/main" id="{C92ED395-4677-B342-A717-AEF7C048BEE5}"/>
+                </a:ext>
+              </a:extLst>
+            </p:cNvPr>
+            <p:cNvSpPr/>
+            <p:nvPr/>
+          </p:nvSpPr>
+          <p:spPr>
+            <a:xfrm>
+              <a:off x="195397" y="4267198"/>
+              <a:ext cx="1205472" cy="1449006"/>
+            </a:xfrm>
+            <a:prstGeom prst="rect">
+              <a:avLst/>
+            </a:prstGeom>
+            <a:noFill/>
+            <a:ln w="12700">
+              <a:solidFill>
+                <a:srgbClr val="5B9CD5"/>
+              </a:solidFill>
+              <a:prstDash val="dash"/>
+            </a:ln>
+          </p:spPr>
+          <p:style>
+            <a:lnRef idx="2">
+              <a:schemeClr val="accent1">
+                <a:shade val="50000"/>
+              </a:schemeClr>
+            </a:lnRef>
+            <a:fillRef idx="1">
+              <a:schemeClr val="accent1"/>
+            </a:fillRef>
+            <a:effectRef idx="0">
+              <a:schemeClr val="accent1"/>
+            </a:effectRef>
+            <a:fontRef idx="minor">
+              <a:schemeClr val="lt1"/>
+            </a:fontRef>
+          </p:style>
+          <p:txBody>
+            <a:bodyPr tIns="91440"/>
+            <a:lstStyle/>
+            <a:p>
+              <a:pPr algn="ctr" eaLnBrk="1" fontAlgn="auto" hangingPunct="1">
+                <a:spcBef>
+                  <a:spcPts val="0"/>
+                </a:spcBef>
+                <a:spcAft>
+                  <a:spcPts val="0"/>
+                </a:spcAft>
+                <a:defRPr/>
+              </a:pPr>
+              <a:endParaRPr lang="en-US" sz="1200" dirty="0">
+                <a:solidFill>
+                  <a:srgbClr val="5B9CD5"/>
+                </a:solidFill>
+                <a:latin typeface="Arial" panose="020B0604020202020204" pitchFamily="34" charset="0"/>
+                <a:cs typeface="Arial" panose="020B0604020202020204" pitchFamily="34" charset="0"/>
+              </a:endParaRPr>
+            </a:p>
+          </p:txBody>
+        </p:sp>
+      </p:grpSp>
+      <p:pic>
+        <p:nvPicPr>
+          <p:cNvPr id="69" name="Graphic 23">
+            <a:extLst>
+              <a:ext uri="{FF2B5EF4-FFF2-40B4-BE49-F238E27FC236}">
+                <a16:creationId xmlns:a16="http://schemas.microsoft.com/office/drawing/2014/main" id="{C7BE3877-EB7E-954A-8698-F8D936EB7F8F}"/>
+              </a:ext>
+            </a:extLst>
+          </p:cNvPr>
+          <p:cNvPicPr>
+            <a:picLocks noChangeAspect="1" noChangeArrowheads="1"/>
+          </p:cNvPicPr>
+          <p:nvPr/>
+        </p:nvPicPr>
+        <p:blipFill>
+          <a:blip r:embed="rId13">
+            <a:extLst>
+              <a:ext uri="{96DAC541-7B7A-43D3-8B79-37D633B846F1}">
+                <asvg:svgBlip xmlns:asvg="http://schemas.microsoft.com/office/drawing/2016/SVG/main" r:embed="rId14"/>
+              </a:ext>
+            </a:extLst>
+          </a:blip>
+          <a:srcRect/>
+          <a:stretch/>
+        </p:blipFill>
+        <p:spPr bwMode="auto">
+          <a:xfrm flipH="1">
+            <a:off x="11093158" y="1855685"/>
+            <a:ext cx="469900" cy="469900"/>
+          </a:xfrm>
+          <a:prstGeom prst="rect">
+            <a:avLst/>
+          </a:prstGeom>
+          <a:noFill/>
+          <a:ln>
+            <a:noFill/>
+          </a:ln>
+          <a:extLst>
+            <a:ext uri="{909E8E84-426E-40DD-AFC4-6F175D3DCCD1}">
+              <a14:hiddenFill xmlns:a14="http://schemas.microsoft.com/office/drawing/2010/main">
+                <a:solidFill>
+                  <a:srgbClr val="FFFFFF"/>
+                </a:solidFill>
+              </a14:hiddenFill>
+            </a:ext>
+            <a:ext uri="{91240B29-F687-4F45-9708-019B960494DF}">
+              <a14:hiddenLine xmlns:a14="http://schemas.microsoft.com/office/drawing/2010/main" w="9525">
+                <a:solidFill>
+                  <a:srgbClr val="000000"/>
+                </a:solidFill>
+                <a:miter lim="800000"/>
+                <a:headEnd/>
+                <a:tailEnd/>
+              </a14:hiddenLine>
+            </a:ext>
+          </a:extLst>
+        </p:spPr>
+      </p:pic>
+      <p:pic>
+        <p:nvPicPr>
+          <p:cNvPr id="70" name="Graphic 23">
+            <a:extLst>
+              <a:ext uri="{FF2B5EF4-FFF2-40B4-BE49-F238E27FC236}">
+                <a16:creationId xmlns:a16="http://schemas.microsoft.com/office/drawing/2014/main" id="{B3864298-5F53-FC46-ACFC-0762F2196D4B}"/>
+              </a:ext>
+            </a:extLst>
+          </p:cNvPr>
+          <p:cNvPicPr>
+            <a:picLocks noChangeAspect="1" noChangeArrowheads="1"/>
+          </p:cNvPicPr>
+          <p:nvPr/>
+        </p:nvPicPr>
+        <p:blipFill>
+          <a:blip r:embed="rId13">
+            <a:extLst>
+              <a:ext uri="{96DAC541-7B7A-43D3-8B79-37D633B846F1}">
+                <asvg:svgBlip xmlns:asvg="http://schemas.microsoft.com/office/drawing/2016/SVG/main" r:embed="rId14"/>
+              </a:ext>
+            </a:extLst>
+          </a:blip>
+          <a:srcRect/>
+          <a:stretch/>
+        </p:blipFill>
+        <p:spPr bwMode="auto">
+          <a:xfrm flipH="1">
+            <a:off x="11093158" y="709546"/>
+            <a:ext cx="469900" cy="469900"/>
+          </a:xfrm>
+          <a:prstGeom prst="rect">
+            <a:avLst/>
+          </a:prstGeom>
+          <a:noFill/>
+          <a:ln>
+            <a:noFill/>
+          </a:ln>
+          <a:extLst>
+            <a:ext uri="{909E8E84-426E-40DD-AFC4-6F175D3DCCD1}">
+              <a14:hiddenFill xmlns:a14="http://schemas.microsoft.com/office/drawing/2010/main">
+                <a:solidFill>
+                  <a:srgbClr val="FFFFFF"/>
+                </a:solidFill>
+              </a14:hiddenFill>
+            </a:ext>
+            <a:ext uri="{91240B29-F687-4F45-9708-019B960494DF}">
+              <a14:hiddenLine xmlns:a14="http://schemas.microsoft.com/office/drawing/2010/main" w="9525">
+                <a:solidFill>
+                  <a:srgbClr val="000000"/>
+                </a:solidFill>
+                <a:miter lim="800000"/>
+                <a:headEnd/>
+                <a:tailEnd/>
+              </a14:hiddenLine>
+            </a:ext>
+          </a:extLst>
+        </p:spPr>
+      </p:pic>
+      <p:sp>
+        <p:nvSpPr>
+          <p:cNvPr id="71" name="Freeform 35">
+            <a:extLst>
+              <a:ext uri="{FF2B5EF4-FFF2-40B4-BE49-F238E27FC236}">
+                <a16:creationId xmlns:a16="http://schemas.microsoft.com/office/drawing/2014/main" id="{6B844F7B-3E8C-3446-AF27-E8970BA8DDB8}"/>
+              </a:ext>
+            </a:extLst>
+          </p:cNvPr>
+          <p:cNvSpPr/>
+          <p:nvPr/>
+        </p:nvSpPr>
+        <p:spPr>
+          <a:xfrm rot="16200000" flipH="1" flipV="1">
+            <a:off x="6339814" y="4104155"/>
+            <a:ext cx="541592" cy="852071"/>
+          </a:xfrm>
+          <a:custGeom>
+            <a:avLst/>
+            <a:gdLst>
+              <a:gd name="connsiteX0" fmla="*/ 1371600 w 1371600"/>
+              <a:gd name="connsiteY0" fmla="*/ 711200 h 711200"/>
+              <a:gd name="connsiteX1" fmla="*/ 1371600 w 1371600"/>
+              <a:gd name="connsiteY1" fmla="*/ 0 h 711200"/>
+              <a:gd name="connsiteX2" fmla="*/ 0 w 1371600"/>
+              <a:gd name="connsiteY2" fmla="*/ 0 h 711200"/>
+            </a:gdLst>
+            <a:ahLst/>
+            <a:cxnLst>
+              <a:cxn ang="0">
+                <a:pos x="connsiteX0" y="connsiteY0"/>
+              </a:cxn>
+              <a:cxn ang="0">
+                <a:pos x="connsiteX1" y="connsiteY1"/>
+              </a:cxn>
+              <a:cxn ang="0">
+                <a:pos x="connsiteX2" y="connsiteY2"/>
+              </a:cxn>
+            </a:cxnLst>
+            <a:rect l="l" t="t" r="r" b="b"/>
+            <a:pathLst>
+              <a:path w="1371600" h="711200">
+                <a:moveTo>
+                  <a:pt x="1371600" y="711200"/>
+                </a:moveTo>
+                <a:lnTo>
+                  <a:pt x="1371600" y="0"/>
+                </a:lnTo>
+                <a:lnTo>
+                  <a:pt x="0" y="0"/>
+                </a:lnTo>
+              </a:path>
+            </a:pathLst>
+          </a:custGeom>
+          <a:noFill/>
+          <a:ln w="28575">
+            <a:solidFill>
+              <a:schemeClr val="tx2"/>
+            </a:solidFill>
+            <a:headEnd type="none" w="med" len="sm"/>
+            <a:tailEnd type="arrow" w="med" len="sm"/>
+          </a:ln>
+        </p:spPr>
+        <p:style>
+          <a:lnRef idx="2">
+            <a:schemeClr val="accent1">
+              <a:shade val="50000"/>
+            </a:schemeClr>
+          </a:lnRef>
+          <a:fillRef idx="1">
+            <a:schemeClr val="accent1"/>
+          </a:fillRef>
+          <a:effectRef idx="0">
+            <a:schemeClr val="accent1"/>
+          </a:effectRef>
+          <a:fontRef idx="minor">
+            <a:schemeClr val="lt1"/>
+          </a:fontRef>
+        </p:style>
+        <p:txBody>
+          <a:bodyPr anchor="ctr"/>
+          <a:lstStyle/>
+          <a:p>
+            <a:pPr algn="ctr" eaLnBrk="1" fontAlgn="auto" hangingPunct="1">
+              <a:spcBef>
+                <a:spcPts val="0"/>
+              </a:spcBef>
+              <a:spcAft>
+                <a:spcPts val="0"/>
+              </a:spcAft>
+              <a:defRPr/>
+            </a:pPr>
+            <a:endParaRPr lang="en-US" dirty="0"/>
+          </a:p>
+        </p:txBody>
+      </p:sp>
+      <p:cxnSp>
+        <p:nvCxnSpPr>
+          <p:cNvPr id="72" name="Straight Arrow Connector 71">
+            <a:extLst>
+              <a:ext uri="{FF2B5EF4-FFF2-40B4-BE49-F238E27FC236}">
+                <a16:creationId xmlns:a16="http://schemas.microsoft.com/office/drawing/2014/main" id="{CFA5F800-61D9-734E-9BE2-3F4D369FAB3F}"/>
+              </a:ext>
+            </a:extLst>
+          </p:cNvPr>
+          <p:cNvCxnSpPr>
+            <a:cxnSpLocks/>
+            <a:endCxn id="62" idx="1"/>
+          </p:cNvCxnSpPr>
+          <p:nvPr/>
+        </p:nvCxnSpPr>
+        <p:spPr>
+          <a:xfrm flipV="1">
+            <a:off x="4184890" y="4802213"/>
+            <a:ext cx="1359605" cy="431606"/>
+          </a:xfrm>
+          <a:prstGeom prst="straightConnector1">
+            <a:avLst/>
+          </a:prstGeom>
+          <a:ln w="28575">
+            <a:solidFill>
+              <a:srgbClr val="545B64"/>
+            </a:solidFill>
+            <a:headEnd type="none" w="med" len="sm"/>
+            <a:tailEnd type="arrow" w="med" len="sm"/>
+          </a:ln>
+        </p:spPr>
+        <p:style>
+          <a:lnRef idx="1">
+            <a:schemeClr val="accent1"/>
+          </a:lnRef>
+          <a:fillRef idx="0">
+            <a:schemeClr val="accent1"/>
+          </a:fillRef>
+          <a:effectRef idx="0">
+            <a:schemeClr val="accent1"/>
+          </a:effectRef>
+          <a:fontRef idx="minor">
+            <a:schemeClr val="tx1"/>
+          </a:fontRef>
+        </p:style>
+      </p:cxnSp>
+      <p:cxnSp>
+        <p:nvCxnSpPr>
+          <p:cNvPr id="73" name="Straight Arrow Connector 72">
+            <a:extLst>
+              <a:ext uri="{FF2B5EF4-FFF2-40B4-BE49-F238E27FC236}">
+                <a16:creationId xmlns:a16="http://schemas.microsoft.com/office/drawing/2014/main" id="{97E6F533-6977-8D4A-89A4-1B57F6BCEA8B}"/>
+              </a:ext>
+            </a:extLst>
+          </p:cNvPr>
+          <p:cNvCxnSpPr>
+            <a:cxnSpLocks/>
+            <a:stCxn id="58" idx="0"/>
+          </p:cNvCxnSpPr>
+          <p:nvPr/>
+        </p:nvCxnSpPr>
+        <p:spPr>
+          <a:xfrm flipV="1">
+            <a:off x="7783842" y="4219218"/>
+            <a:ext cx="0" cy="1096325"/>
+          </a:xfrm>
+          <a:prstGeom prst="straightConnector1">
+            <a:avLst/>
+          </a:prstGeom>
+          <a:ln w="28575">
+            <a:solidFill>
+              <a:srgbClr val="545B64"/>
+            </a:solidFill>
+            <a:headEnd type="arrow" w="med" len="sm"/>
+            <a:tailEnd type="arrow" w="med" len="sm"/>
+          </a:ln>
+        </p:spPr>
+        <p:style>
+          <a:lnRef idx="1">
+            <a:schemeClr val="accent1"/>
+          </a:lnRef>
+          <a:fillRef idx="0">
+            <a:schemeClr val="accent1"/>
+          </a:fillRef>
+          <a:effectRef idx="0">
+            <a:schemeClr val="accent1"/>
+          </a:effectRef>
+          <a:fontRef idx="minor">
+            <a:schemeClr val="tx1"/>
+          </a:fontRef>
+        </p:style>
+      </p:cxnSp>
+      <p:sp>
+        <p:nvSpPr>
+          <p:cNvPr id="74" name="Freeform 36">
+            <a:extLst>
+              <a:ext uri="{FF2B5EF4-FFF2-40B4-BE49-F238E27FC236}">
+                <a16:creationId xmlns:a16="http://schemas.microsoft.com/office/drawing/2014/main" id="{4B15A1DC-9E5D-5847-9C99-32FF21776CAE}"/>
+              </a:ext>
+            </a:extLst>
+          </p:cNvPr>
+          <p:cNvSpPr/>
+          <p:nvPr/>
+        </p:nvSpPr>
+        <p:spPr>
+          <a:xfrm rot="10800000" flipH="1">
+            <a:off x="8103882" y="4219218"/>
+            <a:ext cx="2023061" cy="1414552"/>
+          </a:xfrm>
+          <a:custGeom>
+            <a:avLst/>
+            <a:gdLst>
+              <a:gd name="connsiteX0" fmla="*/ 1371600 w 1371600"/>
+              <a:gd name="connsiteY0" fmla="*/ 711200 h 711200"/>
+              <a:gd name="connsiteX1" fmla="*/ 1371600 w 1371600"/>
+              <a:gd name="connsiteY1" fmla="*/ 0 h 711200"/>
+              <a:gd name="connsiteX2" fmla="*/ 0 w 1371600"/>
+              <a:gd name="connsiteY2" fmla="*/ 0 h 711200"/>
+            </a:gdLst>
+            <a:ahLst/>
+            <a:cxnLst>
+              <a:cxn ang="0">
+                <a:pos x="connsiteX0" y="connsiteY0"/>
+              </a:cxn>
+              <a:cxn ang="0">
+                <a:pos x="connsiteX1" y="connsiteY1"/>
+              </a:cxn>
+              <a:cxn ang="0">
+                <a:pos x="connsiteX2" y="connsiteY2"/>
+              </a:cxn>
+            </a:cxnLst>
+            <a:rect l="l" t="t" r="r" b="b"/>
+            <a:pathLst>
+              <a:path w="1371600" h="711200">
+                <a:moveTo>
+                  <a:pt x="1371600" y="711200"/>
+                </a:moveTo>
+                <a:lnTo>
+                  <a:pt x="1371600" y="0"/>
+                </a:lnTo>
+                <a:lnTo>
+                  <a:pt x="0" y="0"/>
+                </a:lnTo>
+              </a:path>
+            </a:pathLst>
+          </a:custGeom>
+          <a:noFill/>
+          <a:ln w="28575">
+            <a:solidFill>
+              <a:schemeClr val="tx2"/>
+            </a:solidFill>
+            <a:headEnd type="none" w="med" len="sm"/>
+            <a:tailEnd type="arrow" w="med" len="sm"/>
+          </a:ln>
+        </p:spPr>
+        <p:style>
+          <a:lnRef idx="2">
+            <a:schemeClr val="accent1">
+              <a:shade val="50000"/>
+            </a:schemeClr>
+          </a:lnRef>
+          <a:fillRef idx="1">
+            <a:schemeClr val="accent1"/>
+          </a:fillRef>
+          <a:effectRef idx="0">
+            <a:schemeClr val="accent1"/>
+          </a:effectRef>
+          <a:fontRef idx="minor">
+            <a:schemeClr val="lt1"/>
+          </a:fontRef>
+        </p:style>
+        <p:txBody>
+          <a:bodyPr anchor="ctr"/>
+          <a:lstStyle/>
+          <a:p>
+            <a:pPr algn="ctr" eaLnBrk="1" fontAlgn="auto" hangingPunct="1">
+              <a:spcBef>
+                <a:spcPts val="0"/>
+              </a:spcBef>
+              <a:spcAft>
+                <a:spcPts val="0"/>
+              </a:spcAft>
+              <a:defRPr/>
+            </a:pPr>
+            <a:endParaRPr lang="en-US" dirty="0"/>
+          </a:p>
+        </p:txBody>
+      </p:sp>
+      <p:pic>
+        <p:nvPicPr>
+          <p:cNvPr id="75" name="Graphic 21">
+            <a:extLst>
+              <a:ext uri="{FF2B5EF4-FFF2-40B4-BE49-F238E27FC236}">
+                <a16:creationId xmlns:a16="http://schemas.microsoft.com/office/drawing/2014/main" id="{79DBB039-9A6A-7B44-AF07-640E8DF2E656}"/>
+              </a:ext>
+            </a:extLst>
+          </p:cNvPr>
+          <p:cNvPicPr>
+            <a:picLocks noChangeAspect="1" noChangeArrowheads="1"/>
+          </p:cNvPicPr>
+          <p:nvPr/>
+        </p:nvPicPr>
+        <p:blipFill>
+          <a:blip r:embed="rId15">
+            <a:extLst>
+              <a:ext uri="{28A0092B-C50C-407E-A947-70E740481C1C}">
+                <a14:useLocalDpi xmlns:a14="http://schemas.microsoft.com/office/drawing/2010/main" val="0"/>
+              </a:ext>
+            </a:extLst>
+          </a:blip>
+          <a:srcRect/>
+          <a:stretch>
+            <a:fillRect/>
+          </a:stretch>
+        </p:blipFill>
+        <p:spPr bwMode="auto">
+          <a:xfrm>
+            <a:off x="2372927" y="5590275"/>
+            <a:ext cx="640080" cy="640080"/>
+          </a:xfrm>
+          <a:prstGeom prst="rect">
+            <a:avLst/>
+          </a:prstGeom>
+          <a:noFill/>
+          <a:ln>
+            <a:noFill/>
+          </a:ln>
+          <a:extLst>
+            <a:ext uri="{909E8E84-426E-40DD-AFC4-6F175D3DCCD1}">
+              <a14:hiddenFill xmlns:a14="http://schemas.microsoft.com/office/drawing/2010/main">
+                <a:solidFill>
+                  <a:srgbClr val="FFFFFF"/>
+                </a:solidFill>
+              </a14:hiddenFill>
+            </a:ext>
+            <a:ext uri="{91240B29-F687-4F45-9708-019B960494DF}">
+              <a14:hiddenLine xmlns:a14="http://schemas.microsoft.com/office/drawing/2010/main" w="9525">
+                <a:solidFill>
+                  <a:srgbClr val="000000"/>
+                </a:solidFill>
+                <a:miter lim="800000"/>
+                <a:headEnd/>
+                <a:tailEnd/>
+              </a14:hiddenLine>
+            </a:ext>
+          </a:extLst>
+        </p:spPr>
+      </p:pic>
+      <p:sp>
+        <p:nvSpPr>
+          <p:cNvPr id="76" name="TextBox 12">
+            <a:extLst>
+              <a:ext uri="{FF2B5EF4-FFF2-40B4-BE49-F238E27FC236}">
+                <a16:creationId xmlns:a16="http://schemas.microsoft.com/office/drawing/2014/main" id="{769AE3FA-AD0C-A942-9ED4-D7D802F65B87}"/>
+              </a:ext>
+            </a:extLst>
+          </p:cNvPr>
+          <p:cNvSpPr txBox="1">
+            <a:spLocks noChangeArrowheads="1"/>
+          </p:cNvSpPr>
+          <p:nvPr/>
+        </p:nvSpPr>
+        <p:spPr bwMode="auto">
+          <a:xfrm>
+            <a:off x="1516209" y="6212661"/>
+            <a:ext cx="2279650" cy="276999"/>
+          </a:xfrm>
+          <a:prstGeom prst="rect">
+            <a:avLst/>
+          </a:prstGeom>
+          <a:noFill/>
+          <a:ln>
+            <a:noFill/>
+          </a:ln>
+          <a:extLst>
+            <a:ext uri="{909E8E84-426E-40DD-AFC4-6F175D3DCCD1}">
+              <a14:hiddenFill xmlns:a14="http://schemas.microsoft.com/office/drawing/2010/main">
+                <a:solidFill>
+                  <a:srgbClr val="FFFFFF"/>
+                </a:solidFill>
+              </a14:hiddenFill>
+            </a:ext>
+            <a:ext uri="{91240B29-F687-4F45-9708-019B960494DF}">
+              <a14:hiddenLine xmlns:a14="http://schemas.microsoft.com/office/drawing/2010/main" w="9525">
+                <a:solidFill>
+                  <a:srgbClr val="000000"/>
+                </a:solidFill>
+                <a:miter lim="800000"/>
+                <a:headEnd/>
+                <a:tailEnd/>
+              </a14:hiddenLine>
+            </a:ext>
+          </a:extLst>
+        </p:spPr>
+        <p:txBody>
+          <a:bodyPr>
+            <a:spAutoFit/>
+          </a:bodyPr>
+          <a:lstStyle>
+            <a:lvl1pPr>
+              <a:defRPr>
+                <a:solidFill>
+                  <a:schemeClr val="tx1"/>
+                </a:solidFill>
+                <a:latin typeface="Calibri" panose="020F0502020204030204" pitchFamily="34" charset="0"/>
+              </a:defRPr>
+            </a:lvl1pPr>
+            <a:lvl2pPr marL="742950" indent="-285750">
+              <a:defRPr>
+                <a:solidFill>
+                  <a:schemeClr val="tx1"/>
+                </a:solidFill>
+                <a:latin typeface="Calibri" panose="020F0502020204030204" pitchFamily="34" charset="0"/>
+              </a:defRPr>
+            </a:lvl2pPr>
+            <a:lvl3pPr marL="1143000" indent="-228600">
+              <a:defRPr>
+                <a:solidFill>
+                  <a:schemeClr val="tx1"/>
+                </a:solidFill>
+                <a:latin typeface="Calibri" panose="020F0502020204030204" pitchFamily="34" charset="0"/>
+              </a:defRPr>
+            </a:lvl3pPr>
+            <a:lvl4pPr marL="1600200" indent="-228600">
+              <a:defRPr>
+                <a:solidFill>
+                  <a:schemeClr val="tx1"/>
+                </a:solidFill>
+                <a:latin typeface="Calibri" panose="020F0502020204030204" pitchFamily="34" charset="0"/>
+              </a:defRPr>
+            </a:lvl4pPr>
+            <a:lvl5pPr marL="2057400" indent="-228600">
+              <a:defRPr>
+                <a:solidFill>
+                  <a:schemeClr val="tx1"/>
+                </a:solidFill>
+                <a:latin typeface="Calibri" panose="020F0502020204030204" pitchFamily="34" charset="0"/>
+              </a:defRPr>
+            </a:lvl5pPr>
+            <a:lvl6pPr marL="2514600" indent="-228600" eaLnBrk="0" fontAlgn="base" hangingPunct="0">
+              <a:spcBef>
+                <a:spcPct val="0"/>
+              </a:spcBef>
+              <a:spcAft>
+                <a:spcPct val="0"/>
+              </a:spcAft>
+              <a:defRPr>
+                <a:solidFill>
+                  <a:schemeClr val="tx1"/>
+                </a:solidFill>
+                <a:latin typeface="Calibri" panose="020F0502020204030204" pitchFamily="34" charset="0"/>
+              </a:defRPr>
+            </a:lvl6pPr>
+            <a:lvl7pPr marL="2971800" indent="-228600" eaLnBrk="0" fontAlgn="base" hangingPunct="0">
+              <a:spcBef>
+                <a:spcPct val="0"/>
+              </a:spcBef>
+              <a:spcAft>
+                <a:spcPct val="0"/>
+              </a:spcAft>
+              <a:defRPr>
+                <a:solidFill>
+                  <a:schemeClr val="tx1"/>
+                </a:solidFill>
+                <a:latin typeface="Calibri" panose="020F0502020204030204" pitchFamily="34" charset="0"/>
+              </a:defRPr>
+            </a:lvl7pPr>
+            <a:lvl8pPr marL="3429000" indent="-228600" eaLnBrk="0" fontAlgn="base" hangingPunct="0">
+              <a:spcBef>
+                <a:spcPct val="0"/>
+              </a:spcBef>
+              <a:spcAft>
+                <a:spcPct val="0"/>
+              </a:spcAft>
+              <a:defRPr>
+                <a:solidFill>
+                  <a:schemeClr val="tx1"/>
+                </a:solidFill>
+                <a:latin typeface="Calibri" panose="020F0502020204030204" pitchFamily="34" charset="0"/>
+              </a:defRPr>
+            </a:lvl8pPr>
+            <a:lvl9pPr marL="3886200" indent="-228600" eaLnBrk="0" fontAlgn="base" hangingPunct="0">
+              <a:spcBef>
+                <a:spcPct val="0"/>
+              </a:spcBef>
+              <a:spcAft>
+                <a:spcPct val="0"/>
+              </a:spcAft>
+              <a:defRPr>
+                <a:solidFill>
+                  <a:schemeClr val="tx1"/>
+                </a:solidFill>
+                <a:latin typeface="Calibri" panose="020F0502020204030204" pitchFamily="34" charset="0"/>
+              </a:defRPr>
+            </a:lvl9pPr>
+          </a:lstStyle>
+          <a:p>
+            <a:pPr algn="ctr" eaLnBrk="1" hangingPunct="1"/>
+            <a:r>
+              <a:rPr lang="en-US" altLang="en-US" sz="1200" dirty="0">
+                <a:latin typeface="Arial" panose="020B0604020202020204" pitchFamily="34" charset="0"/>
+                <a:ea typeface="Amazon Ember" panose="020B0603020204020204" pitchFamily="34" charset="0"/>
+                <a:cs typeface="Arial" panose="020B0604020202020204" pitchFamily="34" charset="0"/>
+              </a:rPr>
+              <a:t>Amazon Route 53</a:t>
+            </a:r>
+          </a:p>
+        </p:txBody>
+      </p:sp>
+      <p:grpSp>
+        <p:nvGrpSpPr>
+          <p:cNvPr id="77" name="Group 76">
+            <a:extLst>
+              <a:ext uri="{FF2B5EF4-FFF2-40B4-BE49-F238E27FC236}">
+                <a16:creationId xmlns:a16="http://schemas.microsoft.com/office/drawing/2014/main" id="{6C3AE32E-392F-4242-A993-F170A406C913}"/>
+              </a:ext>
+            </a:extLst>
+          </p:cNvPr>
+          <p:cNvGrpSpPr/>
+          <p:nvPr/>
+        </p:nvGrpSpPr>
+        <p:grpSpPr>
+          <a:xfrm>
+            <a:off x="7972187" y="4396524"/>
+            <a:ext cx="2243137" cy="1083286"/>
+            <a:chOff x="7972187" y="4396524"/>
+            <a:chExt cx="2243137" cy="1083286"/>
+          </a:xfrm>
+        </p:grpSpPr>
+        <p:pic>
+          <p:nvPicPr>
+            <p:cNvPr id="78" name="Graphic 17">
+              <a:extLst>
+                <a:ext uri="{FF2B5EF4-FFF2-40B4-BE49-F238E27FC236}">
+                  <a16:creationId xmlns:a16="http://schemas.microsoft.com/office/drawing/2014/main" id="{534B5461-8BC6-EE4A-8FAF-E361C816BF6E}"/>
+                </a:ext>
+              </a:extLst>
+            </p:cNvPr>
+            <p:cNvPicPr>
+              <a:picLocks noChangeAspect="1" noChangeArrowheads="1"/>
+            </p:cNvPicPr>
+            <p:nvPr/>
+          </p:nvPicPr>
+          <p:blipFill>
+            <a:blip r:embed="rId16">
+              <a:extLst>
+                <a:ext uri="{28A0092B-C50C-407E-A947-70E740481C1C}">
+                  <a14:useLocalDpi xmlns:a14="http://schemas.microsoft.com/office/drawing/2010/main" val="0"/>
+                </a:ext>
+              </a:extLst>
+            </a:blip>
+            <a:srcRect/>
+            <a:stretch>
+              <a:fillRect/>
+            </a:stretch>
+          </p:blipFill>
+          <p:spPr bwMode="auto">
+            <a:xfrm>
+              <a:off x="8854455" y="4396524"/>
+              <a:ext cx="640080" cy="640080"/>
+            </a:xfrm>
+            <a:prstGeom prst="rect">
+              <a:avLst/>
+            </a:prstGeom>
+            <a:noFill/>
+            <a:ln>
+              <a:noFill/>
+            </a:ln>
+            <a:extLst>
+              <a:ext uri="{909E8E84-426E-40DD-AFC4-6F175D3DCCD1}">
+                <a14:hiddenFill xmlns:a14="http://schemas.microsoft.com/office/drawing/2010/main">
+                  <a:solidFill>
+                    <a:srgbClr val="FFFFFF"/>
+                  </a:solidFill>
+                </a14:hiddenFill>
+              </a:ext>
+              <a:ext uri="{91240B29-F687-4F45-9708-019B960494DF}">
+                <a14:hiddenLine xmlns:a14="http://schemas.microsoft.com/office/drawing/2010/main" w="9525">
+                  <a:solidFill>
+                    <a:srgbClr val="000000"/>
+                  </a:solidFill>
+                  <a:miter lim="800000"/>
+                  <a:headEnd/>
+                  <a:tailEnd/>
+                </a14:hiddenLine>
+              </a:ext>
+            </a:extLst>
+          </p:spPr>
+        </p:pic>
+        <p:sp>
+          <p:nvSpPr>
+            <p:cNvPr id="79" name="TextBox 9">
+              <a:extLst>
+                <a:ext uri="{FF2B5EF4-FFF2-40B4-BE49-F238E27FC236}">
+                  <a16:creationId xmlns:a16="http://schemas.microsoft.com/office/drawing/2014/main" id="{E95DB48C-C6C5-9448-A2BD-3BC3DB2CE96A}"/>
+                </a:ext>
+              </a:extLst>
+            </p:cNvPr>
+            <p:cNvSpPr txBox="1">
+              <a:spLocks noChangeArrowheads="1"/>
+            </p:cNvSpPr>
+            <p:nvPr/>
+          </p:nvSpPr>
+          <p:spPr bwMode="auto">
+            <a:xfrm>
+              <a:off x="7972187" y="5018145"/>
+              <a:ext cx="2243137" cy="461665"/>
+            </a:xfrm>
+            <a:prstGeom prst="rect">
+              <a:avLst/>
+            </a:prstGeom>
+            <a:noFill/>
+            <a:ln>
+              <a:noFill/>
+            </a:ln>
+            <a:extLst>
+              <a:ext uri="{909E8E84-426E-40DD-AFC4-6F175D3DCCD1}">
+                <a14:hiddenFill xmlns:a14="http://schemas.microsoft.com/office/drawing/2010/main">
+                  <a:solidFill>
+                    <a:srgbClr val="FFFFFF"/>
+                  </a:solidFill>
+                </a14:hiddenFill>
+              </a:ext>
+              <a:ext uri="{91240B29-F687-4F45-9708-019B960494DF}">
+                <a14:hiddenLine xmlns:a14="http://schemas.microsoft.com/office/drawing/2010/main" w="9525">
+                  <a:solidFill>
+                    <a:srgbClr val="000000"/>
+                  </a:solidFill>
+                  <a:miter lim="800000"/>
+                  <a:headEnd/>
+                  <a:tailEnd/>
+                </a14:hiddenLine>
+              </a:ext>
+            </a:extLst>
+          </p:spPr>
+          <p:txBody>
+            <a:bodyPr>
+              <a:spAutoFit/>
+            </a:bodyPr>
+            <a:lstStyle>
+              <a:lvl1pPr>
+                <a:defRPr>
+                  <a:solidFill>
+                    <a:schemeClr val="tx1"/>
+                  </a:solidFill>
+                  <a:latin typeface="Calibri" panose="020F0502020204030204" pitchFamily="34" charset="0"/>
+                </a:defRPr>
+              </a:lvl1pPr>
+              <a:lvl2pPr marL="742950" indent="-285750">
+                <a:defRPr>
+                  <a:solidFill>
+                    <a:schemeClr val="tx1"/>
+                  </a:solidFill>
+                  <a:latin typeface="Calibri" panose="020F0502020204030204" pitchFamily="34" charset="0"/>
+                </a:defRPr>
+              </a:lvl2pPr>
+              <a:lvl3pPr marL="1143000" indent="-228600">
+                <a:defRPr>
+                  <a:solidFill>
+                    <a:schemeClr val="tx1"/>
+                  </a:solidFill>
+                  <a:latin typeface="Calibri" panose="020F0502020204030204" pitchFamily="34" charset="0"/>
+                </a:defRPr>
+              </a:lvl3pPr>
+              <a:lvl4pPr marL="1600200" indent="-228600">
+                <a:defRPr>
+                  <a:solidFill>
+                    <a:schemeClr val="tx1"/>
+                  </a:solidFill>
+                  <a:latin typeface="Calibri" panose="020F0502020204030204" pitchFamily="34" charset="0"/>
+                </a:defRPr>
+              </a:lvl4pPr>
+              <a:lvl5pPr marL="2057400" indent="-228600">
+                <a:defRPr>
+                  <a:solidFill>
+                    <a:schemeClr val="tx1"/>
+                  </a:solidFill>
+                  <a:latin typeface="Calibri" panose="020F0502020204030204" pitchFamily="34" charset="0"/>
+                </a:defRPr>
+              </a:lvl5pPr>
+              <a:lvl6pPr marL="2514600" indent="-228600" eaLnBrk="0" fontAlgn="base" hangingPunct="0">
+                <a:spcBef>
+                  <a:spcPct val="0"/>
+                </a:spcBef>
+                <a:spcAft>
+                  <a:spcPct val="0"/>
+                </a:spcAft>
+                <a:defRPr>
+                  <a:solidFill>
+                    <a:schemeClr val="tx1"/>
+                  </a:solidFill>
+                  <a:latin typeface="Calibri" panose="020F0502020204030204" pitchFamily="34" charset="0"/>
+                </a:defRPr>
+              </a:lvl6pPr>
+              <a:lvl7pPr marL="2971800" indent="-228600" eaLnBrk="0" fontAlgn="base" hangingPunct="0">
+                <a:spcBef>
+                  <a:spcPct val="0"/>
+                </a:spcBef>
+                <a:spcAft>
+                  <a:spcPct val="0"/>
+                </a:spcAft>
+                <a:defRPr>
+                  <a:solidFill>
+                    <a:schemeClr val="tx1"/>
+                  </a:solidFill>
+                  <a:latin typeface="Calibri" panose="020F0502020204030204" pitchFamily="34" charset="0"/>
+                </a:defRPr>
+              </a:lvl7pPr>
+              <a:lvl8pPr marL="3429000" indent="-228600" eaLnBrk="0" fontAlgn="base" hangingPunct="0">
+                <a:spcBef>
+                  <a:spcPct val="0"/>
+                </a:spcBef>
+                <a:spcAft>
+                  <a:spcPct val="0"/>
+                </a:spcAft>
+                <a:defRPr>
+                  <a:solidFill>
+                    <a:schemeClr val="tx1"/>
+                  </a:solidFill>
+                  <a:latin typeface="Calibri" panose="020F0502020204030204" pitchFamily="34" charset="0"/>
+                </a:defRPr>
+              </a:lvl8pPr>
+              <a:lvl9pPr marL="3886200" indent="-228600" eaLnBrk="0" fontAlgn="base" hangingPunct="0">
+                <a:spcBef>
+                  <a:spcPct val="0"/>
+                </a:spcBef>
+                <a:spcAft>
+                  <a:spcPct val="0"/>
+                </a:spcAft>
+                <a:defRPr>
+                  <a:solidFill>
+                    <a:schemeClr val="tx1"/>
+                  </a:solidFill>
+                  <a:latin typeface="Calibri" panose="020F0502020204030204" pitchFamily="34" charset="0"/>
+                </a:defRPr>
+              </a:lvl9pPr>
+            </a:lstStyle>
+            <a:p>
+              <a:pPr algn="ctr" eaLnBrk="1" hangingPunct="1"/>
+              <a:r>
+                <a:rPr lang="en-US" altLang="en-US" sz="1200" dirty="0">
+                  <a:latin typeface="Arial" panose="020B0604020202020204" pitchFamily="34" charset="0"/>
+                  <a:ea typeface="Amazon Ember" panose="020B0603020204020204" pitchFamily="34" charset="0"/>
+                  <a:cs typeface="Arial" panose="020B0604020202020204" pitchFamily="34" charset="0"/>
+                </a:rPr>
+                <a:t>Amazon CloudWatch</a:t>
+              </a:r>
+            </a:p>
+            <a:p>
+              <a:pPr algn="ctr" eaLnBrk="1" hangingPunct="1"/>
+              <a:r>
+                <a:rPr lang="en-US" altLang="en-US" sz="1200" dirty="0">
+                  <a:latin typeface="Arial" panose="020B0604020202020204" pitchFamily="34" charset="0"/>
+                  <a:ea typeface="Amazon Ember" panose="020B0603020204020204" pitchFamily="34" charset="0"/>
+                  <a:cs typeface="Arial" panose="020B0604020202020204" pitchFamily="34" charset="0"/>
+                </a:rPr>
+                <a:t>Logging</a:t>
+              </a:r>
+            </a:p>
+          </p:txBody>
+        </p:sp>
+      </p:grpSp>
+    </p:spTree>
+    <p:extLst>
+      <p:ext uri="{BB962C8B-B14F-4D97-AF65-F5344CB8AC3E}">
+        <p14:creationId xmlns:p14="http://schemas.microsoft.com/office/powerpoint/2010/main" val="2798227314"/>
+      </p:ext>
+    </p:extLst>
+  </p:cSld>
+  <p:clrMapOvr>
+    <a:masterClrMapping/>
+  </p:clrMapOvr>
+</p:sld>
+</file>
+
+<file path=ppt/slides/slide5.xml><?xml version="1.0" encoding="utf-8"?>
+<p:sld xmlns:a="http://schemas.openxmlformats.org/drawingml/2006/main" xmlns:r="http://schemas.openxmlformats.org/officeDocument/2006/relationships" xmlns:p="http://schemas.openxmlformats.org/presentationml/2006/main">
+  <p:cSld>
+    <p:spTree>
+      <p:nvGrpSpPr>
+        <p:cNvPr id="1" name=""/>
+        <p:cNvGrpSpPr/>
+        <p:nvPr/>
+      </p:nvGrpSpPr>
+      <p:grpSpPr>
+        <a:xfrm>
+          <a:off x="0" y="0"/>
+          <a:ext cx="0" cy="0"/>
+          <a:chOff x="0" y="0"/>
+          <a:chExt cx="0" cy="0"/>
+        </a:xfrm>
+      </p:grpSpPr>
+      <p:sp>
+        <p:nvSpPr>
+          <p:cNvPr id="2" name="Title 1">
+            <a:extLst>
+              <a:ext uri="{FF2B5EF4-FFF2-40B4-BE49-F238E27FC236}">
+                <a16:creationId xmlns:a16="http://schemas.microsoft.com/office/drawing/2014/main" id="{A79C672B-9943-1C4B-9455-567AA985BF9D}"/>
+              </a:ext>
+            </a:extLst>
+          </p:cNvPr>
+          <p:cNvSpPr>
+            <a:spLocks noGrp="1"/>
+          </p:cNvSpPr>
+          <p:nvPr>
+            <p:ph type="title"/>
+          </p:nvPr>
+        </p:nvSpPr>
+        <p:spPr>
+          <a:xfrm>
+            <a:off x="838200" y="365126"/>
+            <a:ext cx="10515600" cy="1001842"/>
+          </a:xfrm>
+        </p:spPr>
+        <p:txBody>
+          <a:bodyPr/>
+          <a:lstStyle/>
+          <a:p>
+            <a:r>
+              <a:rPr lang="en-US" dirty="0"/>
+              <a:t>Workflows</a:t>
+            </a:r>
+          </a:p>
+        </p:txBody>
+      </p:sp>
+      <p:sp>
+        <p:nvSpPr>
+          <p:cNvPr id="3" name="Content Placeholder 2">
+            <a:extLst>
+              <a:ext uri="{FF2B5EF4-FFF2-40B4-BE49-F238E27FC236}">
+                <a16:creationId xmlns:a16="http://schemas.microsoft.com/office/drawing/2014/main" id="{B1B23770-AE74-654A-B406-E77ED6BFEEBD}"/>
+              </a:ext>
+            </a:extLst>
+          </p:cNvPr>
+          <p:cNvSpPr>
+            <a:spLocks noGrp="1"/>
+          </p:cNvSpPr>
+          <p:nvPr>
+            <p:ph idx="1"/>
+          </p:nvPr>
+        </p:nvSpPr>
+        <p:spPr>
+          <a:xfrm>
+            <a:off x="424842" y="1577507"/>
+            <a:ext cx="3569917" cy="4847573"/>
+          </a:xfrm>
+          <a:ln>
+            <a:solidFill>
+              <a:schemeClr val="tx1"/>
+            </a:solidFill>
+          </a:ln>
+        </p:spPr>
+        <p:txBody>
+          <a:bodyPr>
+            <a:normAutofit lnSpcReduction="10000"/>
+          </a:bodyPr>
+          <a:lstStyle/>
+          <a:p>
+            <a:pPr marL="0" indent="0" algn="ctr">
+              <a:buNone/>
+            </a:pPr>
+            <a:r>
+              <a:rPr lang="en-US" dirty="0"/>
+              <a:t>Scrape</a:t>
+            </a:r>
+          </a:p>
+          <a:p>
+            <a:pPr marL="514350" indent="-514350">
+              <a:buFont typeface="+mj-lt"/>
+              <a:buAutoNum type="arabicPeriod"/>
+            </a:pPr>
+            <a:r>
+              <a:rPr lang="en-US" sz="2400" dirty="0"/>
+              <a:t>EC2 instances scrape each manufacturer’s website.</a:t>
+            </a:r>
+          </a:p>
+          <a:p>
+            <a:pPr marL="514350" indent="-514350">
+              <a:buFont typeface="+mj-lt"/>
+              <a:buAutoNum type="arabicPeriod"/>
+            </a:pPr>
+            <a:r>
+              <a:rPr lang="en-US" sz="2400" dirty="0"/>
+              <a:t>Identify in-stock items and update DynamoDB data store.</a:t>
+            </a:r>
+          </a:p>
+          <a:p>
+            <a:pPr marL="514350" indent="-514350">
+              <a:buFont typeface="+mj-lt"/>
+              <a:buAutoNum type="arabicPeriod"/>
+            </a:pPr>
+            <a:r>
+              <a:rPr lang="en-US" sz="2400" dirty="0"/>
+              <a:t>Using S3 bucket, trigger Lambda.</a:t>
+            </a:r>
+          </a:p>
+          <a:p>
+            <a:pPr marL="514350" indent="-514350">
+              <a:buFont typeface="+mj-lt"/>
+              <a:buAutoNum type="arabicPeriod"/>
+            </a:pPr>
+            <a:r>
+              <a:rPr lang="en-US" sz="2400" dirty="0"/>
+              <a:t>Lambda identifies subscribers of newly in-stock items and notifies them using email and/or text.</a:t>
+            </a:r>
+          </a:p>
+          <a:p>
+            <a:pPr marL="514350" indent="-514350">
+              <a:buFont typeface="+mj-lt"/>
+              <a:buAutoNum type="arabicPeriod"/>
+            </a:pPr>
+            <a:endParaRPr lang="en-US" sz="2400" dirty="0"/>
+          </a:p>
+          <a:p>
+            <a:pPr marL="514350" indent="-514350">
+              <a:buFont typeface="+mj-lt"/>
+              <a:buAutoNum type="arabicPeriod"/>
+            </a:pPr>
+            <a:endParaRPr lang="en-US" sz="2400" dirty="0"/>
+          </a:p>
+        </p:txBody>
+      </p:sp>
+      <p:sp>
+        <p:nvSpPr>
+          <p:cNvPr id="4" name="Content Placeholder 2">
+            <a:extLst>
+              <a:ext uri="{FF2B5EF4-FFF2-40B4-BE49-F238E27FC236}">
+                <a16:creationId xmlns:a16="http://schemas.microsoft.com/office/drawing/2014/main" id="{1CDF3CD9-4F3F-1D43-A21A-D6FE40750A5E}"/>
+              </a:ext>
+            </a:extLst>
+          </p:cNvPr>
+          <p:cNvSpPr txBox="1">
+            <a:spLocks/>
+          </p:cNvSpPr>
+          <p:nvPr/>
+        </p:nvSpPr>
+        <p:spPr>
+          <a:xfrm>
+            <a:off x="4270332" y="1825625"/>
+            <a:ext cx="3257811" cy="4351338"/>
+          </a:xfrm>
+          <a:prstGeom prst="rect">
+            <a:avLst/>
+          </a:prstGeom>
+        </p:spPr>
+        <p:txBody>
+          <a:bodyPr vert="horz" lIns="91440" tIns="45720" rIns="91440" bIns="45720" rtlCol="0">
+            <a:normAutofit/>
+          </a:bodyPr>
+          <a:lstStyle>
+            <a:lvl1pPr marL="228600" indent="-228600" algn="l" defTabSz="914400" rtl="0" eaLnBrk="1" latinLnBrk="0" hangingPunct="1">
+              <a:lnSpc>
+                <a:spcPct val="90000"/>
+              </a:lnSpc>
+              <a:spcBef>
+                <a:spcPts val="1000"/>
+              </a:spcBef>
+              <a:buFont typeface="Arial" panose="020B0604020202020204" pitchFamily="34" charset="0"/>
+              <a:buChar char="•"/>
+              <a:defRPr sz="2800" kern="1200">
+                <a:solidFill>
+                  <a:schemeClr val="tx1"/>
+                </a:solidFill>
+                <a:latin typeface="+mn-lt"/>
+                <a:ea typeface="+mn-ea"/>
+                <a:cs typeface="+mn-cs"/>
+              </a:defRPr>
+            </a:lvl1pPr>
+            <a:lvl2pPr marL="685800" indent="-228600" algn="l" defTabSz="914400" rtl="0" eaLnBrk="1" latinLnBrk="0" hangingPunct="1">
+              <a:lnSpc>
+                <a:spcPct val="90000"/>
+              </a:lnSpc>
+              <a:spcBef>
+                <a:spcPts val="500"/>
+              </a:spcBef>
+              <a:buFont typeface="Arial" panose="020B0604020202020204" pitchFamily="34" charset="0"/>
+              <a:buChar char="•"/>
+              <a:defRPr sz="2400" kern="1200">
+                <a:solidFill>
+                  <a:schemeClr val="tx1"/>
+                </a:solidFill>
+                <a:latin typeface="+mn-lt"/>
+                <a:ea typeface="+mn-ea"/>
+                <a:cs typeface="+mn-cs"/>
+              </a:defRPr>
+            </a:lvl2pPr>
+            <a:lvl3pPr marL="1143000" indent="-228600" algn="l" defTabSz="914400" rtl="0" eaLnBrk="1" latinLnBrk="0" hangingPunct="1">
+              <a:lnSpc>
+                <a:spcPct val="90000"/>
+              </a:lnSpc>
+              <a:spcBef>
+                <a:spcPts val="500"/>
+              </a:spcBef>
+              <a:buFont typeface="Arial" panose="020B0604020202020204" pitchFamily="34" charset="0"/>
+              <a:buChar char="•"/>
+              <a:defRPr sz="2000" kern="1200">
+                <a:solidFill>
+                  <a:schemeClr val="tx1"/>
+                </a:solidFill>
+                <a:latin typeface="+mn-lt"/>
+                <a:ea typeface="+mn-ea"/>
+                <a:cs typeface="+mn-cs"/>
+              </a:defRPr>
+            </a:lvl3pPr>
+            <a:lvl4pPr marL="1600200" indent="-228600" algn="l" defTabSz="914400" rtl="0" eaLnBrk="1" latinLnBrk="0" hangingPunct="1">
+              <a:lnSpc>
+                <a:spcPct val="90000"/>
+              </a:lnSpc>
+              <a:spcBef>
+                <a:spcPts val="500"/>
+              </a:spcBef>
+              <a:buFont typeface="Arial" panose="020B0604020202020204" pitchFamily="34" charset="0"/>
+              <a:buChar char="•"/>
+              <a:defRPr sz="1800" kern="1200">
+                <a:solidFill>
+                  <a:schemeClr val="tx1"/>
+                </a:solidFill>
+                <a:latin typeface="+mn-lt"/>
+                <a:ea typeface="+mn-ea"/>
+                <a:cs typeface="+mn-cs"/>
+              </a:defRPr>
+            </a:lvl4pPr>
+            <a:lvl5pPr marL="2057400" indent="-228600" algn="l" defTabSz="914400" rtl="0" eaLnBrk="1" latinLnBrk="0" hangingPunct="1">
+              <a:lnSpc>
+                <a:spcPct val="90000"/>
+              </a:lnSpc>
+              <a:spcBef>
+                <a:spcPts val="500"/>
+              </a:spcBef>
+              <a:buFont typeface="Arial" panose="020B0604020202020204" pitchFamily="34" charset="0"/>
+              <a:buChar char="•"/>
+              <a:defRPr sz="1800" kern="1200">
+                <a:solidFill>
+                  <a:schemeClr val="tx1"/>
+                </a:solidFill>
+                <a:latin typeface="+mn-lt"/>
+                <a:ea typeface="+mn-ea"/>
+                <a:cs typeface="+mn-cs"/>
+              </a:defRPr>
+            </a:lvl5pPr>
+            <a:lvl6pPr marL="2514600" indent="-228600" algn="l" defTabSz="914400" rtl="0" eaLnBrk="1" latinLnBrk="0" hangingPunct="1">
+              <a:lnSpc>
+                <a:spcPct val="90000"/>
+              </a:lnSpc>
+              <a:spcBef>
+                <a:spcPts val="500"/>
+              </a:spcBef>
+              <a:buFont typeface="Arial" panose="020B0604020202020204" pitchFamily="34" charset="0"/>
+              <a:buChar char="•"/>
+              <a:defRPr sz="1800" kern="1200">
+                <a:solidFill>
+                  <a:schemeClr val="tx1"/>
+                </a:solidFill>
+                <a:latin typeface="+mn-lt"/>
+                <a:ea typeface="+mn-ea"/>
+                <a:cs typeface="+mn-cs"/>
+              </a:defRPr>
+            </a:lvl6pPr>
+            <a:lvl7pPr marL="2971800" indent="-228600" algn="l" defTabSz="914400" rtl="0" eaLnBrk="1" latinLnBrk="0" hangingPunct="1">
+              <a:lnSpc>
+                <a:spcPct val="90000"/>
+              </a:lnSpc>
+              <a:spcBef>
+                <a:spcPts val="500"/>
+              </a:spcBef>
+              <a:buFont typeface="Arial" panose="020B0604020202020204" pitchFamily="34" charset="0"/>
+              <a:buChar char="•"/>
+              <a:defRPr sz="1800" kern="1200">
+                <a:solidFill>
+                  <a:schemeClr val="tx1"/>
+                </a:solidFill>
+                <a:latin typeface="+mn-lt"/>
+                <a:ea typeface="+mn-ea"/>
+                <a:cs typeface="+mn-cs"/>
+              </a:defRPr>
+            </a:lvl7pPr>
+            <a:lvl8pPr marL="3429000" indent="-228600" algn="l" defTabSz="914400" rtl="0" eaLnBrk="1" latinLnBrk="0" hangingPunct="1">
+              <a:lnSpc>
+                <a:spcPct val="90000"/>
+              </a:lnSpc>
+              <a:spcBef>
+                <a:spcPts val="500"/>
+              </a:spcBef>
+              <a:buFont typeface="Arial" panose="020B0604020202020204" pitchFamily="34" charset="0"/>
+              <a:buChar char="•"/>
+              <a:defRPr sz="1800" kern="1200">
+                <a:solidFill>
+                  <a:schemeClr val="tx1"/>
+                </a:solidFill>
+                <a:latin typeface="+mn-lt"/>
+                <a:ea typeface="+mn-ea"/>
+                <a:cs typeface="+mn-cs"/>
+              </a:defRPr>
+            </a:lvl8pPr>
+            <a:lvl9pPr marL="3886200" indent="-228600" algn="l" defTabSz="914400" rtl="0" eaLnBrk="1" latinLnBrk="0" hangingPunct="1">
+              <a:lnSpc>
+                <a:spcPct val="90000"/>
+              </a:lnSpc>
+              <a:spcBef>
+                <a:spcPts val="500"/>
+              </a:spcBef>
+              <a:buFont typeface="Arial" panose="020B0604020202020204" pitchFamily="34" charset="0"/>
+              <a:buChar char="•"/>
+              <a:defRPr sz="1800" kern="1200">
+                <a:solidFill>
+                  <a:schemeClr val="tx1"/>
+                </a:solidFill>
+                <a:latin typeface="+mn-lt"/>
+                <a:ea typeface="+mn-ea"/>
+                <a:cs typeface="+mn-cs"/>
+              </a:defRPr>
+            </a:lvl9pPr>
+          </a:lstStyle>
+          <a:p>
+            <a:endParaRPr lang="en-US" dirty="0"/>
+          </a:p>
+        </p:txBody>
+      </p:sp>
+      <p:sp>
+        <p:nvSpPr>
+          <p:cNvPr id="7" name="Content Placeholder 2">
+            <a:extLst>
+              <a:ext uri="{FF2B5EF4-FFF2-40B4-BE49-F238E27FC236}">
+                <a16:creationId xmlns:a16="http://schemas.microsoft.com/office/drawing/2014/main" id="{2EEBBD4B-4F5D-1B4B-BD24-AAD7B08BEFEC}"/>
+              </a:ext>
+            </a:extLst>
+          </p:cNvPr>
+          <p:cNvSpPr txBox="1">
+            <a:spLocks/>
+          </p:cNvSpPr>
+          <p:nvPr/>
+        </p:nvSpPr>
+        <p:spPr>
+          <a:xfrm>
+            <a:off x="4270333" y="1577507"/>
+            <a:ext cx="3533384" cy="4847573"/>
+          </a:xfrm>
+          <a:prstGeom prst="rect">
+            <a:avLst/>
+          </a:prstGeom>
+          <a:ln>
+            <a:solidFill>
+              <a:schemeClr val="tx1"/>
+            </a:solidFill>
+          </a:ln>
+        </p:spPr>
+        <p:txBody>
+          <a:bodyPr vert="horz" lIns="91440" tIns="45720" rIns="91440" bIns="45720" rtlCol="0">
+            <a:normAutofit/>
+          </a:bodyPr>
+          <a:lstStyle>
+            <a:lvl1pPr marL="228600" indent="-228600" algn="l" defTabSz="914400" rtl="0" eaLnBrk="1" latinLnBrk="0" hangingPunct="1">
+              <a:lnSpc>
+                <a:spcPct val="90000"/>
+              </a:lnSpc>
+              <a:spcBef>
+                <a:spcPts val="1000"/>
+              </a:spcBef>
+              <a:buFont typeface="Arial" panose="020B0604020202020204" pitchFamily="34" charset="0"/>
+              <a:buChar char="•"/>
+              <a:defRPr sz="2800" kern="1200">
+                <a:solidFill>
+                  <a:schemeClr val="tx1"/>
+                </a:solidFill>
+                <a:latin typeface="+mn-lt"/>
+                <a:ea typeface="+mn-ea"/>
+                <a:cs typeface="+mn-cs"/>
+              </a:defRPr>
+            </a:lvl1pPr>
+            <a:lvl2pPr marL="685800" indent="-228600" algn="l" defTabSz="914400" rtl="0" eaLnBrk="1" latinLnBrk="0" hangingPunct="1">
+              <a:lnSpc>
+                <a:spcPct val="90000"/>
+              </a:lnSpc>
+              <a:spcBef>
+                <a:spcPts val="500"/>
+              </a:spcBef>
+              <a:buFont typeface="Arial" panose="020B0604020202020204" pitchFamily="34" charset="0"/>
+              <a:buChar char="•"/>
+              <a:defRPr sz="2400" kern="1200">
+                <a:solidFill>
+                  <a:schemeClr val="tx1"/>
+                </a:solidFill>
+                <a:latin typeface="+mn-lt"/>
+                <a:ea typeface="+mn-ea"/>
+                <a:cs typeface="+mn-cs"/>
+              </a:defRPr>
+            </a:lvl2pPr>
+            <a:lvl3pPr marL="1143000" indent="-228600" algn="l" defTabSz="914400" rtl="0" eaLnBrk="1" latinLnBrk="0" hangingPunct="1">
+              <a:lnSpc>
+                <a:spcPct val="90000"/>
+              </a:lnSpc>
+              <a:spcBef>
+                <a:spcPts val="500"/>
+              </a:spcBef>
+              <a:buFont typeface="Arial" panose="020B0604020202020204" pitchFamily="34" charset="0"/>
+              <a:buChar char="•"/>
+              <a:defRPr sz="2000" kern="1200">
+                <a:solidFill>
+                  <a:schemeClr val="tx1"/>
+                </a:solidFill>
+                <a:latin typeface="+mn-lt"/>
+                <a:ea typeface="+mn-ea"/>
+                <a:cs typeface="+mn-cs"/>
+              </a:defRPr>
+            </a:lvl3pPr>
+            <a:lvl4pPr marL="1600200" indent="-228600" algn="l" defTabSz="914400" rtl="0" eaLnBrk="1" latinLnBrk="0" hangingPunct="1">
+              <a:lnSpc>
+                <a:spcPct val="90000"/>
+              </a:lnSpc>
+              <a:spcBef>
+                <a:spcPts val="500"/>
+              </a:spcBef>
+              <a:buFont typeface="Arial" panose="020B0604020202020204" pitchFamily="34" charset="0"/>
+              <a:buChar char="•"/>
+              <a:defRPr sz="1800" kern="1200">
+                <a:solidFill>
+                  <a:schemeClr val="tx1"/>
+                </a:solidFill>
+                <a:latin typeface="+mn-lt"/>
+                <a:ea typeface="+mn-ea"/>
+                <a:cs typeface="+mn-cs"/>
+              </a:defRPr>
+            </a:lvl4pPr>
+            <a:lvl5pPr marL="2057400" indent="-228600" algn="l" defTabSz="914400" rtl="0" eaLnBrk="1" latinLnBrk="0" hangingPunct="1">
+              <a:lnSpc>
+                <a:spcPct val="90000"/>
+              </a:lnSpc>
+              <a:spcBef>
+                <a:spcPts val="500"/>
+              </a:spcBef>
+              <a:buFont typeface="Arial" panose="020B0604020202020204" pitchFamily="34" charset="0"/>
+              <a:buChar char="•"/>
+              <a:defRPr sz="1800" kern="1200">
+                <a:solidFill>
+                  <a:schemeClr val="tx1"/>
+                </a:solidFill>
+                <a:latin typeface="+mn-lt"/>
+                <a:ea typeface="+mn-ea"/>
+                <a:cs typeface="+mn-cs"/>
+              </a:defRPr>
+            </a:lvl5pPr>
+            <a:lvl6pPr marL="2514600" indent="-228600" algn="l" defTabSz="914400" rtl="0" eaLnBrk="1" latinLnBrk="0" hangingPunct="1">
+              <a:lnSpc>
+                <a:spcPct val="90000"/>
+              </a:lnSpc>
+              <a:spcBef>
+                <a:spcPts val="500"/>
+              </a:spcBef>
+              <a:buFont typeface="Arial" panose="020B0604020202020204" pitchFamily="34" charset="0"/>
+              <a:buChar char="•"/>
+              <a:defRPr sz="1800" kern="1200">
+                <a:solidFill>
+                  <a:schemeClr val="tx1"/>
+                </a:solidFill>
+                <a:latin typeface="+mn-lt"/>
+                <a:ea typeface="+mn-ea"/>
+                <a:cs typeface="+mn-cs"/>
+              </a:defRPr>
+            </a:lvl6pPr>
+            <a:lvl7pPr marL="2971800" indent="-228600" algn="l" defTabSz="914400" rtl="0" eaLnBrk="1" latinLnBrk="0" hangingPunct="1">
+              <a:lnSpc>
+                <a:spcPct val="90000"/>
+              </a:lnSpc>
+              <a:spcBef>
+                <a:spcPts val="500"/>
+              </a:spcBef>
+              <a:buFont typeface="Arial" panose="020B0604020202020204" pitchFamily="34" charset="0"/>
+              <a:buChar char="•"/>
+              <a:defRPr sz="1800" kern="1200">
+                <a:solidFill>
+                  <a:schemeClr val="tx1"/>
+                </a:solidFill>
+                <a:latin typeface="+mn-lt"/>
+                <a:ea typeface="+mn-ea"/>
+                <a:cs typeface="+mn-cs"/>
+              </a:defRPr>
+            </a:lvl7pPr>
+            <a:lvl8pPr marL="3429000" indent="-228600" algn="l" defTabSz="914400" rtl="0" eaLnBrk="1" latinLnBrk="0" hangingPunct="1">
+              <a:lnSpc>
+                <a:spcPct val="90000"/>
+              </a:lnSpc>
+              <a:spcBef>
+                <a:spcPts val="500"/>
+              </a:spcBef>
+              <a:buFont typeface="Arial" panose="020B0604020202020204" pitchFamily="34" charset="0"/>
+              <a:buChar char="•"/>
+              <a:defRPr sz="1800" kern="1200">
+                <a:solidFill>
+                  <a:schemeClr val="tx1"/>
+                </a:solidFill>
+                <a:latin typeface="+mn-lt"/>
+                <a:ea typeface="+mn-ea"/>
+                <a:cs typeface="+mn-cs"/>
+              </a:defRPr>
+            </a:lvl8pPr>
+            <a:lvl9pPr marL="3886200" indent="-228600" algn="l" defTabSz="914400" rtl="0" eaLnBrk="1" latinLnBrk="0" hangingPunct="1">
+              <a:lnSpc>
+                <a:spcPct val="90000"/>
+              </a:lnSpc>
+              <a:spcBef>
+                <a:spcPts val="500"/>
+              </a:spcBef>
+              <a:buFont typeface="Arial" panose="020B0604020202020204" pitchFamily="34" charset="0"/>
+              <a:buChar char="•"/>
+              <a:defRPr sz="1800" kern="1200">
+                <a:solidFill>
+                  <a:schemeClr val="tx1"/>
+                </a:solidFill>
+                <a:latin typeface="+mn-lt"/>
+                <a:ea typeface="+mn-ea"/>
+                <a:cs typeface="+mn-cs"/>
+              </a:defRPr>
+            </a:lvl9pPr>
+          </a:lstStyle>
+          <a:p>
+            <a:pPr marL="0" indent="0" algn="ctr">
+              <a:buFont typeface="Arial" panose="020B0604020202020204" pitchFamily="34" charset="0"/>
+              <a:buNone/>
+            </a:pPr>
+            <a:r>
+              <a:rPr lang="en-US" dirty="0"/>
+              <a:t>Present Products</a:t>
+            </a:r>
+          </a:p>
+          <a:p>
+            <a:pPr marL="514350" indent="-514350">
+              <a:buFont typeface="+mj-lt"/>
+              <a:buAutoNum type="arabicPeriod"/>
+            </a:pPr>
+            <a:r>
+              <a:rPr lang="en-US" sz="2400" dirty="0"/>
+              <a:t>User visits website. API Gateway call loads product categories and manufacturers.</a:t>
+            </a:r>
+          </a:p>
+          <a:p>
+            <a:pPr marL="514350" indent="-514350">
+              <a:buFont typeface="+mj-lt"/>
+              <a:buAutoNum type="arabicPeriod"/>
+            </a:pPr>
+            <a:r>
+              <a:rPr lang="en-US" sz="2400" dirty="0"/>
+              <a:t>User selects specific product category or manufacturer.</a:t>
+            </a:r>
+          </a:p>
+          <a:p>
+            <a:pPr marL="514350" indent="-514350">
+              <a:buFont typeface="+mj-lt"/>
+              <a:buAutoNum type="arabicPeriod"/>
+            </a:pPr>
+            <a:r>
+              <a:rPr lang="en-US" sz="2400" dirty="0"/>
+              <a:t>API Gateway call updates site with a list of in-stock products, and a list of all supported products. </a:t>
+            </a:r>
+          </a:p>
+        </p:txBody>
+      </p:sp>
+      <p:sp>
+        <p:nvSpPr>
+          <p:cNvPr id="8" name="Content Placeholder 2">
+            <a:extLst>
+              <a:ext uri="{FF2B5EF4-FFF2-40B4-BE49-F238E27FC236}">
+                <a16:creationId xmlns:a16="http://schemas.microsoft.com/office/drawing/2014/main" id="{BCE31DCF-6A18-2A4B-A3DC-7A27C8D5FD13}"/>
+              </a:ext>
+            </a:extLst>
+          </p:cNvPr>
+          <p:cNvSpPr txBox="1">
+            <a:spLocks/>
+          </p:cNvSpPr>
+          <p:nvPr/>
+        </p:nvSpPr>
+        <p:spPr>
+          <a:xfrm>
+            <a:off x="8194370" y="1577506"/>
+            <a:ext cx="3533384" cy="4847573"/>
+          </a:xfrm>
+          <a:prstGeom prst="rect">
+            <a:avLst/>
+          </a:prstGeom>
+          <a:ln>
+            <a:solidFill>
+              <a:schemeClr val="tx1"/>
+            </a:solidFill>
+          </a:ln>
+        </p:spPr>
+        <p:txBody>
+          <a:bodyPr vert="horz" lIns="91440" tIns="45720" rIns="91440" bIns="45720" rtlCol="0">
+            <a:normAutofit lnSpcReduction="10000"/>
+          </a:bodyPr>
+          <a:lstStyle>
+            <a:lvl1pPr marL="228600" indent="-228600" algn="l" defTabSz="914400" rtl="0" eaLnBrk="1" latinLnBrk="0" hangingPunct="1">
+              <a:lnSpc>
+                <a:spcPct val="90000"/>
+              </a:lnSpc>
+              <a:spcBef>
+                <a:spcPts val="1000"/>
+              </a:spcBef>
+              <a:buFont typeface="Arial" panose="020B0604020202020204" pitchFamily="34" charset="0"/>
+              <a:buChar char="•"/>
+              <a:defRPr sz="2800" kern="1200">
+                <a:solidFill>
+                  <a:schemeClr val="tx1"/>
+                </a:solidFill>
+                <a:latin typeface="+mn-lt"/>
+                <a:ea typeface="+mn-ea"/>
+                <a:cs typeface="+mn-cs"/>
+              </a:defRPr>
+            </a:lvl1pPr>
+            <a:lvl2pPr marL="685800" indent="-228600" algn="l" defTabSz="914400" rtl="0" eaLnBrk="1" latinLnBrk="0" hangingPunct="1">
+              <a:lnSpc>
+                <a:spcPct val="90000"/>
+              </a:lnSpc>
+              <a:spcBef>
+                <a:spcPts val="500"/>
+              </a:spcBef>
+              <a:buFont typeface="Arial" panose="020B0604020202020204" pitchFamily="34" charset="0"/>
+              <a:buChar char="•"/>
+              <a:defRPr sz="2400" kern="1200">
+                <a:solidFill>
+                  <a:schemeClr val="tx1"/>
+                </a:solidFill>
+                <a:latin typeface="+mn-lt"/>
+                <a:ea typeface="+mn-ea"/>
+                <a:cs typeface="+mn-cs"/>
+              </a:defRPr>
+            </a:lvl2pPr>
+            <a:lvl3pPr marL="1143000" indent="-228600" algn="l" defTabSz="914400" rtl="0" eaLnBrk="1" latinLnBrk="0" hangingPunct="1">
+              <a:lnSpc>
+                <a:spcPct val="90000"/>
+              </a:lnSpc>
+              <a:spcBef>
+                <a:spcPts val="500"/>
+              </a:spcBef>
+              <a:buFont typeface="Arial" panose="020B0604020202020204" pitchFamily="34" charset="0"/>
+              <a:buChar char="•"/>
+              <a:defRPr sz="2000" kern="1200">
+                <a:solidFill>
+                  <a:schemeClr val="tx1"/>
+                </a:solidFill>
+                <a:latin typeface="+mn-lt"/>
+                <a:ea typeface="+mn-ea"/>
+                <a:cs typeface="+mn-cs"/>
+              </a:defRPr>
+            </a:lvl3pPr>
+            <a:lvl4pPr marL="1600200" indent="-228600" algn="l" defTabSz="914400" rtl="0" eaLnBrk="1" latinLnBrk="0" hangingPunct="1">
+              <a:lnSpc>
+                <a:spcPct val="90000"/>
+              </a:lnSpc>
+              <a:spcBef>
+                <a:spcPts val="500"/>
+              </a:spcBef>
+              <a:buFont typeface="Arial" panose="020B0604020202020204" pitchFamily="34" charset="0"/>
+              <a:buChar char="•"/>
+              <a:defRPr sz="1800" kern="1200">
+                <a:solidFill>
+                  <a:schemeClr val="tx1"/>
+                </a:solidFill>
+                <a:latin typeface="+mn-lt"/>
+                <a:ea typeface="+mn-ea"/>
+                <a:cs typeface="+mn-cs"/>
+              </a:defRPr>
+            </a:lvl4pPr>
+            <a:lvl5pPr marL="2057400" indent="-228600" algn="l" defTabSz="914400" rtl="0" eaLnBrk="1" latinLnBrk="0" hangingPunct="1">
+              <a:lnSpc>
+                <a:spcPct val="90000"/>
+              </a:lnSpc>
+              <a:spcBef>
+                <a:spcPts val="500"/>
+              </a:spcBef>
+              <a:buFont typeface="Arial" panose="020B0604020202020204" pitchFamily="34" charset="0"/>
+              <a:buChar char="•"/>
+              <a:defRPr sz="1800" kern="1200">
+                <a:solidFill>
+                  <a:schemeClr val="tx1"/>
+                </a:solidFill>
+                <a:latin typeface="+mn-lt"/>
+                <a:ea typeface="+mn-ea"/>
+                <a:cs typeface="+mn-cs"/>
+              </a:defRPr>
+            </a:lvl5pPr>
+            <a:lvl6pPr marL="2514600" indent="-228600" algn="l" defTabSz="914400" rtl="0" eaLnBrk="1" latinLnBrk="0" hangingPunct="1">
+              <a:lnSpc>
+                <a:spcPct val="90000"/>
+              </a:lnSpc>
+              <a:spcBef>
+                <a:spcPts val="500"/>
+              </a:spcBef>
+              <a:buFont typeface="Arial" panose="020B0604020202020204" pitchFamily="34" charset="0"/>
+              <a:buChar char="•"/>
+              <a:defRPr sz="1800" kern="1200">
+                <a:solidFill>
+                  <a:schemeClr val="tx1"/>
+                </a:solidFill>
+                <a:latin typeface="+mn-lt"/>
+                <a:ea typeface="+mn-ea"/>
+                <a:cs typeface="+mn-cs"/>
+              </a:defRPr>
+            </a:lvl6pPr>
+            <a:lvl7pPr marL="2971800" indent="-228600" algn="l" defTabSz="914400" rtl="0" eaLnBrk="1" latinLnBrk="0" hangingPunct="1">
+              <a:lnSpc>
+                <a:spcPct val="90000"/>
+              </a:lnSpc>
+              <a:spcBef>
+                <a:spcPts val="500"/>
+              </a:spcBef>
+              <a:buFont typeface="Arial" panose="020B0604020202020204" pitchFamily="34" charset="0"/>
+              <a:buChar char="•"/>
+              <a:defRPr sz="1800" kern="1200">
+                <a:solidFill>
+                  <a:schemeClr val="tx1"/>
+                </a:solidFill>
+                <a:latin typeface="+mn-lt"/>
+                <a:ea typeface="+mn-ea"/>
+                <a:cs typeface="+mn-cs"/>
+              </a:defRPr>
+            </a:lvl7pPr>
+            <a:lvl8pPr marL="3429000" indent="-228600" algn="l" defTabSz="914400" rtl="0" eaLnBrk="1" latinLnBrk="0" hangingPunct="1">
+              <a:lnSpc>
+                <a:spcPct val="90000"/>
+              </a:lnSpc>
+              <a:spcBef>
+                <a:spcPts val="500"/>
+              </a:spcBef>
+              <a:buFont typeface="Arial" panose="020B0604020202020204" pitchFamily="34" charset="0"/>
+              <a:buChar char="•"/>
+              <a:defRPr sz="1800" kern="1200">
+                <a:solidFill>
+                  <a:schemeClr val="tx1"/>
+                </a:solidFill>
+                <a:latin typeface="+mn-lt"/>
+                <a:ea typeface="+mn-ea"/>
+                <a:cs typeface="+mn-cs"/>
+              </a:defRPr>
+            </a:lvl8pPr>
+            <a:lvl9pPr marL="3886200" indent="-228600" algn="l" defTabSz="914400" rtl="0" eaLnBrk="1" latinLnBrk="0" hangingPunct="1">
+              <a:lnSpc>
+                <a:spcPct val="90000"/>
+              </a:lnSpc>
+              <a:spcBef>
+                <a:spcPts val="500"/>
+              </a:spcBef>
+              <a:buFont typeface="Arial" panose="020B0604020202020204" pitchFamily="34" charset="0"/>
+              <a:buChar char="•"/>
+              <a:defRPr sz="1800" kern="1200">
+                <a:solidFill>
+                  <a:schemeClr val="tx1"/>
+                </a:solidFill>
+                <a:latin typeface="+mn-lt"/>
+                <a:ea typeface="+mn-ea"/>
+                <a:cs typeface="+mn-cs"/>
+              </a:defRPr>
+            </a:lvl9pPr>
+          </a:lstStyle>
+          <a:p>
+            <a:pPr marL="0" indent="0" algn="ctr">
+              <a:buFont typeface="Arial" panose="020B0604020202020204" pitchFamily="34" charset="0"/>
+              <a:buNone/>
+            </a:pPr>
+            <a:r>
+              <a:rPr lang="en-US" dirty="0"/>
+              <a:t>Subscribe</a:t>
+            </a:r>
+          </a:p>
+          <a:p>
+            <a:pPr marL="457200" indent="-457200">
+              <a:buFont typeface="+mj-lt"/>
+              <a:buAutoNum type="arabicPeriod"/>
+            </a:pPr>
+            <a:r>
+              <a:rPr lang="en-US" sz="2400" dirty="0"/>
+              <a:t>User submits personal information.</a:t>
+            </a:r>
+          </a:p>
+          <a:p>
+            <a:pPr marL="457200" indent="-457200">
+              <a:buFont typeface="+mj-lt"/>
+              <a:buAutoNum type="arabicPeriod"/>
+            </a:pPr>
+            <a:r>
+              <a:rPr lang="en-US" sz="2400" dirty="0"/>
+              <a:t>Product lists update with a subscribe button next to each product.</a:t>
+            </a:r>
+          </a:p>
+          <a:p>
+            <a:pPr marL="457200" indent="-457200">
+              <a:buFont typeface="+mj-lt"/>
+              <a:buAutoNum type="arabicPeriod"/>
+            </a:pPr>
+            <a:r>
+              <a:rPr lang="en-US" sz="2400" dirty="0"/>
+              <a:t>User can subscribe or unsubscribe to a specific product.</a:t>
+            </a:r>
+          </a:p>
+          <a:p>
+            <a:pPr marL="457200" indent="-457200">
+              <a:buFont typeface="+mj-lt"/>
+              <a:buAutoNum type="arabicPeriod"/>
+            </a:pPr>
+            <a:r>
+              <a:rPr lang="en-US" sz="2400" dirty="0"/>
+              <a:t>Upon scrape update, user receives notification if product is in stock.</a:t>
+            </a:r>
+          </a:p>
+        </p:txBody>
+      </p:sp>
+    </p:spTree>
+    <p:extLst>
+      <p:ext uri="{BB962C8B-B14F-4D97-AF65-F5344CB8AC3E}">
+        <p14:creationId xmlns:p14="http://schemas.microsoft.com/office/powerpoint/2010/main" val="2490756304"/>
       </p:ext>
     </p:extLst>
   </p:cSld>
